--- a/ODM-CDF.pptx
+++ b/ODM-CDF.pptx
@@ -5,7 +5,7 @@
     <p:sldMasterId id="2147483660" r:id="rId1"/>
   </p:sldMasterIdLst>
   <p:notesMasterIdLst>
-    <p:notesMasterId r:id="rId27"/>
+    <p:notesMasterId r:id="rId28"/>
   </p:notesMasterIdLst>
   <p:sldIdLst>
     <p:sldId id="258" r:id="rId2"/>
@@ -33,6 +33,7 @@
     <p:sldId id="270" r:id="rId24"/>
     <p:sldId id="281" r:id="rId25"/>
     <p:sldId id="282" r:id="rId26"/>
+    <p:sldId id="283" r:id="rId27"/>
   </p:sldIdLst>
   <p:sldSz cx="9144000" cy="6858000" type="letter"/>
   <p:notesSz cx="6858000" cy="9144000"/>
@@ -12542,6 +12543,457 @@
     <p:extLst>
       <p:ext uri="{BB962C8B-B14F-4D97-AF65-F5344CB8AC3E}">
         <p14:creationId xmlns:p14="http://schemas.microsoft.com/office/powerpoint/2010/main" val="214120434"/>
+      </p:ext>
+    </p:extLst>
+  </p:cSld>
+  <p:clrMapOvr>
+    <a:masterClrMapping/>
+  </p:clrMapOvr>
+</p:sld>
+</file>
+
+<file path=ppt/slides/slide26.xml><?xml version="1.0" encoding="utf-8"?>
+<p:sld xmlns:a="http://schemas.openxmlformats.org/drawingml/2006/main" xmlns:r="http://schemas.openxmlformats.org/officeDocument/2006/relationships" xmlns:p="http://schemas.openxmlformats.org/presentationml/2006/main">
+  <p:cSld>
+    <p:spTree>
+      <p:nvGrpSpPr>
+        <p:cNvPr id="1" name=""/>
+        <p:cNvGrpSpPr/>
+        <p:nvPr/>
+      </p:nvGrpSpPr>
+      <p:grpSpPr>
+        <a:xfrm>
+          <a:off x="0" y="0"/>
+          <a:ext cx="0" cy="0"/>
+          <a:chOff x="0" y="0"/>
+          <a:chExt cx="0" cy="0"/>
+        </a:xfrm>
+      </p:grpSpPr>
+      <p:sp>
+        <p:nvSpPr>
+          <p:cNvPr id="2" name="Title 1"/>
+          <p:cNvSpPr>
+            <a:spLocks noGrp="1"/>
+          </p:cNvSpPr>
+          <p:nvPr>
+            <p:ph type="title"/>
+          </p:nvPr>
+        </p:nvSpPr>
+        <p:spPr/>
+        <p:txBody>
+          <a:bodyPr/>
+          <a:lstStyle/>
+          <a:p>
+            <a:r>
+              <a:rPr lang="en-US" dirty="0" smtClean="0"/>
+              <a:t>Example Device Level </a:t>
+            </a:r>
+            <a:r>
+              <a:rPr lang="en-US" dirty="0" err="1" smtClean="0"/>
+              <a:t>Definitoin</a:t>
+            </a:r>
+            <a:endParaRPr lang="en-US" dirty="0"/>
+          </a:p>
+        </p:txBody>
+      </p:sp>
+      <p:sp>
+        <p:nvSpPr>
+          <p:cNvPr id="4" name="Rectangle 3"/>
+          <p:cNvSpPr/>
+          <p:nvPr/>
+        </p:nvSpPr>
+        <p:spPr>
+          <a:xfrm>
+            <a:off x="1600200" y="1889611"/>
+            <a:ext cx="5943600" cy="3046988"/>
+          </a:xfrm>
+          <a:prstGeom prst="rect">
+            <a:avLst/>
+          </a:prstGeom>
+        </p:spPr>
+        <p:txBody>
+          <a:bodyPr wrap="square">
+            <a:spAutoFit/>
+          </a:bodyPr>
+          <a:lstStyle/>
+          <a:p>
+            <a:r>
+              <a:rPr lang="en-US" sz="1600" dirty="0">
+                <a:solidFill>
+                  <a:srgbClr val="000000"/>
+                </a:solidFill>
+                <a:latin typeface="Courier" charset="0"/>
+                <a:ea typeface="Courier" charset="0"/>
+                <a:cs typeface="Courier" charset="0"/>
+              </a:rPr>
+              <a:t>{</a:t>
+            </a:r>
+          </a:p>
+          <a:p>
+            <a:r>
+              <a:rPr lang="en-US" sz="1600" dirty="0">
+                <a:solidFill>
+                  <a:srgbClr val="000000"/>
+                </a:solidFill>
+                <a:latin typeface="Courier" charset="0"/>
+                <a:ea typeface="Courier" charset="0"/>
+                <a:cs typeface="Courier" charset="0"/>
+              </a:rPr>
+              <a:t>  "@id": </a:t>
+            </a:r>
+            <a:r>
+              <a:rPr lang="en-US" sz="1600" dirty="0" smtClean="0">
+                <a:solidFill>
+                  <a:srgbClr val="000000"/>
+                </a:solidFill>
+                <a:latin typeface="Courier" charset="0"/>
+                <a:ea typeface="Courier" charset="0"/>
+                <a:cs typeface="Courier" charset="0"/>
+              </a:rPr>
+              <a:t>"</a:t>
+            </a:r>
+            <a:r>
+              <a:rPr lang="en-US" sz="1600" dirty="0" err="1" smtClean="0">
+                <a:solidFill>
+                  <a:srgbClr val="000000"/>
+                </a:solidFill>
+                <a:latin typeface="Courier" charset="0"/>
+                <a:ea typeface="Courier" charset="0"/>
+                <a:cs typeface="Courier" charset="0"/>
+              </a:rPr>
+              <a:t>st:DimmableLight</a:t>
+            </a:r>
+            <a:r>
+              <a:rPr lang="en-US" sz="1600" dirty="0">
+                <a:solidFill>
+                  <a:srgbClr val="000000"/>
+                </a:solidFill>
+                <a:latin typeface="Courier" charset="0"/>
+                <a:ea typeface="Courier" charset="0"/>
+                <a:cs typeface="Courier" charset="0"/>
+              </a:rPr>
+              <a:t>",</a:t>
+            </a:r>
+          </a:p>
+          <a:p>
+            <a:r>
+              <a:rPr lang="en-US" sz="1600" dirty="0">
+                <a:solidFill>
+                  <a:srgbClr val="000000"/>
+                </a:solidFill>
+                <a:latin typeface="Courier" charset="0"/>
+                <a:ea typeface="Courier" charset="0"/>
+                <a:cs typeface="Courier" charset="0"/>
+              </a:rPr>
+              <a:t>  "</a:t>
+            </a:r>
+            <a:r>
+              <a:rPr lang="en-US" sz="1600" dirty="0" err="1">
+                <a:solidFill>
+                  <a:srgbClr val="000000"/>
+                </a:solidFill>
+                <a:latin typeface="Courier" charset="0"/>
+                <a:ea typeface="Courier" charset="0"/>
+                <a:cs typeface="Courier" charset="0"/>
+              </a:rPr>
+              <a:t>rdfs:subClassOf</a:t>
+            </a:r>
+            <a:r>
+              <a:rPr lang="en-US" sz="1600" dirty="0">
+                <a:solidFill>
+                  <a:srgbClr val="000000"/>
+                </a:solidFill>
+                <a:latin typeface="Courier" charset="0"/>
+                <a:ea typeface="Courier" charset="0"/>
+                <a:cs typeface="Courier" charset="0"/>
+              </a:rPr>
+              <a:t>": "</a:t>
+            </a:r>
+            <a:r>
+              <a:rPr lang="en-US" sz="1600" dirty="0" err="1">
+                <a:solidFill>
+                  <a:srgbClr val="000000"/>
+                </a:solidFill>
+                <a:latin typeface="Courier" charset="0"/>
+                <a:ea typeface="Courier" charset="0"/>
+                <a:cs typeface="Courier" charset="0"/>
+              </a:rPr>
+              <a:t>odm:Thing</a:t>
+            </a:r>
+            <a:r>
+              <a:rPr lang="en-US" sz="1600" dirty="0">
+                <a:solidFill>
+                  <a:srgbClr val="000000"/>
+                </a:solidFill>
+                <a:latin typeface="Courier" charset="0"/>
+                <a:ea typeface="Courier" charset="0"/>
+                <a:cs typeface="Courier" charset="0"/>
+              </a:rPr>
+              <a:t>",</a:t>
+            </a:r>
+          </a:p>
+          <a:p>
+            <a:r>
+              <a:rPr lang="en-US" sz="1600" dirty="0">
+                <a:solidFill>
+                  <a:srgbClr val="000000"/>
+                </a:solidFill>
+                <a:latin typeface="Courier" charset="0"/>
+                <a:ea typeface="Courier" charset="0"/>
+                <a:cs typeface="Courier" charset="0"/>
+              </a:rPr>
+              <a:t>  "</a:t>
+            </a:r>
+            <a:r>
+              <a:rPr lang="en-US" sz="1600" dirty="0" err="1">
+                <a:solidFill>
+                  <a:srgbClr val="000000"/>
+                </a:solidFill>
+                <a:latin typeface="Courier" charset="0"/>
+                <a:ea typeface="Courier" charset="0"/>
+                <a:cs typeface="Courier" charset="0"/>
+              </a:rPr>
+              <a:t>rdfs:comment</a:t>
+            </a:r>
+            <a:r>
+              <a:rPr lang="en-US" sz="1600" dirty="0">
+                <a:solidFill>
+                  <a:srgbClr val="000000"/>
+                </a:solidFill>
+                <a:latin typeface="Courier" charset="0"/>
+                <a:ea typeface="Courier" charset="0"/>
+                <a:cs typeface="Courier" charset="0"/>
+              </a:rPr>
+              <a:t>": "Simple Dimmable Light Bulb",</a:t>
+            </a:r>
+          </a:p>
+          <a:p>
+            <a:r>
+              <a:rPr lang="en-US" sz="1600" dirty="0">
+                <a:solidFill>
+                  <a:srgbClr val="000000"/>
+                </a:solidFill>
+                <a:latin typeface="Courier" charset="0"/>
+                <a:ea typeface="Courier" charset="0"/>
+                <a:cs typeface="Courier" charset="0"/>
+              </a:rPr>
+              <a:t>  "</a:t>
+            </a:r>
+            <a:r>
+              <a:rPr lang="en-US" sz="1600" dirty="0" err="1">
+                <a:solidFill>
+                  <a:srgbClr val="000000"/>
+                </a:solidFill>
+                <a:latin typeface="Courier" charset="0"/>
+                <a:ea typeface="Courier" charset="0"/>
+                <a:cs typeface="Courier" charset="0"/>
+              </a:rPr>
+              <a:t>rdfs:label</a:t>
+            </a:r>
+            <a:r>
+              <a:rPr lang="en-US" sz="1600" dirty="0">
+                <a:solidFill>
+                  <a:srgbClr val="000000"/>
+                </a:solidFill>
+                <a:latin typeface="Courier" charset="0"/>
+                <a:ea typeface="Courier" charset="0"/>
+                <a:cs typeface="Courier" charset="0"/>
+              </a:rPr>
+              <a:t>": </a:t>
+            </a:r>
+            <a:r>
+              <a:rPr lang="en-US" sz="1600" dirty="0" smtClean="0">
+                <a:solidFill>
+                  <a:srgbClr val="000000"/>
+                </a:solidFill>
+                <a:latin typeface="Courier" charset="0"/>
+                <a:ea typeface="Courier" charset="0"/>
+                <a:cs typeface="Courier" charset="0"/>
+              </a:rPr>
+              <a:t>"SmartThings </a:t>
+            </a:r>
+            <a:r>
+              <a:rPr lang="en-US" sz="1600" dirty="0" err="1">
+                <a:solidFill>
+                  <a:srgbClr val="000000"/>
+                </a:solidFill>
+                <a:latin typeface="Courier" charset="0"/>
+                <a:ea typeface="Courier" charset="0"/>
+                <a:cs typeface="Courier" charset="0"/>
+              </a:rPr>
+              <a:t>DimmableLight</a:t>
+            </a:r>
+            <a:r>
+              <a:rPr lang="en-US" sz="1600" dirty="0">
+                <a:solidFill>
+                  <a:srgbClr val="000000"/>
+                </a:solidFill>
+                <a:latin typeface="Courier" charset="0"/>
+                <a:ea typeface="Courier" charset="0"/>
+                <a:cs typeface="Courier" charset="0"/>
+              </a:rPr>
+              <a:t>",</a:t>
+            </a:r>
+          </a:p>
+          <a:p>
+            <a:r>
+              <a:rPr lang="en-US" sz="1600" dirty="0">
+                <a:solidFill>
+                  <a:srgbClr val="000000"/>
+                </a:solidFill>
+                <a:latin typeface="Courier" charset="0"/>
+                <a:ea typeface="Courier" charset="0"/>
+                <a:cs typeface="Courier" charset="0"/>
+              </a:rPr>
+              <a:t>  "</a:t>
+            </a:r>
+            <a:r>
+              <a:rPr lang="en-US" sz="1600" dirty="0" err="1">
+                <a:solidFill>
+                  <a:srgbClr val="000000"/>
+                </a:solidFill>
+                <a:latin typeface="Courier" charset="0"/>
+                <a:ea typeface="Courier" charset="0"/>
+                <a:cs typeface="Courier" charset="0"/>
+              </a:rPr>
+              <a:t>odm:hasCapability</a:t>
+            </a:r>
+            <a:r>
+              <a:rPr lang="en-US" sz="1600" dirty="0">
+                <a:solidFill>
+                  <a:srgbClr val="000000"/>
+                </a:solidFill>
+                <a:latin typeface="Courier" charset="0"/>
+                <a:ea typeface="Courier" charset="0"/>
+                <a:cs typeface="Courier" charset="0"/>
+              </a:rPr>
+              <a:t>": [</a:t>
+            </a:r>
+          </a:p>
+          <a:p>
+            <a:r>
+              <a:rPr lang="en-US" sz="1600" dirty="0">
+                <a:solidFill>
+                  <a:srgbClr val="000000"/>
+                </a:solidFill>
+                <a:latin typeface="Courier" charset="0"/>
+                <a:ea typeface="Courier" charset="0"/>
+                <a:cs typeface="Courier" charset="0"/>
+              </a:rPr>
+              <a:t>    "</a:t>
+            </a:r>
+            <a:r>
+              <a:rPr lang="en-US" sz="1600" dirty="0" err="1">
+                <a:solidFill>
+                  <a:srgbClr val="000000"/>
+                </a:solidFill>
+                <a:latin typeface="Courier" charset="0"/>
+                <a:ea typeface="Courier" charset="0"/>
+                <a:cs typeface="Courier" charset="0"/>
+              </a:rPr>
+              <a:t>st:SwitchCapability</a:t>
+            </a:r>
+            <a:r>
+              <a:rPr lang="en-US" sz="1600" dirty="0">
+                <a:solidFill>
+                  <a:srgbClr val="000000"/>
+                </a:solidFill>
+                <a:latin typeface="Courier" charset="0"/>
+                <a:ea typeface="Courier" charset="0"/>
+                <a:cs typeface="Courier" charset="0"/>
+              </a:rPr>
+              <a:t>",</a:t>
+            </a:r>
+          </a:p>
+          <a:p>
+            <a:r>
+              <a:rPr lang="en-US" sz="1600" dirty="0">
+                <a:solidFill>
+                  <a:srgbClr val="000000"/>
+                </a:solidFill>
+                <a:latin typeface="Courier" charset="0"/>
+                <a:ea typeface="Courier" charset="0"/>
+                <a:cs typeface="Courier" charset="0"/>
+              </a:rPr>
+              <a:t>    "</a:t>
+            </a:r>
+            <a:r>
+              <a:rPr lang="en-US" sz="1600" dirty="0" err="1">
+                <a:solidFill>
+                  <a:srgbClr val="000000"/>
+                </a:solidFill>
+                <a:latin typeface="Courier" charset="0"/>
+                <a:ea typeface="Courier" charset="0"/>
+                <a:cs typeface="Courier" charset="0"/>
+              </a:rPr>
+              <a:t>st:SwitchLevelCapability</a:t>
+            </a:r>
+            <a:r>
+              <a:rPr lang="en-US" sz="1600" dirty="0">
+                <a:solidFill>
+                  <a:srgbClr val="000000"/>
+                </a:solidFill>
+                <a:latin typeface="Courier" charset="0"/>
+                <a:ea typeface="Courier" charset="0"/>
+                <a:cs typeface="Courier" charset="0"/>
+              </a:rPr>
+              <a:t>"</a:t>
+            </a:r>
+          </a:p>
+          <a:p>
+            <a:r>
+              <a:rPr lang="en-US" sz="1600" dirty="0">
+                <a:solidFill>
+                  <a:srgbClr val="000000"/>
+                </a:solidFill>
+                <a:latin typeface="Courier" charset="0"/>
+                <a:ea typeface="Courier" charset="0"/>
+                <a:cs typeface="Courier" charset="0"/>
+              </a:rPr>
+              <a:t>  ]</a:t>
+            </a:r>
+          </a:p>
+          <a:p>
+            <a:r>
+              <a:rPr lang="en-US" sz="1600" dirty="0">
+                <a:solidFill>
+                  <a:srgbClr val="000000"/>
+                </a:solidFill>
+                <a:latin typeface="Courier" charset="0"/>
+                <a:ea typeface="Courier" charset="0"/>
+                <a:cs typeface="Courier" charset="0"/>
+              </a:rPr>
+              <a:t>}</a:t>
+            </a:r>
+          </a:p>
+          <a:p>
+            <a:r>
+              <a:rPr lang="en-US" sz="1600" dirty="0">
+                <a:latin typeface="Courier" charset="0"/>
+                <a:ea typeface="Courier" charset="0"/>
+                <a:cs typeface="Courier" charset="0"/>
+              </a:rPr>
+              <a:t/>
+            </a:r>
+            <a:br>
+              <a:rPr lang="en-US" sz="1600" dirty="0">
+                <a:latin typeface="Courier" charset="0"/>
+                <a:ea typeface="Courier" charset="0"/>
+                <a:cs typeface="Courier" charset="0"/>
+              </a:rPr>
+            </a:br>
+            <a:endParaRPr lang="en-US" sz="1600" dirty="0">
+              <a:latin typeface="Courier" charset="0"/>
+              <a:ea typeface="Courier" charset="0"/>
+              <a:cs typeface="Courier" charset="0"/>
+            </a:endParaRPr>
+          </a:p>
+        </p:txBody>
+      </p:sp>
+    </p:spTree>
+    <p:extLst>
+      <p:ext uri="{BB962C8B-B14F-4D97-AF65-F5344CB8AC3E}">
+        <p14:creationId xmlns:p14="http://schemas.microsoft.com/office/powerpoint/2010/main" val="1786977253"/>
       </p:ext>
     </p:extLst>
   </p:cSld>

--- a/ODM-CDF.pptx
+++ b/ODM-CDF.pptx
@@ -222,7 +222,7 @@
           <a:p>
             <a:fld id="{CAA8BD54-1B67-094F-844E-AC8F37AF9E32}" type="datetimeFigureOut">
               <a:rPr lang="en-US" smtClean="0"/>
-              <a:t>3/18/19</a:t>
+              <a:t>3/19/19</a:t>
             </a:fld>
             <a:endParaRPr lang="en-US"/>
           </a:p>
@@ -621,7 +621,7 @@
           <a:p>
             <a:fld id="{5D1B769D-4479-6C4A-BB04-AB0258055D9C}" type="datetimeFigureOut">
               <a:rPr lang="en-US" smtClean="0"/>
-              <a:t>3/18/19</a:t>
+              <a:t>3/19/19</a:t>
             </a:fld>
             <a:endParaRPr lang="en-US"/>
           </a:p>
@@ -786,7 +786,7 @@
           <a:p>
             <a:fld id="{5D1B769D-4479-6C4A-BB04-AB0258055D9C}" type="datetimeFigureOut">
               <a:rPr lang="en-US" smtClean="0"/>
-              <a:t>3/18/19</a:t>
+              <a:t>3/19/19</a:t>
             </a:fld>
             <a:endParaRPr lang="en-US"/>
           </a:p>
@@ -961,7 +961,7 @@
           <a:p>
             <a:fld id="{5D1B769D-4479-6C4A-BB04-AB0258055D9C}" type="datetimeFigureOut">
               <a:rPr lang="en-US" smtClean="0"/>
-              <a:t>3/18/19</a:t>
+              <a:t>3/19/19</a:t>
             </a:fld>
             <a:endParaRPr lang="en-US"/>
           </a:p>
@@ -1126,7 +1126,7 @@
           <a:p>
             <a:fld id="{5D1B769D-4479-6C4A-BB04-AB0258055D9C}" type="datetimeFigureOut">
               <a:rPr lang="en-US" smtClean="0"/>
-              <a:t>3/18/19</a:t>
+              <a:t>3/19/19</a:t>
             </a:fld>
             <a:endParaRPr lang="en-US"/>
           </a:p>
@@ -1365,7 +1365,7 @@
           <a:p>
             <a:fld id="{5D1B769D-4479-6C4A-BB04-AB0258055D9C}" type="datetimeFigureOut">
               <a:rPr lang="en-US" smtClean="0"/>
-              <a:t>3/18/19</a:t>
+              <a:t>3/19/19</a:t>
             </a:fld>
             <a:endParaRPr lang="en-US"/>
           </a:p>
@@ -1592,7 +1592,7 @@
           <a:p>
             <a:fld id="{5D1B769D-4479-6C4A-BB04-AB0258055D9C}" type="datetimeFigureOut">
               <a:rPr lang="en-US" smtClean="0"/>
-              <a:t>3/18/19</a:t>
+              <a:t>3/19/19</a:t>
             </a:fld>
             <a:endParaRPr lang="en-US"/>
           </a:p>
@@ -1954,7 +1954,7 @@
           <a:p>
             <a:fld id="{5D1B769D-4479-6C4A-BB04-AB0258055D9C}" type="datetimeFigureOut">
               <a:rPr lang="en-US" smtClean="0"/>
-              <a:t>3/18/19</a:t>
+              <a:t>3/19/19</a:t>
             </a:fld>
             <a:endParaRPr lang="en-US"/>
           </a:p>
@@ -2067,7 +2067,7 @@
           <a:p>
             <a:fld id="{5D1B769D-4479-6C4A-BB04-AB0258055D9C}" type="datetimeFigureOut">
               <a:rPr lang="en-US" smtClean="0"/>
-              <a:t>3/18/19</a:t>
+              <a:t>3/19/19</a:t>
             </a:fld>
             <a:endParaRPr lang="en-US"/>
           </a:p>
@@ -2157,7 +2157,7 @@
           <a:p>
             <a:fld id="{5D1B769D-4479-6C4A-BB04-AB0258055D9C}" type="datetimeFigureOut">
               <a:rPr lang="en-US" smtClean="0"/>
-              <a:t>3/18/19</a:t>
+              <a:t>3/19/19</a:t>
             </a:fld>
             <a:endParaRPr lang="en-US"/>
           </a:p>
@@ -2429,7 +2429,7 @@
           <a:p>
             <a:fld id="{5D1B769D-4479-6C4A-BB04-AB0258055D9C}" type="datetimeFigureOut">
               <a:rPr lang="en-US" smtClean="0"/>
-              <a:t>3/18/19</a:t>
+              <a:t>3/19/19</a:t>
             </a:fld>
             <a:endParaRPr lang="en-US"/>
           </a:p>
@@ -2681,7 +2681,7 @@
           <a:p>
             <a:fld id="{5D1B769D-4479-6C4A-BB04-AB0258055D9C}" type="datetimeFigureOut">
               <a:rPr lang="en-US" smtClean="0"/>
-              <a:t>3/18/19</a:t>
+              <a:t>3/19/19</a:t>
             </a:fld>
             <a:endParaRPr lang="en-US"/>
           </a:p>
@@ -2889,7 +2889,7 @@
           <a:p>
             <a:fld id="{5D1B769D-4479-6C4A-BB04-AB0258055D9C}" type="datetimeFigureOut">
               <a:rPr lang="en-US" smtClean="0"/>
-              <a:t>3/18/19</a:t>
+              <a:t>3/19/19</a:t>
             </a:fld>
             <a:endParaRPr lang="en-US"/>
           </a:p>
@@ -8522,11 +8522,7 @@
           <a:p>
             <a:r>
               <a:rPr lang="en-US" dirty="0" smtClean="0"/>
-              <a:t>Properties map to ODM Property </a:t>
-            </a:r>
-            <a:r>
-              <a:rPr lang="en-US" dirty="0" smtClean="0"/>
-              <a:t>class</a:t>
+              <a:t>Properties map to ODM Property class</a:t>
             </a:r>
           </a:p>
           <a:p>
@@ -15971,11 +15967,7 @@
             <a:pPr algn="ctr"/>
             <a:r>
               <a:rPr lang="en-US" dirty="0" smtClean="0"/>
-              <a:t>Extract </a:t>
-            </a:r>
-            <a:r>
-              <a:rPr lang="en-US" dirty="0" smtClean="0"/>
-              <a:t>+ Map</a:t>
+              <a:t>Extract + Map</a:t>
             </a:r>
             <a:endParaRPr lang="en-US" dirty="0"/>
           </a:p>
@@ -16019,11 +16011,7 @@
             <a:pPr algn="ctr"/>
             <a:r>
               <a:rPr lang="en-US" dirty="0" smtClean="0"/>
-              <a:t>Extract + </a:t>
-            </a:r>
-            <a:r>
-              <a:rPr lang="en-US" dirty="0" smtClean="0"/>
-              <a:t>Map</a:t>
+              <a:t>Extract + Map</a:t>
             </a:r>
             <a:endParaRPr lang="en-US" dirty="0"/>
           </a:p>
@@ -16067,11 +16055,7 @@
             <a:pPr algn="ctr"/>
             <a:r>
               <a:rPr lang="en-US" dirty="0" smtClean="0"/>
-              <a:t>Extract + </a:t>
-            </a:r>
-            <a:r>
-              <a:rPr lang="en-US" dirty="0" smtClean="0"/>
-              <a:t>Map</a:t>
+              <a:t>Extract + Map</a:t>
             </a:r>
             <a:endParaRPr lang="en-US" dirty="0"/>
           </a:p>
@@ -17091,7 +17075,7 @@
         <p:spPr>
           <a:xfrm>
             <a:off x="4521774" y="1204291"/>
-            <a:ext cx="3167495" cy="5258854"/>
+            <a:ext cx="3167495" cy="5258853"/>
           </a:xfrm>
           <a:prstGeom prst="rect">
             <a:avLst/>
@@ -17437,7 +17421,6 @@
               <a:rPr lang="en-US" dirty="0" smtClean="0"/>
               <a:t>(TBD) Thing definitions to apply optionality to  Capability sets, Interactions, and Data Types</a:t>
             </a:r>
-            <a:endParaRPr lang="en-US" dirty="0" smtClean="0"/>
           </a:p>
         </p:txBody>
       </p:sp>

--- a/ODM-CDF.pptx
+++ b/ODM-CDF.pptx
@@ -5,7 +5,7 @@
     <p:sldMasterId id="2147483660" r:id="rId1"/>
   </p:sldMasterIdLst>
   <p:notesMasterIdLst>
-    <p:notesMasterId r:id="rId28"/>
+    <p:notesMasterId r:id="rId29"/>
   </p:notesMasterIdLst>
   <p:sldIdLst>
     <p:sldId id="258" r:id="rId2"/>
@@ -31,9 +31,10 @@
     <p:sldId id="279" r:id="rId22"/>
     <p:sldId id="280" r:id="rId23"/>
     <p:sldId id="270" r:id="rId24"/>
-    <p:sldId id="281" r:id="rId25"/>
-    <p:sldId id="282" r:id="rId26"/>
-    <p:sldId id="283" r:id="rId27"/>
+    <p:sldId id="284" r:id="rId25"/>
+    <p:sldId id="281" r:id="rId26"/>
+    <p:sldId id="282" r:id="rId27"/>
+    <p:sldId id="283" r:id="rId28"/>
   </p:sldIdLst>
   <p:sldSz cx="9144000" cy="6858000" type="letter"/>
   <p:notesSz cx="6858000" cy="9144000"/>
@@ -222,7 +223,7 @@
           <a:p>
             <a:fld id="{CAA8BD54-1B67-094F-844E-AC8F37AF9E32}" type="datetimeFigureOut">
               <a:rPr lang="en-US" smtClean="0"/>
-              <a:t>3/19/19</a:t>
+              <a:t>3/20/19</a:t>
             </a:fld>
             <a:endParaRPr lang="en-US"/>
           </a:p>
@@ -286,38 +287,37 @@
           <a:p>
             <a:pPr lvl="0"/>
             <a:r>
-              <a:rPr lang="en-US" smtClean="0"/>
+              <a:rPr lang="en-US"/>
               <a:t>Click to edit Master text styles</a:t>
             </a:r>
           </a:p>
           <a:p>
             <a:pPr lvl="1"/>
             <a:r>
-              <a:rPr lang="en-US" smtClean="0"/>
+              <a:rPr lang="en-US"/>
               <a:t>Second level</a:t>
             </a:r>
           </a:p>
           <a:p>
             <a:pPr lvl="2"/>
             <a:r>
-              <a:rPr lang="en-US" smtClean="0"/>
+              <a:rPr lang="en-US"/>
               <a:t>Third level</a:t>
             </a:r>
           </a:p>
           <a:p>
             <a:pPr lvl="3"/>
             <a:r>
-              <a:rPr lang="en-US" smtClean="0"/>
+              <a:rPr lang="en-US"/>
               <a:t>Fourth level</a:t>
             </a:r>
           </a:p>
           <a:p>
             <a:pPr lvl="4"/>
             <a:r>
-              <a:rPr lang="en-US" smtClean="0"/>
+              <a:rPr lang="en-US"/>
               <a:t>Fifth level</a:t>
             </a:r>
-            <a:endParaRPr lang="en-US"/>
           </a:p>
         </p:txBody>
       </p:sp>
@@ -532,7 +532,7 @@
           </a:lstStyle>
           <a:p>
             <a:r>
-              <a:rPr lang="en-US" smtClean="0"/>
+              <a:rPr lang="en-US"/>
               <a:t>Click to edit Master title style</a:t>
             </a:r>
             <a:endParaRPr lang="en-US" dirty="0"/>
@@ -597,7 +597,7 @@
           </a:lstStyle>
           <a:p>
             <a:r>
-              <a:rPr lang="en-US" smtClean="0"/>
+              <a:rPr lang="en-US"/>
               <a:t>Click to edit Master subtitle style</a:t>
             </a:r>
             <a:endParaRPr lang="en-US" dirty="0"/>
@@ -621,7 +621,7 @@
           <a:p>
             <a:fld id="{5D1B769D-4479-6C4A-BB04-AB0258055D9C}" type="datetimeFigureOut">
               <a:rPr lang="en-US" smtClean="0"/>
-              <a:t>3/19/19</a:t>
+              <a:t>3/20/19</a:t>
             </a:fld>
             <a:endParaRPr lang="en-US"/>
           </a:p>
@@ -710,7 +710,7 @@
           <a:lstStyle/>
           <a:p>
             <a:r>
-              <a:rPr lang="en-US" smtClean="0"/>
+              <a:rPr lang="en-US"/>
               <a:t>Click to edit Master title style</a:t>
             </a:r>
             <a:endParaRPr lang="en-US" dirty="0"/>
@@ -734,35 +734,35 @@
           <a:p>
             <a:pPr lvl="0"/>
             <a:r>
-              <a:rPr lang="en-US" smtClean="0"/>
+              <a:rPr lang="en-US"/>
               <a:t>Click to edit Master text styles</a:t>
             </a:r>
           </a:p>
           <a:p>
             <a:pPr lvl="1"/>
             <a:r>
-              <a:rPr lang="en-US" smtClean="0"/>
+              <a:rPr lang="en-US"/>
               <a:t>Second level</a:t>
             </a:r>
           </a:p>
           <a:p>
             <a:pPr lvl="2"/>
             <a:r>
-              <a:rPr lang="en-US" smtClean="0"/>
+              <a:rPr lang="en-US"/>
               <a:t>Third level</a:t>
             </a:r>
           </a:p>
           <a:p>
             <a:pPr lvl="3"/>
             <a:r>
-              <a:rPr lang="en-US" smtClean="0"/>
+              <a:rPr lang="en-US"/>
               <a:t>Fourth level</a:t>
             </a:r>
           </a:p>
           <a:p>
             <a:pPr lvl="4"/>
             <a:r>
-              <a:rPr lang="en-US" smtClean="0"/>
+              <a:rPr lang="en-US"/>
               <a:t>Fifth level</a:t>
             </a:r>
             <a:endParaRPr lang="en-US" dirty="0"/>
@@ -786,7 +786,7 @@
           <a:p>
             <a:fld id="{5D1B769D-4479-6C4A-BB04-AB0258055D9C}" type="datetimeFigureOut">
               <a:rPr lang="en-US" smtClean="0"/>
-              <a:t>3/19/19</a:t>
+              <a:t>3/20/19</a:t>
             </a:fld>
             <a:endParaRPr lang="en-US"/>
           </a:p>
@@ -880,7 +880,7 @@
           <a:lstStyle/>
           <a:p>
             <a:r>
-              <a:rPr lang="en-US" smtClean="0"/>
+              <a:rPr lang="en-US"/>
               <a:t>Click to edit Master title style</a:t>
             </a:r>
             <a:endParaRPr lang="en-US" dirty="0"/>
@@ -909,35 +909,35 @@
           <a:p>
             <a:pPr lvl="0"/>
             <a:r>
-              <a:rPr lang="en-US" smtClean="0"/>
+              <a:rPr lang="en-US"/>
               <a:t>Click to edit Master text styles</a:t>
             </a:r>
           </a:p>
           <a:p>
             <a:pPr lvl="1"/>
             <a:r>
-              <a:rPr lang="en-US" smtClean="0"/>
+              <a:rPr lang="en-US"/>
               <a:t>Second level</a:t>
             </a:r>
           </a:p>
           <a:p>
             <a:pPr lvl="2"/>
             <a:r>
-              <a:rPr lang="en-US" smtClean="0"/>
+              <a:rPr lang="en-US"/>
               <a:t>Third level</a:t>
             </a:r>
           </a:p>
           <a:p>
             <a:pPr lvl="3"/>
             <a:r>
-              <a:rPr lang="en-US" smtClean="0"/>
+              <a:rPr lang="en-US"/>
               <a:t>Fourth level</a:t>
             </a:r>
           </a:p>
           <a:p>
             <a:pPr lvl="4"/>
             <a:r>
-              <a:rPr lang="en-US" smtClean="0"/>
+              <a:rPr lang="en-US"/>
               <a:t>Fifth level</a:t>
             </a:r>
             <a:endParaRPr lang="en-US" dirty="0"/>
@@ -961,7 +961,7 @@
           <a:p>
             <a:fld id="{5D1B769D-4479-6C4A-BB04-AB0258055D9C}" type="datetimeFigureOut">
               <a:rPr lang="en-US" smtClean="0"/>
-              <a:t>3/19/19</a:t>
+              <a:t>3/20/19</a:t>
             </a:fld>
             <a:endParaRPr lang="en-US"/>
           </a:p>
@@ -1050,7 +1050,7 @@
           <a:lstStyle/>
           <a:p>
             <a:r>
-              <a:rPr lang="en-US" smtClean="0"/>
+              <a:rPr lang="en-US"/>
               <a:t>Click to edit Master title style</a:t>
             </a:r>
             <a:endParaRPr lang="en-US" dirty="0"/>
@@ -1074,35 +1074,35 @@
           <a:p>
             <a:pPr lvl="0"/>
             <a:r>
-              <a:rPr lang="en-US" smtClean="0"/>
+              <a:rPr lang="en-US"/>
               <a:t>Click to edit Master text styles</a:t>
             </a:r>
           </a:p>
           <a:p>
             <a:pPr lvl="1"/>
             <a:r>
-              <a:rPr lang="en-US" smtClean="0"/>
+              <a:rPr lang="en-US"/>
               <a:t>Second level</a:t>
             </a:r>
           </a:p>
           <a:p>
             <a:pPr lvl="2"/>
             <a:r>
-              <a:rPr lang="en-US" smtClean="0"/>
+              <a:rPr lang="en-US"/>
               <a:t>Third level</a:t>
             </a:r>
           </a:p>
           <a:p>
             <a:pPr lvl="3"/>
             <a:r>
-              <a:rPr lang="en-US" smtClean="0"/>
+              <a:rPr lang="en-US"/>
               <a:t>Fourth level</a:t>
             </a:r>
           </a:p>
           <a:p>
             <a:pPr lvl="4"/>
             <a:r>
-              <a:rPr lang="en-US" smtClean="0"/>
+              <a:rPr lang="en-US"/>
               <a:t>Fifth level</a:t>
             </a:r>
             <a:endParaRPr lang="en-US" dirty="0"/>
@@ -1126,7 +1126,7 @@
           <a:p>
             <a:fld id="{5D1B769D-4479-6C4A-BB04-AB0258055D9C}" type="datetimeFigureOut">
               <a:rPr lang="en-US" smtClean="0"/>
-              <a:t>3/19/19</a:t>
+              <a:t>3/20/19</a:t>
             </a:fld>
             <a:endParaRPr lang="en-US"/>
           </a:p>
@@ -1224,7 +1224,7 @@
           </a:lstStyle>
           <a:p>
             <a:r>
-              <a:rPr lang="en-US" smtClean="0"/>
+              <a:rPr lang="en-US"/>
               <a:t>Click to edit Master title style</a:t>
             </a:r>
             <a:endParaRPr lang="en-US" dirty="0"/>
@@ -1342,7 +1342,7 @@
           <a:p>
             <a:pPr lvl="0"/>
             <a:r>
-              <a:rPr lang="en-US" smtClean="0"/>
+              <a:rPr lang="en-US"/>
               <a:t>Click to edit Master text styles</a:t>
             </a:r>
           </a:p>
@@ -1365,7 +1365,7 @@
           <a:p>
             <a:fld id="{5D1B769D-4479-6C4A-BB04-AB0258055D9C}" type="datetimeFigureOut">
               <a:rPr lang="en-US" smtClean="0"/>
-              <a:t>3/19/19</a:t>
+              <a:t>3/20/19</a:t>
             </a:fld>
             <a:endParaRPr lang="en-US"/>
           </a:p>
@@ -1454,7 +1454,7 @@
           <a:lstStyle/>
           <a:p>
             <a:r>
-              <a:rPr lang="en-US" smtClean="0"/>
+              <a:rPr lang="en-US"/>
               <a:t>Click to edit Master title style</a:t>
             </a:r>
             <a:endParaRPr lang="en-US" dirty="0"/>
@@ -1483,35 +1483,35 @@
           <a:p>
             <a:pPr lvl="0"/>
             <a:r>
-              <a:rPr lang="en-US" smtClean="0"/>
+              <a:rPr lang="en-US"/>
               <a:t>Click to edit Master text styles</a:t>
             </a:r>
           </a:p>
           <a:p>
             <a:pPr lvl="1"/>
             <a:r>
-              <a:rPr lang="en-US" smtClean="0"/>
+              <a:rPr lang="en-US"/>
               <a:t>Second level</a:t>
             </a:r>
           </a:p>
           <a:p>
             <a:pPr lvl="2"/>
             <a:r>
-              <a:rPr lang="en-US" smtClean="0"/>
+              <a:rPr lang="en-US"/>
               <a:t>Third level</a:t>
             </a:r>
           </a:p>
           <a:p>
             <a:pPr lvl="3"/>
             <a:r>
-              <a:rPr lang="en-US" smtClean="0"/>
+              <a:rPr lang="en-US"/>
               <a:t>Fourth level</a:t>
             </a:r>
           </a:p>
           <a:p>
             <a:pPr lvl="4"/>
             <a:r>
-              <a:rPr lang="en-US" smtClean="0"/>
+              <a:rPr lang="en-US"/>
               <a:t>Fifth level</a:t>
             </a:r>
             <a:endParaRPr lang="en-US" dirty="0"/>
@@ -1540,35 +1540,35 @@
           <a:p>
             <a:pPr lvl="0"/>
             <a:r>
-              <a:rPr lang="en-US" smtClean="0"/>
+              <a:rPr lang="en-US"/>
               <a:t>Click to edit Master text styles</a:t>
             </a:r>
           </a:p>
           <a:p>
             <a:pPr lvl="1"/>
             <a:r>
-              <a:rPr lang="en-US" smtClean="0"/>
+              <a:rPr lang="en-US"/>
               <a:t>Second level</a:t>
             </a:r>
           </a:p>
           <a:p>
             <a:pPr lvl="2"/>
             <a:r>
-              <a:rPr lang="en-US" smtClean="0"/>
+              <a:rPr lang="en-US"/>
               <a:t>Third level</a:t>
             </a:r>
           </a:p>
           <a:p>
             <a:pPr lvl="3"/>
             <a:r>
-              <a:rPr lang="en-US" smtClean="0"/>
+              <a:rPr lang="en-US"/>
               <a:t>Fourth level</a:t>
             </a:r>
           </a:p>
           <a:p>
             <a:pPr lvl="4"/>
             <a:r>
-              <a:rPr lang="en-US" smtClean="0"/>
+              <a:rPr lang="en-US"/>
               <a:t>Fifth level</a:t>
             </a:r>
             <a:endParaRPr lang="en-US" dirty="0"/>
@@ -1592,7 +1592,7 @@
           <a:p>
             <a:fld id="{5D1B769D-4479-6C4A-BB04-AB0258055D9C}" type="datetimeFigureOut">
               <a:rPr lang="en-US" smtClean="0"/>
-              <a:t>3/19/19</a:t>
+              <a:t>3/20/19</a:t>
             </a:fld>
             <a:endParaRPr lang="en-US"/>
           </a:p>
@@ -1686,7 +1686,7 @@
           <a:lstStyle/>
           <a:p>
             <a:r>
-              <a:rPr lang="en-US" smtClean="0"/>
+              <a:rPr lang="en-US"/>
               <a:t>Click to edit Master title style</a:t>
             </a:r>
             <a:endParaRPr lang="en-US" dirty="0"/>
@@ -1752,7 +1752,7 @@
           <a:p>
             <a:pPr lvl="0"/>
             <a:r>
-              <a:rPr lang="en-US" smtClean="0"/>
+              <a:rPr lang="en-US"/>
               <a:t>Click to edit Master text styles</a:t>
             </a:r>
           </a:p>
@@ -1780,35 +1780,35 @@
           <a:p>
             <a:pPr lvl="0"/>
             <a:r>
-              <a:rPr lang="en-US" smtClean="0"/>
+              <a:rPr lang="en-US"/>
               <a:t>Click to edit Master text styles</a:t>
             </a:r>
           </a:p>
           <a:p>
             <a:pPr lvl="1"/>
             <a:r>
-              <a:rPr lang="en-US" smtClean="0"/>
+              <a:rPr lang="en-US"/>
               <a:t>Second level</a:t>
             </a:r>
           </a:p>
           <a:p>
             <a:pPr lvl="2"/>
             <a:r>
-              <a:rPr lang="en-US" smtClean="0"/>
+              <a:rPr lang="en-US"/>
               <a:t>Third level</a:t>
             </a:r>
           </a:p>
           <a:p>
             <a:pPr lvl="3"/>
             <a:r>
-              <a:rPr lang="en-US" smtClean="0"/>
+              <a:rPr lang="en-US"/>
               <a:t>Fourth level</a:t>
             </a:r>
           </a:p>
           <a:p>
             <a:pPr lvl="4"/>
             <a:r>
-              <a:rPr lang="en-US" smtClean="0"/>
+              <a:rPr lang="en-US"/>
               <a:t>Fifth level</a:t>
             </a:r>
             <a:endParaRPr lang="en-US" dirty="0"/>
@@ -1874,7 +1874,7 @@
           <a:p>
             <a:pPr lvl="0"/>
             <a:r>
-              <a:rPr lang="en-US" smtClean="0"/>
+              <a:rPr lang="en-US"/>
               <a:t>Click to edit Master text styles</a:t>
             </a:r>
           </a:p>
@@ -1902,35 +1902,35 @@
           <a:p>
             <a:pPr lvl="0"/>
             <a:r>
-              <a:rPr lang="en-US" smtClean="0"/>
+              <a:rPr lang="en-US"/>
               <a:t>Click to edit Master text styles</a:t>
             </a:r>
           </a:p>
           <a:p>
             <a:pPr lvl="1"/>
             <a:r>
-              <a:rPr lang="en-US" smtClean="0"/>
+              <a:rPr lang="en-US"/>
               <a:t>Second level</a:t>
             </a:r>
           </a:p>
           <a:p>
             <a:pPr lvl="2"/>
             <a:r>
-              <a:rPr lang="en-US" smtClean="0"/>
+              <a:rPr lang="en-US"/>
               <a:t>Third level</a:t>
             </a:r>
           </a:p>
           <a:p>
             <a:pPr lvl="3"/>
             <a:r>
-              <a:rPr lang="en-US" smtClean="0"/>
+              <a:rPr lang="en-US"/>
               <a:t>Fourth level</a:t>
             </a:r>
           </a:p>
           <a:p>
             <a:pPr lvl="4"/>
             <a:r>
-              <a:rPr lang="en-US" smtClean="0"/>
+              <a:rPr lang="en-US"/>
               <a:t>Fifth level</a:t>
             </a:r>
             <a:endParaRPr lang="en-US" dirty="0"/>
@@ -1954,7 +1954,7 @@
           <a:p>
             <a:fld id="{5D1B769D-4479-6C4A-BB04-AB0258055D9C}" type="datetimeFigureOut">
               <a:rPr lang="en-US" smtClean="0"/>
-              <a:t>3/19/19</a:t>
+              <a:t>3/20/19</a:t>
             </a:fld>
             <a:endParaRPr lang="en-US"/>
           </a:p>
@@ -2043,7 +2043,7 @@
           <a:lstStyle/>
           <a:p>
             <a:r>
-              <a:rPr lang="en-US" smtClean="0"/>
+              <a:rPr lang="en-US"/>
               <a:t>Click to edit Master title style</a:t>
             </a:r>
             <a:endParaRPr lang="en-US" dirty="0"/>
@@ -2067,7 +2067,7 @@
           <a:p>
             <a:fld id="{5D1B769D-4479-6C4A-BB04-AB0258055D9C}" type="datetimeFigureOut">
               <a:rPr lang="en-US" smtClean="0"/>
-              <a:t>3/19/19</a:t>
+              <a:t>3/20/19</a:t>
             </a:fld>
             <a:endParaRPr lang="en-US"/>
           </a:p>
@@ -2157,7 +2157,7 @@
           <a:p>
             <a:fld id="{5D1B769D-4479-6C4A-BB04-AB0258055D9C}" type="datetimeFigureOut">
               <a:rPr lang="en-US" smtClean="0"/>
-              <a:t>3/19/19</a:t>
+              <a:t>3/20/19</a:t>
             </a:fld>
             <a:endParaRPr lang="en-US"/>
           </a:p>
@@ -2255,7 +2255,7 @@
           </a:lstStyle>
           <a:p>
             <a:r>
-              <a:rPr lang="en-US" smtClean="0"/>
+              <a:rPr lang="en-US"/>
               <a:t>Click to edit Master title style</a:t>
             </a:r>
             <a:endParaRPr lang="en-US" dirty="0"/>
@@ -2312,35 +2312,35 @@
           <a:p>
             <a:pPr lvl="0"/>
             <a:r>
-              <a:rPr lang="en-US" smtClean="0"/>
+              <a:rPr lang="en-US"/>
               <a:t>Click to edit Master text styles</a:t>
             </a:r>
           </a:p>
           <a:p>
             <a:pPr lvl="1"/>
             <a:r>
-              <a:rPr lang="en-US" smtClean="0"/>
+              <a:rPr lang="en-US"/>
               <a:t>Second level</a:t>
             </a:r>
           </a:p>
           <a:p>
             <a:pPr lvl="2"/>
             <a:r>
-              <a:rPr lang="en-US" smtClean="0"/>
+              <a:rPr lang="en-US"/>
               <a:t>Third level</a:t>
             </a:r>
           </a:p>
           <a:p>
             <a:pPr lvl="3"/>
             <a:r>
-              <a:rPr lang="en-US" smtClean="0"/>
+              <a:rPr lang="en-US"/>
               <a:t>Fourth level</a:t>
             </a:r>
           </a:p>
           <a:p>
             <a:pPr lvl="4"/>
             <a:r>
-              <a:rPr lang="en-US" smtClean="0"/>
+              <a:rPr lang="en-US"/>
               <a:t>Fifth level</a:t>
             </a:r>
             <a:endParaRPr lang="en-US" dirty="0"/>
@@ -2406,7 +2406,7 @@
           <a:p>
             <a:pPr lvl="0"/>
             <a:r>
-              <a:rPr lang="en-US" smtClean="0"/>
+              <a:rPr lang="en-US"/>
               <a:t>Click to edit Master text styles</a:t>
             </a:r>
           </a:p>
@@ -2429,7 +2429,7 @@
           <a:p>
             <a:fld id="{5D1B769D-4479-6C4A-BB04-AB0258055D9C}" type="datetimeFigureOut">
               <a:rPr lang="en-US" smtClean="0"/>
-              <a:t>3/19/19</a:t>
+              <a:t>3/20/19</a:t>
             </a:fld>
             <a:endParaRPr lang="en-US"/>
           </a:p>
@@ -2527,7 +2527,7 @@
           </a:lstStyle>
           <a:p>
             <a:r>
-              <a:rPr lang="en-US" smtClean="0"/>
+              <a:rPr lang="en-US"/>
               <a:t>Click to edit Master title style</a:t>
             </a:r>
             <a:endParaRPr lang="en-US" dirty="0"/>
@@ -2592,7 +2592,7 @@
           </a:lstStyle>
           <a:p>
             <a:r>
-              <a:rPr lang="en-US" smtClean="0"/>
+              <a:rPr lang="en-US"/>
               <a:t>Drag picture to placeholder or click icon to add</a:t>
             </a:r>
             <a:endParaRPr lang="en-US" dirty="0"/>
@@ -2658,7 +2658,7 @@
           <a:p>
             <a:pPr lvl="0"/>
             <a:r>
-              <a:rPr lang="en-US" smtClean="0"/>
+              <a:rPr lang="en-US"/>
               <a:t>Click to edit Master text styles</a:t>
             </a:r>
           </a:p>
@@ -2681,7 +2681,7 @@
           <a:p>
             <a:fld id="{5D1B769D-4479-6C4A-BB04-AB0258055D9C}" type="datetimeFigureOut">
               <a:rPr lang="en-US" smtClean="0"/>
-              <a:t>3/19/19</a:t>
+              <a:t>3/20/19</a:t>
             </a:fld>
             <a:endParaRPr lang="en-US"/>
           </a:p>
@@ -2785,7 +2785,7 @@
           <a:lstStyle/>
           <a:p>
             <a:r>
-              <a:rPr lang="en-US" smtClean="0"/>
+              <a:rPr lang="en-US"/>
               <a:t>Click to edit Master title style</a:t>
             </a:r>
             <a:endParaRPr lang="en-US" dirty="0"/>
@@ -2819,35 +2819,35 @@
           <a:p>
             <a:pPr lvl="0"/>
             <a:r>
-              <a:rPr lang="en-US" smtClean="0"/>
+              <a:rPr lang="en-US"/>
               <a:t>Click to edit Master text styles</a:t>
             </a:r>
           </a:p>
           <a:p>
             <a:pPr lvl="1"/>
             <a:r>
-              <a:rPr lang="en-US" smtClean="0"/>
+              <a:rPr lang="en-US"/>
               <a:t>Second level</a:t>
             </a:r>
           </a:p>
           <a:p>
             <a:pPr lvl="2"/>
             <a:r>
-              <a:rPr lang="en-US" smtClean="0"/>
+              <a:rPr lang="en-US"/>
               <a:t>Third level</a:t>
             </a:r>
           </a:p>
           <a:p>
             <a:pPr lvl="3"/>
             <a:r>
-              <a:rPr lang="en-US" smtClean="0"/>
+              <a:rPr lang="en-US"/>
               <a:t>Fourth level</a:t>
             </a:r>
           </a:p>
           <a:p>
             <a:pPr lvl="4"/>
             <a:r>
-              <a:rPr lang="en-US" smtClean="0"/>
+              <a:rPr lang="en-US"/>
               <a:t>Fifth level</a:t>
             </a:r>
             <a:endParaRPr lang="en-US" dirty="0"/>
@@ -2889,7 +2889,7 @@
           <a:p>
             <a:fld id="{5D1B769D-4479-6C4A-BB04-AB0258055D9C}" type="datetimeFigureOut">
               <a:rPr lang="en-US" smtClean="0"/>
-              <a:t>3/19/19</a:t>
+              <a:t>3/20/19</a:t>
             </a:fld>
             <a:endParaRPr lang="en-US"/>
           </a:p>
@@ -3310,10 +3310,9 @@
           <a:lstStyle/>
           <a:p>
             <a:r>
-              <a:rPr lang="en-US" dirty="0" smtClean="0"/>
+              <a:rPr lang="en-US" dirty="0"/>
               <a:t>Common Definition Format </a:t>
             </a:r>
-            <a:endParaRPr lang="en-US" dirty="0"/>
           </a:p>
         </p:txBody>
       </p:sp>
@@ -3333,22 +3332,21 @@
           <a:lstStyle/>
           <a:p>
             <a:r>
-              <a:rPr lang="en-US" dirty="0" smtClean="0"/>
+              <a:rPr lang="en-US" dirty="0"/>
               <a:t>One Data Model Liaison Group</a:t>
             </a:r>
           </a:p>
           <a:p>
             <a:r>
-              <a:rPr lang="en-US" dirty="0" smtClean="0"/>
+              <a:rPr lang="en-US" dirty="0"/>
               <a:t>Michael Koster</a:t>
             </a:r>
           </a:p>
           <a:p>
             <a:r>
-              <a:rPr lang="en-US" dirty="0" smtClean="0"/>
+              <a:rPr lang="en-US" dirty="0"/>
               <a:t>March 15, 2019</a:t>
             </a:r>
-            <a:endParaRPr lang="en-US" dirty="0"/>
           </a:p>
         </p:txBody>
       </p:sp>
@@ -3398,10 +3396,9 @@
           <a:lstStyle/>
           <a:p>
             <a:r>
-              <a:rPr lang="en-US" dirty="0" smtClean="0"/>
+              <a:rPr lang="en-US" dirty="0"/>
               <a:t>ST Sourced definitions</a:t>
             </a:r>
-            <a:endParaRPr lang="en-US" dirty="0"/>
           </a:p>
         </p:txBody>
       </p:sp>
@@ -3421,38 +3418,29 @@
           <a:lstStyle/>
           <a:p>
             <a:r>
-              <a:rPr lang="en-US" dirty="0" smtClean="0"/>
+              <a:rPr lang="en-US" dirty="0"/>
               <a:t>ODM </a:t>
             </a:r>
             <a:r>
-              <a:rPr lang="en-US" dirty="0" err="1" smtClean="0"/>
+              <a:rPr lang="en-US" dirty="0" err="1"/>
               <a:t>InteractionAffordance</a:t>
             </a:r>
             <a:r>
-              <a:rPr lang="en-US" dirty="0" smtClean="0"/>
-              <a:t> definitions, manually </a:t>
-            </a:r>
-            <a:r>
               <a:rPr lang="en-US" dirty="0"/>
-              <a:t>extracted </a:t>
-            </a:r>
-            <a:r>
-              <a:rPr lang="en-US" dirty="0" smtClean="0"/>
-              <a:t>from some SmartThings Capability definitions</a:t>
-            </a:r>
-          </a:p>
-          <a:p>
-            <a:r>
-              <a:rPr lang="en-US" dirty="0" smtClean="0"/>
+              <a:t> definitions, manually extracted from some SmartThings Capability definitions</a:t>
+            </a:r>
+          </a:p>
+          <a:p>
+            <a:r>
+              <a:rPr lang="en-US" dirty="0"/>
               <a:t>Attributes map to ODM Property class</a:t>
             </a:r>
           </a:p>
           <a:p>
             <a:r>
-              <a:rPr lang="en-US" dirty="0" smtClean="0"/>
+              <a:rPr lang="en-US" dirty="0"/>
               <a:t>Commands map to ODM Action class</a:t>
             </a:r>
-            <a:endParaRPr lang="en-US" dirty="0"/>
           </a:p>
         </p:txBody>
       </p:sp>
@@ -3507,10 +3495,9 @@
           <a:lstStyle/>
           <a:p>
             <a:r>
-              <a:rPr lang="en-US" dirty="0" smtClean="0"/>
+              <a:rPr lang="en-US" dirty="0"/>
               <a:t>ST Based Capabilities</a:t>
             </a:r>
-            <a:endParaRPr lang="en-US" dirty="0"/>
           </a:p>
         </p:txBody>
       </p:sp>
@@ -4012,27 +3999,8 @@
                 <a:ea typeface="Courier" charset="0"/>
                 <a:cs typeface="Courier" charset="0"/>
               </a:rPr>
-              <a:t>": "Capability to control the </a:t>
-            </a:r>
-            <a:r>
-              <a:rPr lang="en-US" sz="1600" dirty="0" smtClean="0">
-                <a:solidFill>
-                  <a:srgbClr val="000000"/>
-                </a:solidFill>
-                <a:latin typeface="Courier" charset="0"/>
-                <a:ea typeface="Courier" charset="0"/>
-                <a:cs typeface="Courier" charset="0"/>
-              </a:rPr>
-              <a:t>level",</a:t>
-            </a:r>
-            <a:endParaRPr lang="en-US" sz="1600" dirty="0">
-              <a:solidFill>
-                <a:srgbClr val="000000"/>
-              </a:solidFill>
-              <a:latin typeface="Courier" charset="0"/>
-              <a:ea typeface="Courier" charset="0"/>
-              <a:cs typeface="Courier" charset="0"/>
-            </a:endParaRPr>
+              <a:t>": "Capability to control the level",</a:t>
+            </a:r>
           </a:p>
           <a:p>
             <a:r>
@@ -4284,10 +4252,9 @@
           <a:lstStyle/>
           <a:p>
             <a:r>
-              <a:rPr lang="en-US" dirty="0" smtClean="0"/>
+              <a:rPr lang="en-US" dirty="0"/>
               <a:t>Properties, Actions, Events</a:t>
             </a:r>
-            <a:endParaRPr lang="en-US" dirty="0"/>
           </a:p>
         </p:txBody>
       </p:sp>
@@ -5082,10 +5049,9 @@
           <a:lstStyle/>
           <a:p>
             <a:r>
-              <a:rPr lang="en-US" dirty="0" smtClean="0"/>
+              <a:rPr lang="en-US" dirty="0"/>
               <a:t>Data Items</a:t>
             </a:r>
-            <a:endParaRPr lang="en-US" dirty="0"/>
           </a:p>
         </p:txBody>
       </p:sp>
@@ -6186,10 +6152,9 @@
           <a:lstStyle/>
           <a:p>
             <a:r>
-              <a:rPr lang="en-US" dirty="0" smtClean="0"/>
+              <a:rPr lang="en-US" dirty="0"/>
               <a:t>ZCL Sourced definitions</a:t>
             </a:r>
-            <a:endParaRPr lang="en-US" dirty="0"/>
           </a:p>
         </p:txBody>
       </p:sp>
@@ -6209,30 +6174,29 @@
           <a:lstStyle/>
           <a:p>
             <a:r>
-              <a:rPr lang="en-US" dirty="0" smtClean="0"/>
+              <a:rPr lang="en-US" dirty="0"/>
               <a:t>ODM </a:t>
             </a:r>
             <a:r>
-              <a:rPr lang="en-US" dirty="0" err="1" smtClean="0"/>
+              <a:rPr lang="en-US" dirty="0" err="1"/>
               <a:t>InteractionAffordances</a:t>
             </a:r>
             <a:r>
-              <a:rPr lang="en-US" dirty="0" smtClean="0"/>
+              <a:rPr lang="en-US" dirty="0"/>
               <a:t>, manually extracted from ZCL definitions</a:t>
             </a:r>
           </a:p>
           <a:p>
             <a:r>
-              <a:rPr lang="en-US" dirty="0" smtClean="0"/>
+              <a:rPr lang="en-US" dirty="0"/>
               <a:t>Attributes map to ODM Property class</a:t>
             </a:r>
           </a:p>
           <a:p>
             <a:r>
-              <a:rPr lang="en-US" dirty="0" smtClean="0"/>
+              <a:rPr lang="en-US" dirty="0"/>
               <a:t>Commands map to ODM Action class</a:t>
             </a:r>
-            <a:endParaRPr lang="en-US" dirty="0"/>
           </a:p>
         </p:txBody>
       </p:sp>
@@ -6287,10 +6251,9 @@
           <a:lstStyle/>
           <a:p>
             <a:r>
-              <a:rPr lang="en-US" dirty="0" smtClean="0"/>
+              <a:rPr lang="en-US" dirty="0"/>
               <a:t>ZCL Example</a:t>
             </a:r>
-            <a:endParaRPr lang="en-US" dirty="0"/>
           </a:p>
         </p:txBody>
       </p:sp>
@@ -6846,18 +6809,13 @@
           </a:p>
           <a:p>
             <a:r>
-              <a:rPr lang="en-US" sz="1600" dirty="0" smtClean="0">
+              <a:rPr lang="en-US" sz="1600" dirty="0">
                 <a:latin typeface="Courier" charset="0"/>
                 <a:ea typeface="Courier" charset="0"/>
                 <a:cs typeface="Courier" charset="0"/>
               </a:rPr>
               <a:t>}</a:t>
             </a:r>
-            <a:endParaRPr lang="en-US" sz="1600" dirty="0">
-              <a:latin typeface="Courier" charset="0"/>
-              <a:ea typeface="Courier" charset="0"/>
-              <a:cs typeface="Courier" charset="0"/>
-            </a:endParaRPr>
           </a:p>
         </p:txBody>
       </p:sp>
@@ -6912,10 +6870,9 @@
           <a:lstStyle/>
           <a:p>
             <a:r>
-              <a:rPr lang="en-US" dirty="0" smtClean="0"/>
+              <a:rPr lang="en-US" dirty="0"/>
               <a:t>ZCL Example</a:t>
             </a:r>
-            <a:endParaRPr lang="en-US" dirty="0"/>
           </a:p>
         </p:txBody>
       </p:sp>
@@ -7727,10 +7684,9 @@
           <a:lstStyle/>
           <a:p>
             <a:r>
-              <a:rPr lang="en-US" dirty="0" smtClean="0"/>
+              <a:rPr lang="en-US" dirty="0"/>
               <a:t>ZCL Example</a:t>
             </a:r>
-            <a:endParaRPr lang="en-US" dirty="0"/>
           </a:p>
         </p:txBody>
       </p:sp>
@@ -8417,7 +8373,7 @@
           </a:p>
           <a:p>
             <a:r>
-              <a:rPr lang="en-US" sz="1600" dirty="0" smtClean="0">
+              <a:rPr lang="en-US" sz="1600" dirty="0">
                 <a:solidFill>
                   <a:srgbClr val="000000"/>
                 </a:solidFill>
@@ -8427,14 +8383,6 @@
               </a:rPr>
               <a:t>}</a:t>
             </a:r>
-            <a:endParaRPr lang="en-US" sz="1600" dirty="0">
-              <a:solidFill>
-                <a:srgbClr val="000000"/>
-              </a:solidFill>
-              <a:latin typeface="Courier" charset="0"/>
-              <a:ea typeface="Courier" charset="0"/>
-              <a:cs typeface="Courier" charset="0"/>
-            </a:endParaRPr>
           </a:p>
         </p:txBody>
       </p:sp>
@@ -8484,10 +8432,9 @@
           <a:lstStyle/>
           <a:p>
             <a:r>
-              <a:rPr lang="en-US" dirty="0" smtClean="0"/>
+              <a:rPr lang="en-US" dirty="0"/>
               <a:t>OCF Sourced definitions</a:t>
             </a:r>
-            <a:endParaRPr lang="en-US" dirty="0"/>
           </a:p>
         </p:txBody>
       </p:sp>
@@ -8507,30 +8454,29 @@
           <a:lstStyle/>
           <a:p>
             <a:r>
-              <a:rPr lang="en-US" dirty="0" smtClean="0"/>
+              <a:rPr lang="en-US" dirty="0"/>
               <a:t>ODM </a:t>
             </a:r>
             <a:r>
-              <a:rPr lang="en-US" dirty="0" err="1" smtClean="0"/>
+              <a:rPr lang="en-US" dirty="0" err="1"/>
               <a:t>InteractionAffordances</a:t>
             </a:r>
             <a:r>
-              <a:rPr lang="en-US" dirty="0" smtClean="0"/>
+              <a:rPr lang="en-US" dirty="0"/>
               <a:t>, manually extracted  from OCF Resource Type definitions</a:t>
             </a:r>
           </a:p>
           <a:p>
             <a:r>
-              <a:rPr lang="en-US" dirty="0" smtClean="0"/>
+              <a:rPr lang="en-US" dirty="0"/>
               <a:t>Properties map to ODM Property class</a:t>
             </a:r>
           </a:p>
           <a:p>
             <a:r>
-              <a:rPr lang="en-US" dirty="0" smtClean="0"/>
+              <a:rPr lang="en-US" dirty="0"/>
               <a:t>Actions added for simple cases like brightness change with ramp time</a:t>
             </a:r>
-            <a:endParaRPr lang="en-US" dirty="0"/>
           </a:p>
           <a:p>
             <a:endParaRPr lang="en-US" dirty="0"/>
@@ -8588,10 +8534,9 @@
           <a:lstStyle/>
           <a:p>
             <a:r>
-              <a:rPr lang="en-US" dirty="0" smtClean="0"/>
+              <a:rPr lang="en-US" dirty="0"/>
               <a:t>OCF Example</a:t>
             </a:r>
-            <a:endParaRPr lang="en-US" dirty="0"/>
           </a:p>
         </p:txBody>
       </p:sp>
@@ -9341,10 +9286,9 @@
           <a:lstStyle/>
           <a:p>
             <a:r>
-              <a:rPr lang="en-US" dirty="0" smtClean="0"/>
+              <a:rPr lang="en-US" dirty="0"/>
               <a:t>Common Definition Format</a:t>
             </a:r>
-            <a:endParaRPr lang="en-US" dirty="0"/>
           </a:p>
         </p:txBody>
       </p:sp>
@@ -9364,52 +9308,52 @@
           <a:lstStyle/>
           <a:p>
             <a:r>
-              <a:rPr lang="en-US" dirty="0" smtClean="0"/>
+              <a:rPr lang="en-US" dirty="0"/>
               <a:t>SmartThings Capability Model and Examples</a:t>
             </a:r>
           </a:p>
           <a:p>
             <a:r>
-              <a:rPr lang="en-US" dirty="0" smtClean="0"/>
+              <a:rPr lang="en-US" dirty="0"/>
               <a:t>Common Definition Format</a:t>
             </a:r>
           </a:p>
           <a:p>
             <a:r>
-              <a:rPr lang="en-US" dirty="0" smtClean="0"/>
+              <a:rPr lang="en-US" dirty="0"/>
               <a:t>UML model</a:t>
             </a:r>
           </a:p>
           <a:p>
             <a:r>
-              <a:rPr lang="en-US" dirty="0" smtClean="0"/>
+              <a:rPr lang="en-US" dirty="0"/>
               <a:t>RDF Examples</a:t>
             </a:r>
           </a:p>
           <a:p>
             <a:pPr lvl="1"/>
             <a:r>
-              <a:rPr lang="en-US" dirty="0" smtClean="0"/>
+              <a:rPr lang="en-US" dirty="0"/>
               <a:t>ZCL lighting clusters - mapped capabilities</a:t>
             </a:r>
           </a:p>
           <a:p>
             <a:pPr lvl="1"/>
             <a:r>
-              <a:rPr lang="en-US" dirty="0" smtClean="0"/>
+              <a:rPr lang="en-US" dirty="0"/>
               <a:t>OCF lighting RTs - mapped capabilities</a:t>
             </a:r>
           </a:p>
           <a:p>
             <a:pPr lvl="1"/>
             <a:r>
-              <a:rPr lang="en-US" dirty="0" smtClean="0"/>
+              <a:rPr lang="en-US" dirty="0"/>
               <a:t>ST lighting Capabilities - mapped capabilities</a:t>
             </a:r>
           </a:p>
           <a:p>
             <a:r>
-              <a:rPr lang="en-US" dirty="0" smtClean="0"/>
+              <a:rPr lang="en-US" dirty="0"/>
               <a:t>OCF Protocol Binding</a:t>
             </a:r>
           </a:p>
@@ -9466,10 +9410,9 @@
           <a:lstStyle/>
           <a:p>
             <a:r>
-              <a:rPr lang="en-US" dirty="0" smtClean="0"/>
+              <a:rPr lang="en-US" dirty="0"/>
               <a:t>OCF Example</a:t>
             </a:r>
-            <a:endParaRPr lang="en-US" dirty="0"/>
           </a:p>
         </p:txBody>
       </p:sp>
@@ -10147,7 +10090,7 @@
           </a:p>
           <a:p>
             <a:r>
-              <a:rPr lang="en-US" sz="1600" dirty="0" smtClean="0">
+              <a:rPr lang="en-US" sz="1600" dirty="0">
                 <a:solidFill>
                   <a:srgbClr val="000000"/>
                 </a:solidFill>
@@ -10157,14 +10100,6 @@
               </a:rPr>
               <a:t>},</a:t>
             </a:r>
-            <a:endParaRPr lang="en-US" sz="1600" dirty="0">
-              <a:solidFill>
-                <a:srgbClr val="000000"/>
-              </a:solidFill>
-              <a:latin typeface="Courier" charset="0"/>
-              <a:ea typeface="Courier" charset="0"/>
-              <a:cs typeface="Courier" charset="0"/>
-            </a:endParaRPr>
           </a:p>
         </p:txBody>
       </p:sp>
@@ -10219,10 +10154,9 @@
           <a:lstStyle/>
           <a:p>
             <a:r>
-              <a:rPr lang="en-US" dirty="0" smtClean="0"/>
+              <a:rPr lang="en-US" dirty="0"/>
               <a:t>OCF Example</a:t>
             </a:r>
-            <a:endParaRPr lang="en-US" dirty="0"/>
           </a:p>
         </p:txBody>
       </p:sp>
@@ -10909,7 +10843,7 @@
           </a:p>
           <a:p>
             <a:r>
-              <a:rPr lang="en-US" sz="1600" dirty="0" smtClean="0">
+              <a:rPr lang="en-US" sz="1600" dirty="0">
                 <a:solidFill>
                   <a:srgbClr val="000000"/>
                 </a:solidFill>
@@ -10919,14 +10853,6 @@
               </a:rPr>
               <a:t>},</a:t>
             </a:r>
-            <a:endParaRPr lang="en-US" sz="1600" dirty="0">
-              <a:solidFill>
-                <a:srgbClr val="000000"/>
-              </a:solidFill>
-              <a:latin typeface="Courier" charset="0"/>
-              <a:ea typeface="Courier" charset="0"/>
-              <a:cs typeface="Courier" charset="0"/>
-            </a:endParaRPr>
           </a:p>
         </p:txBody>
       </p:sp>
@@ -10981,10 +10907,9 @@
           <a:lstStyle/>
           <a:p>
             <a:r>
-              <a:rPr lang="en-US" dirty="0" smtClean="0"/>
+              <a:rPr lang="en-US" dirty="0"/>
               <a:t>OCF Example</a:t>
             </a:r>
-            <a:endParaRPr lang="en-US" dirty="0"/>
           </a:p>
         </p:txBody>
       </p:sp>
@@ -11421,29 +11346,7 @@
                 <a:ea typeface="Courier" charset="0"/>
                 <a:cs typeface="Courier" charset="0"/>
               </a:rPr>
-              <a:t>": "Boolean value </a:t>
-            </a:r>
-            <a:r>
-              <a:rPr lang="en-US" sz="1600" dirty="0" smtClean="0">
-                <a:solidFill>
-                  <a:srgbClr val="000000"/>
-                </a:solidFill>
-                <a:latin typeface="Courier" charset="0"/>
-                <a:ea typeface="Courier" charset="0"/>
-                <a:cs typeface="Courier" charset="0"/>
-              </a:rPr>
-              <a:t>for On state</a:t>
-            </a:r>
-            <a:r>
-              <a:rPr lang="en-US" sz="1600" dirty="0">
-                <a:solidFill>
-                  <a:srgbClr val="000000"/>
-                </a:solidFill>
-                <a:latin typeface="Courier" charset="0"/>
-                <a:ea typeface="Courier" charset="0"/>
-                <a:cs typeface="Courier" charset="0"/>
-              </a:rPr>
-              <a:t>",</a:t>
+              <a:t>": "Boolean value for On state",</a:t>
             </a:r>
           </a:p>
           <a:p>
@@ -11722,10 +11625,9 @@
           <a:lstStyle/>
           <a:p>
             <a:r>
-              <a:rPr lang="en-US" dirty="0" smtClean="0"/>
+              <a:rPr lang="en-US" dirty="0"/>
               <a:t>OCF Protocol Binding/Mapping</a:t>
             </a:r>
-            <a:endParaRPr lang="en-US" dirty="0"/>
           </a:p>
         </p:txBody>
       </p:sp>
@@ -11745,16 +11647,27 @@
           <a:lstStyle/>
           <a:p>
             <a:r>
-              <a:rPr lang="en-US" dirty="0" smtClean="0"/>
-              <a:t>Example of an OCF Resource Type definition with extensions for modeling ODM Actions</a:t>
-            </a:r>
-          </a:p>
-          <a:p>
-            <a:r>
-              <a:rPr lang="en-US" dirty="0" smtClean="0"/>
+              <a:rPr lang="en-US" dirty="0"/>
+              <a:t>Example of an OCF Resource Type definition (OAS/Swagger) file with annotations/extensions for modeling ODM Actions</a:t>
+            </a:r>
+          </a:p>
+          <a:p>
+            <a:r>
+              <a:rPr lang="en-US" dirty="0"/>
+              <a:t>Mapping can be done to existing OCF types in some cases using CDF annotation</a:t>
+            </a:r>
+          </a:p>
+          <a:p>
+            <a:r>
+              <a:rPr lang="en-US" dirty="0"/>
+              <a:t>OAS target patterns can be generated using templates and annotated with CDF semantics</a:t>
+            </a:r>
+          </a:p>
+          <a:p>
+            <a:r>
+              <a:rPr lang="en-US" dirty="0"/>
               <a:t>Enables an ODM-Capable Bridge or adaptation client to use ODM to generate OCF API calls</a:t>
             </a:r>
-            <a:endParaRPr lang="en-US" dirty="0"/>
           </a:p>
         </p:txBody>
       </p:sp>
@@ -11790,7 +11703,13 @@
       </p:grpSpPr>
       <p:sp>
         <p:nvSpPr>
-          <p:cNvPr id="2" name="Title 1"/>
+          <p:cNvPr id="2" name="Title 1">
+            <a:extLst>
+              <a:ext uri="{FF2B5EF4-FFF2-40B4-BE49-F238E27FC236}">
+                <a16:creationId xmlns:a16="http://schemas.microsoft.com/office/drawing/2014/main" id="{F7AC3872-664A-CC4C-BDC5-D61C47E371A8}"/>
+              </a:ext>
+            </a:extLst>
+          </p:cNvPr>
           <p:cNvSpPr>
             <a:spLocks noGrp="1"/>
           </p:cNvSpPr>
@@ -11804,455 +11723,806 @@
           <a:lstStyle/>
           <a:p>
             <a:r>
-              <a:rPr lang="en-US" dirty="0" smtClean="0"/>
-              <a:t>OCF Definition with annotations</a:t>
-            </a:r>
-            <a:endParaRPr lang="en-US" dirty="0"/>
+              <a:rPr lang="en-US" dirty="0"/>
+              <a:t>OCF Protocol Binding Example </a:t>
+            </a:r>
           </a:p>
         </p:txBody>
       </p:sp>
       <p:sp>
         <p:nvSpPr>
-          <p:cNvPr id="4" name="Rectangle 3"/>
+          <p:cNvPr id="4" name="Rectangle 3">
+            <a:extLst>
+              <a:ext uri="{FF2B5EF4-FFF2-40B4-BE49-F238E27FC236}">
+                <a16:creationId xmlns:a16="http://schemas.microsoft.com/office/drawing/2014/main" id="{25A414E1-7B5A-954D-870E-9256C72726D7}"/>
+              </a:ext>
+            </a:extLst>
+          </p:cNvPr>
           <p:cNvSpPr/>
           <p:nvPr/>
         </p:nvSpPr>
         <p:spPr>
           <a:xfrm>
-            <a:off x="742950" y="1536978"/>
-            <a:ext cx="6835140" cy="4524315"/>
+            <a:off x="628650" y="2903937"/>
+            <a:ext cx="1470660" cy="532922"/>
           </a:xfrm>
           <a:prstGeom prst="rect">
             <a:avLst/>
           </a:prstGeom>
         </p:spPr>
+        <p:style>
+          <a:lnRef idx="2">
+            <a:schemeClr val="accent1">
+              <a:shade val="50000"/>
+            </a:schemeClr>
+          </a:lnRef>
+          <a:fillRef idx="1">
+            <a:schemeClr val="accent1"/>
+          </a:fillRef>
+          <a:effectRef idx="0">
+            <a:schemeClr val="accent1"/>
+          </a:effectRef>
+          <a:fontRef idx="minor">
+            <a:schemeClr val="lt1"/>
+          </a:fontRef>
+        </p:style>
         <p:txBody>
-          <a:bodyPr wrap="square">
+          <a:bodyPr rtlCol="0" anchor="ctr"/>
+          <a:lstStyle/>
+          <a:p>
+            <a:pPr algn="ctr"/>
+            <a:r>
+              <a:rPr lang="en-US" dirty="0"/>
+              <a:t>Thing</a:t>
+            </a:r>
+          </a:p>
+        </p:txBody>
+      </p:sp>
+      <p:sp>
+        <p:nvSpPr>
+          <p:cNvPr id="5" name="Rectangle 4">
+            <a:extLst>
+              <a:ext uri="{FF2B5EF4-FFF2-40B4-BE49-F238E27FC236}">
+                <a16:creationId xmlns:a16="http://schemas.microsoft.com/office/drawing/2014/main" id="{F020A002-4477-F840-B48B-78C3A1552DA0}"/>
+              </a:ext>
+            </a:extLst>
+          </p:cNvPr>
+          <p:cNvSpPr/>
+          <p:nvPr/>
+        </p:nvSpPr>
+        <p:spPr>
+          <a:xfrm>
+            <a:off x="2400300" y="2903937"/>
+            <a:ext cx="1470660" cy="532922"/>
+          </a:xfrm>
+          <a:prstGeom prst="rect">
+            <a:avLst/>
+          </a:prstGeom>
+        </p:spPr>
+        <p:style>
+          <a:lnRef idx="2">
+            <a:schemeClr val="accent1">
+              <a:shade val="50000"/>
+            </a:schemeClr>
+          </a:lnRef>
+          <a:fillRef idx="1">
+            <a:schemeClr val="accent1"/>
+          </a:fillRef>
+          <a:effectRef idx="0">
+            <a:schemeClr val="accent1"/>
+          </a:effectRef>
+          <a:fontRef idx="minor">
+            <a:schemeClr val="lt1"/>
+          </a:fontRef>
+        </p:style>
+        <p:txBody>
+          <a:bodyPr rtlCol="0" anchor="ctr"/>
+          <a:lstStyle/>
+          <a:p>
+            <a:pPr algn="ctr"/>
+            <a:r>
+              <a:rPr lang="en-US" dirty="0"/>
+              <a:t>Capability</a:t>
+            </a:r>
+          </a:p>
+        </p:txBody>
+      </p:sp>
+      <p:sp>
+        <p:nvSpPr>
+          <p:cNvPr id="6" name="TextBox 5">
+            <a:extLst>
+              <a:ext uri="{FF2B5EF4-FFF2-40B4-BE49-F238E27FC236}">
+                <a16:creationId xmlns:a16="http://schemas.microsoft.com/office/drawing/2014/main" id="{F7902DFD-780E-7D48-9304-ECD24AFA11AB}"/>
+              </a:ext>
+            </a:extLst>
+          </p:cNvPr>
+          <p:cNvSpPr txBox="1"/>
+          <p:nvPr/>
+        </p:nvSpPr>
+        <p:spPr>
+          <a:xfrm>
+            <a:off x="11327130" y="-160020"/>
+            <a:ext cx="184731" cy="369332"/>
+          </a:xfrm>
+          <a:prstGeom prst="rect">
+            <a:avLst/>
+          </a:prstGeom>
+          <a:noFill/>
+        </p:spPr>
+        <p:txBody>
+          <a:bodyPr wrap="none" rtlCol="0">
             <a:spAutoFit/>
           </a:bodyPr>
           <a:lstStyle/>
           <a:p>
-            <a:r>
-              <a:rPr lang="en-US" sz="1600" dirty="0">
-                <a:solidFill>
-                  <a:srgbClr val="000000"/>
-                </a:solidFill>
-                <a:latin typeface="Courier" charset="0"/>
-                <a:ea typeface="Courier" charset="0"/>
-                <a:cs typeface="Courier" charset="0"/>
-              </a:rPr>
-              <a:t>    "title": "Binary Switch",</a:t>
-            </a:r>
-          </a:p>
-          <a:p>
-            <a:r>
-              <a:rPr lang="en-US" sz="1600" dirty="0">
-                <a:solidFill>
-                  <a:srgbClr val="000000"/>
-                </a:solidFill>
-                <a:latin typeface="Courier" charset="0"/>
-                <a:ea typeface="Courier" charset="0"/>
-                <a:cs typeface="Courier" charset="0"/>
-              </a:rPr>
-              <a:t>    "version": "v1.1.0-20160519",</a:t>
-            </a:r>
-          </a:p>
-          <a:p>
-            <a:r>
-              <a:rPr lang="en-US" sz="1600" dirty="0">
-                <a:solidFill>
-                  <a:srgbClr val="000000"/>
-                </a:solidFill>
-                <a:latin typeface="Courier" charset="0"/>
-                <a:ea typeface="Courier" charset="0"/>
-                <a:cs typeface="Courier" charset="0"/>
-              </a:rPr>
-              <a:t>    "license": {</a:t>
-            </a:r>
-          </a:p>
-          <a:p>
-            <a:r>
-              <a:rPr lang="en-US" sz="1600" dirty="0">
-                <a:solidFill>
-                  <a:srgbClr val="000000"/>
-                </a:solidFill>
-                <a:latin typeface="Courier" charset="0"/>
-                <a:ea typeface="Courier" charset="0"/>
-                <a:cs typeface="Courier" charset="0"/>
-              </a:rPr>
-              <a:t>      "name": "copyright 2016-2017 Open Connectivity Foundation, Inc. All rights reserved.",</a:t>
-            </a:r>
-          </a:p>
-          <a:p>
-            <a:r>
-              <a:rPr lang="en-US" sz="1600" dirty="0">
-                <a:solidFill>
-                  <a:srgbClr val="000000"/>
-                </a:solidFill>
-                <a:latin typeface="Courier" charset="0"/>
-                <a:ea typeface="Courier" charset="0"/>
-                <a:cs typeface="Courier" charset="0"/>
-              </a:rPr>
-              <a:t>    }</a:t>
-            </a:r>
-          </a:p>
-          <a:p>
-            <a:r>
-              <a:rPr lang="en-US" sz="1600" dirty="0">
-                <a:solidFill>
-                  <a:srgbClr val="000000"/>
-                </a:solidFill>
-                <a:latin typeface="Courier" charset="0"/>
-                <a:ea typeface="Courier" charset="0"/>
-                <a:cs typeface="Courier" charset="0"/>
-              </a:rPr>
-              <a:t>  },</a:t>
-            </a:r>
-          </a:p>
-          <a:p>
-            <a:r>
-              <a:rPr lang="en-US" sz="1600" dirty="0">
-                <a:solidFill>
-                  <a:srgbClr val="000000"/>
-                </a:solidFill>
-                <a:latin typeface="Courier" charset="0"/>
-                <a:ea typeface="Courier" charset="0"/>
-                <a:cs typeface="Courier" charset="0"/>
-              </a:rPr>
-              <a:t>  </a:t>
-            </a:r>
-            <a:r>
-              <a:rPr lang="en-US" sz="1600" dirty="0">
-                <a:solidFill>
-                  <a:srgbClr val="FF0000"/>
-                </a:solidFill>
-                <a:latin typeface="Courier" charset="0"/>
-                <a:ea typeface="Courier" charset="0"/>
-                <a:cs typeface="Courier" charset="0"/>
-              </a:rPr>
-              <a:t>"@type": "</a:t>
-            </a:r>
-            <a:r>
-              <a:rPr lang="en-US" sz="1600" dirty="0" err="1">
-                <a:solidFill>
-                  <a:srgbClr val="FF0000"/>
-                </a:solidFill>
-                <a:latin typeface="Courier" charset="0"/>
-                <a:ea typeface="Courier" charset="0"/>
-                <a:cs typeface="Courier" charset="0"/>
-              </a:rPr>
-              <a:t>ocf:BinarySwitchCapability</a:t>
-            </a:r>
-            <a:r>
-              <a:rPr lang="en-US" sz="1600" dirty="0">
-                <a:solidFill>
-                  <a:srgbClr val="FF0000"/>
-                </a:solidFill>
-                <a:latin typeface="Courier" charset="0"/>
-                <a:ea typeface="Courier" charset="0"/>
-                <a:cs typeface="Courier" charset="0"/>
-              </a:rPr>
-              <a:t>",</a:t>
-            </a:r>
-          </a:p>
-          <a:p>
-            <a:r>
-              <a:rPr lang="en-US" sz="1600" dirty="0">
-                <a:solidFill>
-                  <a:srgbClr val="000000"/>
-                </a:solidFill>
-                <a:latin typeface="Courier" charset="0"/>
-                <a:ea typeface="Courier" charset="0"/>
-                <a:cs typeface="Courier" charset="0"/>
-              </a:rPr>
-              <a:t>  "schemes": ["http"],</a:t>
-            </a:r>
-          </a:p>
-          <a:p>
-            <a:r>
-              <a:rPr lang="en-US" sz="1600" dirty="0">
-                <a:solidFill>
-                  <a:srgbClr val="000000"/>
-                </a:solidFill>
-                <a:latin typeface="Courier" charset="0"/>
-                <a:ea typeface="Courier" charset="0"/>
-                <a:cs typeface="Courier" charset="0"/>
-              </a:rPr>
-              <a:t>  "consumes": ["application/</a:t>
-            </a:r>
-            <a:r>
-              <a:rPr lang="en-US" sz="1600" dirty="0" err="1">
-                <a:solidFill>
-                  <a:srgbClr val="000000"/>
-                </a:solidFill>
-                <a:latin typeface="Courier" charset="0"/>
-                <a:ea typeface="Courier" charset="0"/>
-                <a:cs typeface="Courier" charset="0"/>
-              </a:rPr>
-              <a:t>json</a:t>
-            </a:r>
-            <a:r>
-              <a:rPr lang="en-US" sz="1600" dirty="0">
-                <a:solidFill>
-                  <a:srgbClr val="000000"/>
-                </a:solidFill>
-                <a:latin typeface="Courier" charset="0"/>
-                <a:ea typeface="Courier" charset="0"/>
-                <a:cs typeface="Courier" charset="0"/>
-              </a:rPr>
-              <a:t>"],</a:t>
-            </a:r>
-          </a:p>
-          <a:p>
-            <a:r>
-              <a:rPr lang="en-US" sz="1600" dirty="0">
-                <a:solidFill>
-                  <a:srgbClr val="000000"/>
-                </a:solidFill>
-                <a:latin typeface="Courier" charset="0"/>
-                <a:ea typeface="Courier" charset="0"/>
-                <a:cs typeface="Courier" charset="0"/>
-              </a:rPr>
-              <a:t>  "produces": ["application/</a:t>
-            </a:r>
-            <a:r>
-              <a:rPr lang="en-US" sz="1600" dirty="0" err="1">
-                <a:solidFill>
-                  <a:srgbClr val="000000"/>
-                </a:solidFill>
-                <a:latin typeface="Courier" charset="0"/>
-                <a:ea typeface="Courier" charset="0"/>
-                <a:cs typeface="Courier" charset="0"/>
-              </a:rPr>
-              <a:t>json</a:t>
-            </a:r>
-            <a:r>
-              <a:rPr lang="en-US" sz="1600" dirty="0">
-                <a:solidFill>
-                  <a:srgbClr val="000000"/>
-                </a:solidFill>
-                <a:latin typeface="Courier" charset="0"/>
-                <a:ea typeface="Courier" charset="0"/>
-                <a:cs typeface="Courier" charset="0"/>
-              </a:rPr>
-              <a:t>"],</a:t>
-            </a:r>
-          </a:p>
-          <a:p>
-            <a:r>
-              <a:rPr lang="en-US" sz="1600" dirty="0">
-                <a:solidFill>
-                  <a:srgbClr val="000000"/>
-                </a:solidFill>
-                <a:latin typeface="Courier" charset="0"/>
-                <a:ea typeface="Courier" charset="0"/>
-                <a:cs typeface="Courier" charset="0"/>
-              </a:rPr>
-              <a:t>  "paths": {</a:t>
-            </a:r>
-          </a:p>
-          <a:p>
-            <a:r>
-              <a:rPr lang="en-US" sz="1600" dirty="0">
-                <a:solidFill>
-                  <a:srgbClr val="000000"/>
-                </a:solidFill>
-                <a:latin typeface="Courier" charset="0"/>
-                <a:ea typeface="Courier" charset="0"/>
-                <a:cs typeface="Courier" charset="0"/>
-              </a:rPr>
-              <a:t>    "/</a:t>
-            </a:r>
-            <a:r>
-              <a:rPr lang="en-US" sz="1600" dirty="0" err="1">
-                <a:solidFill>
-                  <a:srgbClr val="000000"/>
-                </a:solidFill>
-                <a:latin typeface="Courier" charset="0"/>
-                <a:ea typeface="Courier" charset="0"/>
-                <a:cs typeface="Courier" charset="0"/>
-              </a:rPr>
-              <a:t>BinarySwitchResURI</a:t>
-            </a:r>
-            <a:r>
-              <a:rPr lang="en-US" sz="1600" dirty="0">
-                <a:solidFill>
-                  <a:srgbClr val="000000"/>
-                </a:solidFill>
-                <a:latin typeface="Courier" charset="0"/>
-                <a:ea typeface="Courier" charset="0"/>
-                <a:cs typeface="Courier" charset="0"/>
-              </a:rPr>
-              <a:t>" : {</a:t>
-            </a:r>
-          </a:p>
-          <a:p>
-            <a:r>
-              <a:rPr lang="en-US" sz="1600" dirty="0">
-                <a:solidFill>
-                  <a:srgbClr val="000000"/>
-                </a:solidFill>
-                <a:latin typeface="Courier" charset="0"/>
-                <a:ea typeface="Courier" charset="0"/>
-                <a:cs typeface="Courier" charset="0"/>
-              </a:rPr>
-              <a:t>      </a:t>
-            </a:r>
-            <a:r>
-              <a:rPr lang="en-US" sz="1600" dirty="0">
-                <a:solidFill>
-                  <a:srgbClr val="FF0000"/>
-                </a:solidFill>
-                <a:latin typeface="Courier" charset="0"/>
-                <a:ea typeface="Courier" charset="0"/>
-                <a:cs typeface="Courier" charset="0"/>
-              </a:rPr>
-              <a:t>"@type": [</a:t>
-            </a:r>
-          </a:p>
-          <a:p>
-            <a:r>
-              <a:rPr lang="en-US" sz="1600" dirty="0">
-                <a:solidFill>
-                  <a:srgbClr val="FF0000"/>
-                </a:solidFill>
-                <a:latin typeface="Courier" charset="0"/>
-                <a:ea typeface="Courier" charset="0"/>
-                <a:cs typeface="Courier" charset="0"/>
-              </a:rPr>
-              <a:t>        "</a:t>
-            </a:r>
-            <a:r>
-              <a:rPr lang="en-US" sz="1600" dirty="0" err="1">
-                <a:solidFill>
-                  <a:srgbClr val="FF0000"/>
-                </a:solidFill>
-                <a:latin typeface="Courier" charset="0"/>
-                <a:ea typeface="Courier" charset="0"/>
-                <a:cs typeface="Courier" charset="0"/>
-              </a:rPr>
-              <a:t>ocf:BinarySwitch.valueProperty</a:t>
-            </a:r>
-            <a:r>
-              <a:rPr lang="en-US" sz="1600" dirty="0">
-                <a:solidFill>
-                  <a:srgbClr val="FF0000"/>
-                </a:solidFill>
-                <a:latin typeface="Courier" charset="0"/>
-                <a:ea typeface="Courier" charset="0"/>
-                <a:cs typeface="Courier" charset="0"/>
-              </a:rPr>
-              <a:t>",</a:t>
-            </a:r>
-          </a:p>
-          <a:p>
-            <a:r>
-              <a:rPr lang="en-US" sz="1600" dirty="0">
-                <a:solidFill>
-                  <a:srgbClr val="FF0000"/>
-                </a:solidFill>
-                <a:latin typeface="Courier" charset="0"/>
-                <a:ea typeface="Courier" charset="0"/>
-                <a:cs typeface="Courier" charset="0"/>
-              </a:rPr>
-              <a:t>        "</a:t>
-            </a:r>
-            <a:r>
-              <a:rPr lang="en-US" sz="1600" dirty="0" err="1">
-                <a:solidFill>
-                  <a:srgbClr val="FF0000"/>
-                </a:solidFill>
-                <a:latin typeface="Courier" charset="0"/>
-                <a:ea typeface="Courier" charset="0"/>
-                <a:cs typeface="Courier" charset="0"/>
-              </a:rPr>
-              <a:t>ocf:BinarySwitch.OnAction</a:t>
-            </a:r>
-            <a:r>
-              <a:rPr lang="en-US" sz="1600" dirty="0">
-                <a:solidFill>
-                  <a:srgbClr val="FF0000"/>
-                </a:solidFill>
-                <a:latin typeface="Courier" charset="0"/>
-                <a:ea typeface="Courier" charset="0"/>
-                <a:cs typeface="Courier" charset="0"/>
-              </a:rPr>
-              <a:t>",</a:t>
-            </a:r>
-          </a:p>
-          <a:p>
-            <a:r>
-              <a:rPr lang="en-US" sz="1600" dirty="0">
-                <a:solidFill>
-                  <a:srgbClr val="FF0000"/>
-                </a:solidFill>
-                <a:latin typeface="Courier" charset="0"/>
-                <a:ea typeface="Courier" charset="0"/>
-                <a:cs typeface="Courier" charset="0"/>
-              </a:rPr>
-              <a:t>        "</a:t>
-            </a:r>
-            <a:r>
-              <a:rPr lang="en-US" sz="1600" dirty="0" err="1">
-                <a:solidFill>
-                  <a:srgbClr val="FF0000"/>
-                </a:solidFill>
-                <a:latin typeface="Courier" charset="0"/>
-                <a:ea typeface="Courier" charset="0"/>
-                <a:cs typeface="Courier" charset="0"/>
-              </a:rPr>
-              <a:t>ocf:BinarySwitch.OffAction</a:t>
-            </a:r>
-            <a:r>
-              <a:rPr lang="en-US" sz="1600" dirty="0">
-                <a:solidFill>
-                  <a:srgbClr val="FF0000"/>
-                </a:solidFill>
-                <a:latin typeface="Courier" charset="0"/>
-                <a:ea typeface="Courier" charset="0"/>
-                <a:cs typeface="Courier" charset="0"/>
-              </a:rPr>
-              <a:t>"</a:t>
-            </a:r>
-          </a:p>
-          <a:p>
-            <a:r>
-              <a:rPr lang="en-US" sz="1600" dirty="0">
-                <a:solidFill>
-                  <a:srgbClr val="FF0000"/>
-                </a:solidFill>
-                <a:latin typeface="Courier" charset="0"/>
-                <a:ea typeface="Courier" charset="0"/>
-                <a:cs typeface="Courier" charset="0"/>
-              </a:rPr>
-              <a:t>      </a:t>
-            </a:r>
-            <a:r>
-              <a:rPr lang="en-US" sz="1600" dirty="0" smtClean="0">
-                <a:solidFill>
-                  <a:srgbClr val="FF0000"/>
-                </a:solidFill>
-                <a:latin typeface="Courier" charset="0"/>
-                <a:ea typeface="Courier" charset="0"/>
-                <a:cs typeface="Courier" charset="0"/>
-              </a:rPr>
-              <a:t>],</a:t>
-            </a:r>
-            <a:endParaRPr lang="en-US" sz="1600" dirty="0">
-              <a:solidFill>
-                <a:srgbClr val="FF0000"/>
-              </a:solidFill>
-              <a:latin typeface="Courier" charset="0"/>
-              <a:ea typeface="Courier" charset="0"/>
-              <a:cs typeface="Courier" charset="0"/>
-            </a:endParaRPr>
+            <a:endParaRPr lang="en-US" dirty="0"/>
+          </a:p>
+        </p:txBody>
+      </p:sp>
+      <p:sp>
+        <p:nvSpPr>
+          <p:cNvPr id="7" name="Rectangle 6">
+            <a:extLst>
+              <a:ext uri="{FF2B5EF4-FFF2-40B4-BE49-F238E27FC236}">
+                <a16:creationId xmlns:a16="http://schemas.microsoft.com/office/drawing/2014/main" id="{94CB2F40-E770-734E-AC93-EDBFC660CFC7}"/>
+              </a:ext>
+            </a:extLst>
+          </p:cNvPr>
+          <p:cNvSpPr/>
+          <p:nvPr/>
+        </p:nvSpPr>
+        <p:spPr>
+          <a:xfrm>
+            <a:off x="4171950" y="2902268"/>
+            <a:ext cx="1470660" cy="515302"/>
+          </a:xfrm>
+          <a:prstGeom prst="rect">
+            <a:avLst/>
+          </a:prstGeom>
+        </p:spPr>
+        <p:style>
+          <a:lnRef idx="2">
+            <a:schemeClr val="accent1">
+              <a:shade val="50000"/>
+            </a:schemeClr>
+          </a:lnRef>
+          <a:fillRef idx="1">
+            <a:schemeClr val="accent1"/>
+          </a:fillRef>
+          <a:effectRef idx="0">
+            <a:schemeClr val="accent1"/>
+          </a:effectRef>
+          <a:fontRef idx="minor">
+            <a:schemeClr val="lt1"/>
+          </a:fontRef>
+        </p:style>
+        <p:txBody>
+          <a:bodyPr rtlCol="0" anchor="ctr"/>
+          <a:lstStyle/>
+          <a:p>
+            <a:pPr algn="ctr"/>
+            <a:r>
+              <a:rPr lang="en-US" dirty="0"/>
+              <a:t>Event/Action/Property</a:t>
+            </a:r>
+          </a:p>
+        </p:txBody>
+      </p:sp>
+      <p:sp>
+        <p:nvSpPr>
+          <p:cNvPr id="9" name="Rectangle 8">
+            <a:extLst>
+              <a:ext uri="{FF2B5EF4-FFF2-40B4-BE49-F238E27FC236}">
+                <a16:creationId xmlns:a16="http://schemas.microsoft.com/office/drawing/2014/main" id="{813B3CA8-929C-F24A-8167-085E5F94FEB8}"/>
+              </a:ext>
+            </a:extLst>
+          </p:cNvPr>
+          <p:cNvSpPr/>
+          <p:nvPr/>
+        </p:nvSpPr>
+        <p:spPr>
+          <a:xfrm>
+            <a:off x="5943600" y="2893458"/>
+            <a:ext cx="1470660" cy="515302"/>
+          </a:xfrm>
+          <a:prstGeom prst="rect">
+            <a:avLst/>
+          </a:prstGeom>
+        </p:spPr>
+        <p:style>
+          <a:lnRef idx="2">
+            <a:schemeClr val="accent1">
+              <a:shade val="50000"/>
+            </a:schemeClr>
+          </a:lnRef>
+          <a:fillRef idx="1">
+            <a:schemeClr val="accent1"/>
+          </a:fillRef>
+          <a:effectRef idx="0">
+            <a:schemeClr val="accent1"/>
+          </a:effectRef>
+          <a:fontRef idx="minor">
+            <a:schemeClr val="lt1"/>
+          </a:fontRef>
+        </p:style>
+        <p:txBody>
+          <a:bodyPr rtlCol="0" anchor="ctr"/>
+          <a:lstStyle/>
+          <a:p>
+            <a:pPr algn="ctr"/>
+            <a:r>
+              <a:rPr lang="en-US" dirty="0" err="1"/>
+              <a:t>DataItem</a:t>
+            </a:r>
+            <a:endParaRPr lang="en-US" dirty="0"/>
+          </a:p>
+        </p:txBody>
+      </p:sp>
+      <p:sp>
+        <p:nvSpPr>
+          <p:cNvPr id="15" name="Rectangle 14">
+            <a:extLst>
+              <a:ext uri="{FF2B5EF4-FFF2-40B4-BE49-F238E27FC236}">
+                <a16:creationId xmlns:a16="http://schemas.microsoft.com/office/drawing/2014/main" id="{01013A0E-A90D-6842-B724-9E245A0BF9C9}"/>
+              </a:ext>
+            </a:extLst>
+          </p:cNvPr>
+          <p:cNvSpPr/>
+          <p:nvPr/>
+        </p:nvSpPr>
+        <p:spPr>
+          <a:xfrm>
+            <a:off x="628650" y="4690588"/>
+            <a:ext cx="1470660" cy="532922"/>
+          </a:xfrm>
+          <a:prstGeom prst="rect">
+            <a:avLst/>
+          </a:prstGeom>
+          <a:solidFill>
+            <a:schemeClr val="accent2"/>
+          </a:solidFill>
+          <a:ln>
+            <a:solidFill>
+              <a:schemeClr val="accent2"/>
+            </a:solidFill>
+          </a:ln>
+        </p:spPr>
+        <p:style>
+          <a:lnRef idx="2">
+            <a:schemeClr val="accent1">
+              <a:shade val="50000"/>
+            </a:schemeClr>
+          </a:lnRef>
+          <a:fillRef idx="1">
+            <a:schemeClr val="accent1"/>
+          </a:fillRef>
+          <a:effectRef idx="0">
+            <a:schemeClr val="accent1"/>
+          </a:effectRef>
+          <a:fontRef idx="minor">
+            <a:schemeClr val="lt1"/>
+          </a:fontRef>
+        </p:style>
+        <p:txBody>
+          <a:bodyPr rtlCol="0" anchor="ctr"/>
+          <a:lstStyle/>
+          <a:p>
+            <a:pPr algn="ctr"/>
+            <a:r>
+              <a:rPr lang="en-US" dirty="0"/>
+              <a:t>Device</a:t>
+            </a:r>
+          </a:p>
+        </p:txBody>
+      </p:sp>
+      <p:sp>
+        <p:nvSpPr>
+          <p:cNvPr id="16" name="Rectangle 15">
+            <a:extLst>
+              <a:ext uri="{FF2B5EF4-FFF2-40B4-BE49-F238E27FC236}">
+                <a16:creationId xmlns:a16="http://schemas.microsoft.com/office/drawing/2014/main" id="{F2BE2857-95D3-8940-BD4F-8786E6D26DD0}"/>
+              </a:ext>
+            </a:extLst>
+          </p:cNvPr>
+          <p:cNvSpPr/>
+          <p:nvPr/>
+        </p:nvSpPr>
+        <p:spPr>
+          <a:xfrm>
+            <a:off x="2400300" y="4690588"/>
+            <a:ext cx="1470660" cy="532922"/>
+          </a:xfrm>
+          <a:prstGeom prst="rect">
+            <a:avLst/>
+          </a:prstGeom>
+          <a:solidFill>
+            <a:schemeClr val="accent2"/>
+          </a:solidFill>
+          <a:ln>
+            <a:solidFill>
+              <a:schemeClr val="accent2"/>
+            </a:solidFill>
+          </a:ln>
+        </p:spPr>
+        <p:style>
+          <a:lnRef idx="2">
+            <a:schemeClr val="accent1">
+              <a:shade val="50000"/>
+            </a:schemeClr>
+          </a:lnRef>
+          <a:fillRef idx="1">
+            <a:schemeClr val="accent1"/>
+          </a:fillRef>
+          <a:effectRef idx="0">
+            <a:schemeClr val="accent1"/>
+          </a:effectRef>
+          <a:fontRef idx="minor">
+            <a:schemeClr val="lt1"/>
+          </a:fontRef>
+        </p:style>
+        <p:txBody>
+          <a:bodyPr rtlCol="0" anchor="ctr"/>
+          <a:lstStyle/>
+          <a:p>
+            <a:pPr algn="ctr"/>
+            <a:r>
+              <a:rPr lang="en-US" dirty="0"/>
+              <a:t>Resource Type</a:t>
+            </a:r>
+          </a:p>
+        </p:txBody>
+      </p:sp>
+      <p:sp>
+        <p:nvSpPr>
+          <p:cNvPr id="17" name="Rectangle 16">
+            <a:extLst>
+              <a:ext uri="{FF2B5EF4-FFF2-40B4-BE49-F238E27FC236}">
+                <a16:creationId xmlns:a16="http://schemas.microsoft.com/office/drawing/2014/main" id="{55DBE446-2F63-0148-A211-436F566151E7}"/>
+              </a:ext>
+            </a:extLst>
+          </p:cNvPr>
+          <p:cNvSpPr/>
+          <p:nvPr/>
+        </p:nvSpPr>
+        <p:spPr>
+          <a:xfrm>
+            <a:off x="4171950" y="4688919"/>
+            <a:ext cx="1470660" cy="515302"/>
+          </a:xfrm>
+          <a:prstGeom prst="rect">
+            <a:avLst/>
+          </a:prstGeom>
+          <a:solidFill>
+            <a:schemeClr val="accent2"/>
+          </a:solidFill>
+          <a:ln>
+            <a:solidFill>
+              <a:schemeClr val="accent2"/>
+            </a:solidFill>
+          </a:ln>
+        </p:spPr>
+        <p:style>
+          <a:lnRef idx="2">
+            <a:schemeClr val="accent1">
+              <a:shade val="50000"/>
+            </a:schemeClr>
+          </a:lnRef>
+          <a:fillRef idx="1">
+            <a:schemeClr val="accent1"/>
+          </a:fillRef>
+          <a:effectRef idx="0">
+            <a:schemeClr val="accent1"/>
+          </a:effectRef>
+          <a:fontRef idx="minor">
+            <a:schemeClr val="lt1"/>
+          </a:fontRef>
+        </p:style>
+        <p:txBody>
+          <a:bodyPr rtlCol="0" anchor="ctr"/>
+          <a:lstStyle/>
+          <a:p>
+            <a:pPr algn="ctr"/>
+            <a:r>
+              <a:rPr lang="en-US" dirty="0"/>
+              <a:t>Path, Operation</a:t>
+            </a:r>
+          </a:p>
+        </p:txBody>
+      </p:sp>
+      <p:sp>
+        <p:nvSpPr>
+          <p:cNvPr id="18" name="Rectangle 17">
+            <a:extLst>
+              <a:ext uri="{FF2B5EF4-FFF2-40B4-BE49-F238E27FC236}">
+                <a16:creationId xmlns:a16="http://schemas.microsoft.com/office/drawing/2014/main" id="{A1CEFAE2-5FFA-B94F-8693-ED46EDD63F38}"/>
+              </a:ext>
+            </a:extLst>
+          </p:cNvPr>
+          <p:cNvSpPr/>
+          <p:nvPr/>
+        </p:nvSpPr>
+        <p:spPr>
+          <a:xfrm>
+            <a:off x="5943600" y="4680109"/>
+            <a:ext cx="1470660" cy="515302"/>
+          </a:xfrm>
+          <a:prstGeom prst="rect">
+            <a:avLst/>
+          </a:prstGeom>
+          <a:solidFill>
+            <a:schemeClr val="accent2"/>
+          </a:solidFill>
+          <a:ln>
+            <a:solidFill>
+              <a:schemeClr val="accent2"/>
+            </a:solidFill>
+          </a:ln>
+        </p:spPr>
+        <p:style>
+          <a:lnRef idx="2">
+            <a:schemeClr val="accent1">
+              <a:shade val="50000"/>
+            </a:schemeClr>
+          </a:lnRef>
+          <a:fillRef idx="1">
+            <a:schemeClr val="accent1"/>
+          </a:fillRef>
+          <a:effectRef idx="0">
+            <a:schemeClr val="accent1"/>
+          </a:effectRef>
+          <a:fontRef idx="minor">
+            <a:schemeClr val="lt1"/>
+          </a:fontRef>
+        </p:style>
+        <p:txBody>
+          <a:bodyPr rtlCol="0" anchor="ctr"/>
+          <a:lstStyle/>
+          <a:p>
+            <a:pPr algn="ctr"/>
+            <a:r>
+              <a:rPr lang="en-US" dirty="0"/>
+              <a:t>Payload</a:t>
+            </a:r>
+          </a:p>
+        </p:txBody>
+      </p:sp>
+      <p:sp>
+        <p:nvSpPr>
+          <p:cNvPr id="20" name="TextBox 19">
+            <a:extLst>
+              <a:ext uri="{FF2B5EF4-FFF2-40B4-BE49-F238E27FC236}">
+                <a16:creationId xmlns:a16="http://schemas.microsoft.com/office/drawing/2014/main" id="{96B30896-74FD-C24C-B7BB-BDD3ED76798A}"/>
+              </a:ext>
+            </a:extLst>
+          </p:cNvPr>
+          <p:cNvSpPr txBox="1"/>
+          <p:nvPr/>
+        </p:nvSpPr>
+        <p:spPr>
+          <a:xfrm>
+            <a:off x="7715250" y="2929086"/>
+            <a:ext cx="777240" cy="461665"/>
+          </a:xfrm>
+          <a:prstGeom prst="rect">
+            <a:avLst/>
+          </a:prstGeom>
+          <a:noFill/>
+        </p:spPr>
+        <p:txBody>
+          <a:bodyPr wrap="square" rtlCol="0">
+            <a:spAutoFit/>
+          </a:bodyPr>
+          <a:lstStyle/>
+          <a:p>
+            <a:r>
+              <a:rPr lang="en-US" sz="2400" dirty="0"/>
+              <a:t>CDF</a:t>
+            </a:r>
+          </a:p>
+        </p:txBody>
+      </p:sp>
+      <p:sp>
+        <p:nvSpPr>
+          <p:cNvPr id="21" name="TextBox 20">
+            <a:extLst>
+              <a:ext uri="{FF2B5EF4-FFF2-40B4-BE49-F238E27FC236}">
+                <a16:creationId xmlns:a16="http://schemas.microsoft.com/office/drawing/2014/main" id="{76D67C6A-710A-0A4C-9B52-E4F5E98E9191}"/>
+              </a:ext>
+            </a:extLst>
+          </p:cNvPr>
+          <p:cNvSpPr txBox="1"/>
+          <p:nvPr/>
+        </p:nvSpPr>
+        <p:spPr>
+          <a:xfrm>
+            <a:off x="7665719" y="4717970"/>
+            <a:ext cx="777240" cy="461665"/>
+          </a:xfrm>
+          <a:prstGeom prst="rect">
+            <a:avLst/>
+          </a:prstGeom>
+          <a:noFill/>
+        </p:spPr>
+        <p:txBody>
+          <a:bodyPr wrap="square" rtlCol="0">
+            <a:spAutoFit/>
+          </a:bodyPr>
+          <a:lstStyle/>
+          <a:p>
+            <a:r>
+              <a:rPr lang="en-US" sz="2400" dirty="0"/>
+              <a:t>OCF</a:t>
+            </a:r>
+          </a:p>
+        </p:txBody>
+      </p:sp>
+      <p:cxnSp>
+        <p:nvCxnSpPr>
+          <p:cNvPr id="23" name="Straight Arrow Connector 22">
+            <a:extLst>
+              <a:ext uri="{FF2B5EF4-FFF2-40B4-BE49-F238E27FC236}">
+                <a16:creationId xmlns:a16="http://schemas.microsoft.com/office/drawing/2014/main" id="{1F6F2B3D-250C-084C-90ED-0F82EC25DFDC}"/>
+              </a:ext>
+            </a:extLst>
+          </p:cNvPr>
+          <p:cNvCxnSpPr>
+            <a:cxnSpLocks/>
+            <a:stCxn id="4" idx="2"/>
+            <a:endCxn id="15" idx="0"/>
+          </p:cNvCxnSpPr>
+          <p:nvPr/>
+        </p:nvCxnSpPr>
+        <p:spPr>
+          <a:xfrm>
+            <a:off x="1363980" y="3436859"/>
+            <a:ext cx="0" cy="1253729"/>
+          </a:xfrm>
+          <a:prstGeom prst="straightConnector1">
+            <a:avLst/>
+          </a:prstGeom>
+          <a:ln w="28575">
+            <a:solidFill>
+              <a:schemeClr val="tx1"/>
+            </a:solidFill>
+            <a:tailEnd type="triangle"/>
+          </a:ln>
+        </p:spPr>
+        <p:style>
+          <a:lnRef idx="1">
+            <a:schemeClr val="accent1"/>
+          </a:lnRef>
+          <a:fillRef idx="0">
+            <a:schemeClr val="accent1"/>
+          </a:fillRef>
+          <a:effectRef idx="0">
+            <a:schemeClr val="accent1"/>
+          </a:effectRef>
+          <a:fontRef idx="minor">
+            <a:schemeClr val="tx1"/>
+          </a:fontRef>
+        </p:style>
+      </p:cxnSp>
+      <p:cxnSp>
+        <p:nvCxnSpPr>
+          <p:cNvPr id="25" name="Straight Arrow Connector 24">
+            <a:extLst>
+              <a:ext uri="{FF2B5EF4-FFF2-40B4-BE49-F238E27FC236}">
+                <a16:creationId xmlns:a16="http://schemas.microsoft.com/office/drawing/2014/main" id="{F3109D8F-F041-2742-9A45-B1F14C1A499C}"/>
+              </a:ext>
+            </a:extLst>
+          </p:cNvPr>
+          <p:cNvCxnSpPr>
+            <a:cxnSpLocks/>
+          </p:cNvCxnSpPr>
+          <p:nvPr/>
+        </p:nvCxnSpPr>
+        <p:spPr>
+          <a:xfrm>
+            <a:off x="3143250" y="3436859"/>
+            <a:ext cx="0" cy="1253729"/>
+          </a:xfrm>
+          <a:prstGeom prst="straightConnector1">
+            <a:avLst/>
+          </a:prstGeom>
+          <a:ln w="28575">
+            <a:solidFill>
+              <a:schemeClr val="tx1"/>
+            </a:solidFill>
+            <a:tailEnd type="triangle"/>
+          </a:ln>
+        </p:spPr>
+        <p:style>
+          <a:lnRef idx="1">
+            <a:schemeClr val="accent1"/>
+          </a:lnRef>
+          <a:fillRef idx="0">
+            <a:schemeClr val="accent1"/>
+          </a:fillRef>
+          <a:effectRef idx="0">
+            <a:schemeClr val="accent1"/>
+          </a:effectRef>
+          <a:fontRef idx="minor">
+            <a:schemeClr val="tx1"/>
+          </a:fontRef>
+        </p:style>
+      </p:cxnSp>
+      <p:cxnSp>
+        <p:nvCxnSpPr>
+          <p:cNvPr id="26" name="Straight Arrow Connector 25">
+            <a:extLst>
+              <a:ext uri="{FF2B5EF4-FFF2-40B4-BE49-F238E27FC236}">
+                <a16:creationId xmlns:a16="http://schemas.microsoft.com/office/drawing/2014/main" id="{9AB1BE36-FEA9-AB4A-92EC-79E2B1ED2B5F}"/>
+              </a:ext>
+            </a:extLst>
+          </p:cNvPr>
+          <p:cNvCxnSpPr>
+            <a:cxnSpLocks/>
+          </p:cNvCxnSpPr>
+          <p:nvPr/>
+        </p:nvCxnSpPr>
+        <p:spPr>
+          <a:xfrm>
+            <a:off x="4911090" y="3426380"/>
+            <a:ext cx="0" cy="1253729"/>
+          </a:xfrm>
+          <a:prstGeom prst="straightConnector1">
+            <a:avLst/>
+          </a:prstGeom>
+          <a:ln w="28575">
+            <a:solidFill>
+              <a:schemeClr val="tx1"/>
+            </a:solidFill>
+            <a:tailEnd type="triangle"/>
+          </a:ln>
+        </p:spPr>
+        <p:style>
+          <a:lnRef idx="1">
+            <a:schemeClr val="accent1"/>
+          </a:lnRef>
+          <a:fillRef idx="0">
+            <a:schemeClr val="accent1"/>
+          </a:fillRef>
+          <a:effectRef idx="0">
+            <a:schemeClr val="accent1"/>
+          </a:effectRef>
+          <a:fontRef idx="minor">
+            <a:schemeClr val="tx1"/>
+          </a:fontRef>
+        </p:style>
+      </p:cxnSp>
+      <p:cxnSp>
+        <p:nvCxnSpPr>
+          <p:cNvPr id="27" name="Straight Arrow Connector 26">
+            <a:extLst>
+              <a:ext uri="{FF2B5EF4-FFF2-40B4-BE49-F238E27FC236}">
+                <a16:creationId xmlns:a16="http://schemas.microsoft.com/office/drawing/2014/main" id="{31BB1E19-F486-9F4E-A400-8D46E3496B3C}"/>
+              </a:ext>
+            </a:extLst>
+          </p:cNvPr>
+          <p:cNvCxnSpPr>
+            <a:cxnSpLocks/>
+          </p:cNvCxnSpPr>
+          <p:nvPr/>
+        </p:nvCxnSpPr>
+        <p:spPr>
+          <a:xfrm>
+            <a:off x="6678930" y="3436859"/>
+            <a:ext cx="0" cy="1253729"/>
+          </a:xfrm>
+          <a:prstGeom prst="straightConnector1">
+            <a:avLst/>
+          </a:prstGeom>
+          <a:ln w="28575">
+            <a:solidFill>
+              <a:schemeClr val="tx1"/>
+            </a:solidFill>
+            <a:tailEnd type="triangle"/>
+          </a:ln>
+        </p:spPr>
+        <p:style>
+          <a:lnRef idx="1">
+            <a:schemeClr val="accent1"/>
+          </a:lnRef>
+          <a:fillRef idx="0">
+            <a:schemeClr val="accent1"/>
+          </a:fillRef>
+          <a:effectRef idx="0">
+            <a:schemeClr val="accent1"/>
+          </a:effectRef>
+          <a:fontRef idx="minor">
+            <a:schemeClr val="tx1"/>
+          </a:fontRef>
+        </p:style>
+      </p:cxnSp>
+      <p:sp>
+        <p:nvSpPr>
+          <p:cNvPr id="33" name="Right Brace 32">
+            <a:extLst>
+              <a:ext uri="{FF2B5EF4-FFF2-40B4-BE49-F238E27FC236}">
+                <a16:creationId xmlns:a16="http://schemas.microsoft.com/office/drawing/2014/main" id="{5A17CF90-A157-254C-852B-E692D446776E}"/>
+              </a:ext>
+            </a:extLst>
+          </p:cNvPr>
+          <p:cNvSpPr/>
+          <p:nvPr/>
+        </p:nvSpPr>
+        <p:spPr>
+          <a:xfrm rot="16200000">
+            <a:off x="3874292" y="-789268"/>
+            <a:ext cx="294325" cy="6785610"/>
+          </a:xfrm>
+          <a:prstGeom prst="rightBrace">
+            <a:avLst/>
+          </a:prstGeom>
+          <a:ln w="28575">
+            <a:solidFill>
+              <a:schemeClr val="tx1"/>
+            </a:solidFill>
+          </a:ln>
+        </p:spPr>
+        <p:style>
+          <a:lnRef idx="1">
+            <a:schemeClr val="accent1"/>
+          </a:lnRef>
+          <a:fillRef idx="0">
+            <a:schemeClr val="accent1"/>
+          </a:fillRef>
+          <a:effectRef idx="0">
+            <a:schemeClr val="accent1"/>
+          </a:effectRef>
+          <a:fontRef idx="minor">
+            <a:schemeClr val="tx1"/>
+          </a:fontRef>
+        </p:style>
+        <p:txBody>
+          <a:bodyPr rtlCol="0" anchor="ctr"/>
+          <a:lstStyle/>
+          <a:p>
+            <a:pPr algn="ctr"/>
+            <a:endParaRPr lang="en-US"/>
+          </a:p>
+        </p:txBody>
+      </p:sp>
+      <p:sp>
+        <p:nvSpPr>
+          <p:cNvPr id="34" name="TextBox 33">
+            <a:extLst>
+              <a:ext uri="{FF2B5EF4-FFF2-40B4-BE49-F238E27FC236}">
+                <a16:creationId xmlns:a16="http://schemas.microsoft.com/office/drawing/2014/main" id="{E4CD285D-531C-784A-A22E-F4B496901D17}"/>
+              </a:ext>
+            </a:extLst>
+          </p:cNvPr>
+          <p:cNvSpPr txBox="1"/>
+          <p:nvPr/>
+        </p:nvSpPr>
+        <p:spPr>
+          <a:xfrm>
+            <a:off x="3128961" y="1907681"/>
+            <a:ext cx="1807846" cy="461665"/>
+          </a:xfrm>
+          <a:prstGeom prst="rect">
+            <a:avLst/>
+          </a:prstGeom>
+          <a:noFill/>
+        </p:spPr>
+        <p:txBody>
+          <a:bodyPr wrap="square" rtlCol="0">
+            <a:spAutoFit/>
+          </a:bodyPr>
+          <a:lstStyle/>
+          <a:p>
+            <a:pPr algn="ctr"/>
+            <a:r>
+              <a:rPr lang="en-US" sz="2400" dirty="0"/>
+              <a:t>Categories</a:t>
+            </a:r>
           </a:p>
         </p:txBody>
       </p:sp>
     </p:spTree>
     <p:extLst>
       <p:ext uri="{BB962C8B-B14F-4D97-AF65-F5344CB8AC3E}">
-        <p14:creationId xmlns:p14="http://schemas.microsoft.com/office/powerpoint/2010/main" val="151544765"/>
+        <p14:creationId xmlns:p14="http://schemas.microsoft.com/office/powerpoint/2010/main" val="317795753"/>
       </p:ext>
     </p:extLst>
   </p:cSld>
@@ -12295,23 +12565,22 @@
           <a:lstStyle/>
           <a:p>
             <a:r>
-              <a:rPr lang="en-US" dirty="0" smtClean="0"/>
+              <a:rPr lang="en-US" dirty="0"/>
               <a:t>OCF Definition with annotations</a:t>
             </a:r>
-            <a:endParaRPr lang="en-US" dirty="0"/>
           </a:p>
         </p:txBody>
       </p:sp>
       <p:sp>
         <p:nvSpPr>
-          <p:cNvPr id="3" name="Rectangle 2"/>
+          <p:cNvPr id="4" name="Rectangle 3"/>
           <p:cNvSpPr/>
           <p:nvPr/>
         </p:nvSpPr>
         <p:spPr>
           <a:xfrm>
-            <a:off x="1211580" y="1690689"/>
-            <a:ext cx="5806440" cy="4801314"/>
+            <a:off x="742950" y="1536978"/>
+            <a:ext cx="6835140" cy="4524315"/>
           </a:xfrm>
           <a:prstGeom prst="rect">
             <a:avLst/>
@@ -12324,221 +12593,407 @@
           <a:lstStyle/>
           <a:p>
             <a:r>
-              <a:rPr lang="is-IS" dirty="0">
-                <a:solidFill>
-                  <a:srgbClr val="000000"/>
-                </a:solidFill>
-                <a:latin typeface="Helvetica" charset="0"/>
-              </a:rPr>
-              <a:t>          </a:t>
-            </a:r>
-            <a:r>
-              <a:rPr lang="is-IS" dirty="0" smtClean="0">
-                <a:solidFill>
-                  <a:srgbClr val="000000"/>
-                </a:solidFill>
-                <a:latin typeface="Helvetica" charset="0"/>
-              </a:rPr>
-              <a:t>(...)</a:t>
-            </a:r>
-          </a:p>
-          <a:p>
-            <a:r>
-              <a:rPr lang="is-IS" dirty="0">
-                <a:solidFill>
-                  <a:srgbClr val="000000"/>
-                </a:solidFill>
-                <a:latin typeface="Helvetica" charset="0"/>
-              </a:rPr>
-              <a:t> </a:t>
-            </a:r>
-            <a:r>
-              <a:rPr lang="is-IS" dirty="0" smtClean="0">
-                <a:solidFill>
-                  <a:srgbClr val="000000"/>
-                </a:solidFill>
-                <a:latin typeface="Helvetica" charset="0"/>
-              </a:rPr>
-              <a:t>         "</a:t>
-            </a:r>
-            <a:r>
-              <a:rPr lang="is-IS" dirty="0">
-                <a:solidFill>
-                  <a:srgbClr val="000000"/>
-                </a:solidFill>
-                <a:latin typeface="Helvetica" charset="0"/>
-              </a:rPr>
-              <a:t>minItems": 1,</a:t>
-            </a:r>
-          </a:p>
-          <a:p>
-            <a:r>
-              <a:rPr lang="is-IS" dirty="0">
-                <a:solidFill>
-                  <a:srgbClr val="000000"/>
-                </a:solidFill>
-                <a:latin typeface="Helvetica" charset="0"/>
-              </a:rPr>
-              <a:t>          "readOnly": true,</a:t>
-            </a:r>
-          </a:p>
-          <a:p>
-            <a:r>
-              <a:rPr lang="is-IS" dirty="0">
-                <a:solidFill>
-                  <a:srgbClr val="000000"/>
-                </a:solidFill>
-                <a:latin typeface="Helvetica" charset="0"/>
-              </a:rPr>
-              <a:t>          "type": "array"</a:t>
-            </a:r>
-          </a:p>
-          <a:p>
-            <a:r>
-              <a:rPr lang="is-IS" dirty="0">
-                <a:solidFill>
-                  <a:srgbClr val="000000"/>
-                </a:solidFill>
-                <a:latin typeface="Helvetica" charset="0"/>
-              </a:rPr>
-              <a:t>        },</a:t>
-            </a:r>
-          </a:p>
-          <a:p>
-            <a:r>
-              <a:rPr lang="is-IS" dirty="0">
-                <a:solidFill>
-                  <a:srgbClr val="000000"/>
-                </a:solidFill>
-                <a:latin typeface="Helvetica" charset="0"/>
-              </a:rPr>
-              <a:t>        "value" :</a:t>
-            </a:r>
-          </a:p>
-          <a:p>
-            <a:r>
-              <a:rPr lang="is-IS" dirty="0">
-                <a:solidFill>
-                  <a:srgbClr val="000000"/>
-                </a:solidFill>
-                <a:latin typeface="Helvetica" charset="0"/>
-              </a:rPr>
-              <a:t>                {</a:t>
-            </a:r>
-          </a:p>
-          <a:p>
-            <a:r>
-              <a:rPr lang="is-IS" dirty="0">
-                <a:solidFill>
-                  <a:srgbClr val="000000"/>
-                </a:solidFill>
-                <a:latin typeface="Helvetica" charset="0"/>
-              </a:rPr>
-              <a:t>          </a:t>
-            </a:r>
-            <a:r>
-              <a:rPr lang="is-IS" dirty="0">
+              <a:rPr lang="en-US" sz="1600" dirty="0">
+                <a:solidFill>
+                  <a:srgbClr val="000000"/>
+                </a:solidFill>
+                <a:latin typeface="Courier" charset="0"/>
+                <a:ea typeface="Courier" charset="0"/>
+                <a:cs typeface="Courier" charset="0"/>
+              </a:rPr>
+              <a:t>    "title": "Binary Switch",</a:t>
+            </a:r>
+          </a:p>
+          <a:p>
+            <a:r>
+              <a:rPr lang="en-US" sz="1600" dirty="0">
+                <a:solidFill>
+                  <a:srgbClr val="000000"/>
+                </a:solidFill>
+                <a:latin typeface="Courier" charset="0"/>
+                <a:ea typeface="Courier" charset="0"/>
+                <a:cs typeface="Courier" charset="0"/>
+              </a:rPr>
+              <a:t>    "version": "v1.1.0-20160519",</a:t>
+            </a:r>
+          </a:p>
+          <a:p>
+            <a:r>
+              <a:rPr lang="en-US" sz="1600" dirty="0">
+                <a:solidFill>
+                  <a:srgbClr val="000000"/>
+                </a:solidFill>
+                <a:latin typeface="Courier" charset="0"/>
+                <a:ea typeface="Courier" charset="0"/>
+                <a:cs typeface="Courier" charset="0"/>
+              </a:rPr>
+              <a:t>    "license": {</a:t>
+            </a:r>
+          </a:p>
+          <a:p>
+            <a:r>
+              <a:rPr lang="en-US" sz="1600" dirty="0">
+                <a:solidFill>
+                  <a:srgbClr val="000000"/>
+                </a:solidFill>
+                <a:latin typeface="Courier" charset="0"/>
+                <a:ea typeface="Courier" charset="0"/>
+                <a:cs typeface="Courier" charset="0"/>
+              </a:rPr>
+              <a:t>      "name": "copyright 2016-2017 Open Connectivity Foundation, Inc. All rights reserved.",</a:t>
+            </a:r>
+          </a:p>
+          <a:p>
+            <a:r>
+              <a:rPr lang="en-US" sz="1600" dirty="0">
+                <a:solidFill>
+                  <a:srgbClr val="000000"/>
+                </a:solidFill>
+                <a:latin typeface="Courier" charset="0"/>
+                <a:ea typeface="Courier" charset="0"/>
+                <a:cs typeface="Courier" charset="0"/>
+              </a:rPr>
+              <a:t>    }</a:t>
+            </a:r>
+          </a:p>
+          <a:p>
+            <a:r>
+              <a:rPr lang="en-US" sz="1600" dirty="0">
+                <a:solidFill>
+                  <a:srgbClr val="000000"/>
+                </a:solidFill>
+                <a:latin typeface="Courier" charset="0"/>
+                <a:ea typeface="Courier" charset="0"/>
+                <a:cs typeface="Courier" charset="0"/>
+              </a:rPr>
+              <a:t>  },</a:t>
+            </a:r>
+          </a:p>
+          <a:p>
+            <a:r>
+              <a:rPr lang="en-US" sz="1600" dirty="0">
+                <a:solidFill>
+                  <a:srgbClr val="000000"/>
+                </a:solidFill>
+                <a:latin typeface="Courier" charset="0"/>
+                <a:ea typeface="Courier" charset="0"/>
+                <a:cs typeface="Courier" charset="0"/>
+              </a:rPr>
+              <a:t>  </a:t>
+            </a:r>
+            <a:r>
+              <a:rPr lang="en-US" sz="1600" dirty="0">
                 <a:solidFill>
                   <a:srgbClr val="FF0000"/>
                 </a:solidFill>
-                <a:latin typeface="Helvetica" charset="0"/>
+                <a:latin typeface="Courier" charset="0"/>
+                <a:ea typeface="Courier" charset="0"/>
+                <a:cs typeface="Courier" charset="0"/>
+              </a:rPr>
+              <a:t>"@type": "</a:t>
+            </a:r>
+            <a:r>
+              <a:rPr lang="en-US" sz="1600" dirty="0" err="1">
+                <a:solidFill>
+                  <a:srgbClr val="FF0000"/>
+                </a:solidFill>
+                <a:latin typeface="Courier" charset="0"/>
+                <a:ea typeface="Courier" charset="0"/>
+                <a:cs typeface="Courier" charset="0"/>
+              </a:rPr>
+              <a:t>ocf:BinarySwitchCapability</a:t>
+            </a:r>
+            <a:r>
+              <a:rPr lang="en-US" sz="1600" dirty="0">
+                <a:solidFill>
+                  <a:srgbClr val="FF0000"/>
+                </a:solidFill>
+                <a:latin typeface="Courier" charset="0"/>
+                <a:ea typeface="Courier" charset="0"/>
+                <a:cs typeface="Courier" charset="0"/>
+              </a:rPr>
+              <a:t>",</a:t>
+            </a:r>
+          </a:p>
+          <a:p>
+            <a:r>
+              <a:rPr lang="en-US" sz="1600" dirty="0">
+                <a:solidFill>
+                  <a:srgbClr val="000000"/>
+                </a:solidFill>
+                <a:latin typeface="Courier" charset="0"/>
+                <a:ea typeface="Courier" charset="0"/>
+                <a:cs typeface="Courier" charset="0"/>
+              </a:rPr>
+              <a:t>  "schemes": ["http"],</a:t>
+            </a:r>
+          </a:p>
+          <a:p>
+            <a:r>
+              <a:rPr lang="en-US" sz="1600" dirty="0">
+                <a:solidFill>
+                  <a:srgbClr val="000000"/>
+                </a:solidFill>
+                <a:latin typeface="Courier" charset="0"/>
+                <a:ea typeface="Courier" charset="0"/>
+                <a:cs typeface="Courier" charset="0"/>
+              </a:rPr>
+              <a:t>  "consumes": ["application/</a:t>
+            </a:r>
+            <a:r>
+              <a:rPr lang="en-US" sz="1600" dirty="0" err="1">
+                <a:solidFill>
+                  <a:srgbClr val="000000"/>
+                </a:solidFill>
+                <a:latin typeface="Courier" charset="0"/>
+                <a:ea typeface="Courier" charset="0"/>
+                <a:cs typeface="Courier" charset="0"/>
+              </a:rPr>
+              <a:t>json</a:t>
+            </a:r>
+            <a:r>
+              <a:rPr lang="en-US" sz="1600" dirty="0">
+                <a:solidFill>
+                  <a:srgbClr val="000000"/>
+                </a:solidFill>
+                <a:latin typeface="Courier" charset="0"/>
+                <a:ea typeface="Courier" charset="0"/>
+                <a:cs typeface="Courier" charset="0"/>
+              </a:rPr>
+              <a:t>"],</a:t>
+            </a:r>
+          </a:p>
+          <a:p>
+            <a:r>
+              <a:rPr lang="en-US" sz="1600" dirty="0">
+                <a:solidFill>
+                  <a:srgbClr val="000000"/>
+                </a:solidFill>
+                <a:latin typeface="Courier" charset="0"/>
+                <a:ea typeface="Courier" charset="0"/>
+                <a:cs typeface="Courier" charset="0"/>
+              </a:rPr>
+              <a:t>  "produces": ["application/</a:t>
+            </a:r>
+            <a:r>
+              <a:rPr lang="en-US" sz="1600" dirty="0" err="1">
+                <a:solidFill>
+                  <a:srgbClr val="000000"/>
+                </a:solidFill>
+                <a:latin typeface="Courier" charset="0"/>
+                <a:ea typeface="Courier" charset="0"/>
+                <a:cs typeface="Courier" charset="0"/>
+              </a:rPr>
+              <a:t>json</a:t>
+            </a:r>
+            <a:r>
+              <a:rPr lang="en-US" sz="1600" dirty="0">
+                <a:solidFill>
+                  <a:srgbClr val="000000"/>
+                </a:solidFill>
+                <a:latin typeface="Courier" charset="0"/>
+                <a:ea typeface="Courier" charset="0"/>
+                <a:cs typeface="Courier" charset="0"/>
+              </a:rPr>
+              <a:t>"],</a:t>
+            </a:r>
+          </a:p>
+          <a:p>
+            <a:r>
+              <a:rPr lang="en-US" sz="1600" dirty="0">
+                <a:solidFill>
+                  <a:srgbClr val="000000"/>
+                </a:solidFill>
+                <a:latin typeface="Courier" charset="0"/>
+                <a:ea typeface="Courier" charset="0"/>
+                <a:cs typeface="Courier" charset="0"/>
+              </a:rPr>
+              <a:t>  "paths": {</a:t>
+            </a:r>
+          </a:p>
+          <a:p>
+            <a:r>
+              <a:rPr lang="en-US" sz="1600" dirty="0">
+                <a:solidFill>
+                  <a:srgbClr val="000000"/>
+                </a:solidFill>
+                <a:latin typeface="Courier" charset="0"/>
+                <a:ea typeface="Courier" charset="0"/>
+                <a:cs typeface="Courier" charset="0"/>
+              </a:rPr>
+              <a:t>    "/</a:t>
+            </a:r>
+            <a:r>
+              <a:rPr lang="en-US" sz="1600" dirty="0" err="1">
+                <a:solidFill>
+                  <a:srgbClr val="000000"/>
+                </a:solidFill>
+                <a:latin typeface="Courier" charset="0"/>
+                <a:ea typeface="Courier" charset="0"/>
+                <a:cs typeface="Courier" charset="0"/>
+              </a:rPr>
+              <a:t>BinarySwitchResURI</a:t>
+            </a:r>
+            <a:r>
+              <a:rPr lang="en-US" sz="1600" dirty="0">
+                <a:solidFill>
+                  <a:srgbClr val="000000"/>
+                </a:solidFill>
+                <a:latin typeface="Courier" charset="0"/>
+                <a:ea typeface="Courier" charset="0"/>
+                <a:cs typeface="Courier" charset="0"/>
+              </a:rPr>
+              <a:t>" : {</a:t>
+            </a:r>
+          </a:p>
+          <a:p>
+            <a:r>
+              <a:rPr lang="en-US" sz="1600" dirty="0">
+                <a:solidFill>
+                  <a:srgbClr val="000000"/>
+                </a:solidFill>
+                <a:latin typeface="Courier" charset="0"/>
+                <a:ea typeface="Courier" charset="0"/>
+                <a:cs typeface="Courier" charset="0"/>
+              </a:rPr>
+              <a:t>      </a:t>
+            </a:r>
+            <a:r>
+              <a:rPr lang="en-US" sz="1600" dirty="0">
+                <a:solidFill>
+                  <a:srgbClr val="FF0000"/>
+                </a:solidFill>
+                <a:latin typeface="Courier" charset="0"/>
+                <a:ea typeface="Courier" charset="0"/>
+                <a:cs typeface="Courier" charset="0"/>
               </a:rPr>
               <a:t>"@type": [</a:t>
             </a:r>
           </a:p>
           <a:p>
             <a:r>
-              <a:rPr lang="is-IS" dirty="0">
+              <a:rPr lang="en-US" sz="1600" dirty="0">
                 <a:solidFill>
                   <a:srgbClr val="FF0000"/>
                 </a:solidFill>
-                <a:latin typeface="Helvetica" charset="0"/>
-              </a:rPr>
-              <a:t>            "ocf:BinarySwitch.valueData",</a:t>
-            </a:r>
-          </a:p>
-          <a:p>
-            <a:r>
-              <a:rPr lang="is-IS" dirty="0">
+                <a:latin typeface="Courier" charset="0"/>
+                <a:ea typeface="Courier" charset="0"/>
+                <a:cs typeface="Courier" charset="0"/>
+              </a:rPr>
+              <a:t>        "</a:t>
+            </a:r>
+            <a:r>
+              <a:rPr lang="en-US" sz="1600" dirty="0" err="1">
                 <a:solidFill>
                   <a:srgbClr val="FF0000"/>
                 </a:solidFill>
-                <a:latin typeface="Helvetica" charset="0"/>
-              </a:rPr>
-              <a:t>            "ocf:BinarySwitch.OnValueData",</a:t>
-            </a:r>
-          </a:p>
-          <a:p>
-            <a:r>
-              <a:rPr lang="is-IS" dirty="0">
+                <a:latin typeface="Courier" charset="0"/>
+                <a:ea typeface="Courier" charset="0"/>
+                <a:cs typeface="Courier" charset="0"/>
+              </a:rPr>
+              <a:t>ocf:BinarySwitch.valueProperty</a:t>
+            </a:r>
+            <a:r>
+              <a:rPr lang="en-US" sz="1600" dirty="0">
                 <a:solidFill>
                   <a:srgbClr val="FF0000"/>
                 </a:solidFill>
-                <a:latin typeface="Helvetica" charset="0"/>
-              </a:rPr>
-              <a:t>            "ocf:BinarySwitch.OffValueData"</a:t>
-            </a:r>
-          </a:p>
-          <a:p>
-            <a:r>
-              <a:rPr lang="is-IS" dirty="0">
+                <a:latin typeface="Courier" charset="0"/>
+                <a:ea typeface="Courier" charset="0"/>
+                <a:cs typeface="Courier" charset="0"/>
+              </a:rPr>
+              <a:t>",</a:t>
+            </a:r>
+          </a:p>
+          <a:p>
+            <a:r>
+              <a:rPr lang="en-US" sz="1600" dirty="0">
                 <a:solidFill>
                   <a:srgbClr val="FF0000"/>
                 </a:solidFill>
-                <a:latin typeface="Helvetica" charset="0"/>
-              </a:rPr>
-              <a:t>          ],</a:t>
-            </a:r>
-          </a:p>
-          <a:p>
-            <a:r>
-              <a:rPr lang="is-IS" dirty="0">
-                <a:solidFill>
-                  <a:srgbClr val="000000"/>
-                </a:solidFill>
-                <a:latin typeface="Helvetica" charset="0"/>
-              </a:rPr>
-              <a:t>          "description": "Status of the switch",</a:t>
-            </a:r>
-          </a:p>
-          <a:p>
-            <a:r>
-              <a:rPr lang="is-IS" dirty="0">
-                <a:solidFill>
-                  <a:srgbClr val="000000"/>
-                </a:solidFill>
-                <a:latin typeface="Helvetica" charset="0"/>
-              </a:rPr>
-              <a:t>          "type": "boolean"</a:t>
-            </a:r>
-          </a:p>
-          <a:p>
-            <a:r>
-              <a:rPr lang="is-IS" dirty="0">
-                <a:solidFill>
-                  <a:srgbClr val="000000"/>
-                </a:solidFill>
-                <a:latin typeface="Helvetica" charset="0"/>
-              </a:rPr>
-              <a:t>        },</a:t>
-            </a:r>
-          </a:p>
-          <a:p>
-            <a:r>
-              <a:rPr lang="is-IS" dirty="0"/>
-              <a:t/>
-            </a:r>
-            <a:br>
-              <a:rPr lang="is-IS" dirty="0"/>
-            </a:br>
-            <a:endParaRPr lang="en-US" dirty="0"/>
+                <a:latin typeface="Courier" charset="0"/>
+                <a:ea typeface="Courier" charset="0"/>
+                <a:cs typeface="Courier" charset="0"/>
+              </a:rPr>
+              <a:t>        "</a:t>
+            </a:r>
+            <a:r>
+              <a:rPr lang="en-US" sz="1600" dirty="0" err="1">
+                <a:solidFill>
+                  <a:srgbClr val="FF0000"/>
+                </a:solidFill>
+                <a:latin typeface="Courier" charset="0"/>
+                <a:ea typeface="Courier" charset="0"/>
+                <a:cs typeface="Courier" charset="0"/>
+              </a:rPr>
+              <a:t>ocf:BinarySwitch.OnAction</a:t>
+            </a:r>
+            <a:r>
+              <a:rPr lang="en-US" sz="1600" dirty="0">
+                <a:solidFill>
+                  <a:srgbClr val="FF0000"/>
+                </a:solidFill>
+                <a:latin typeface="Courier" charset="0"/>
+                <a:ea typeface="Courier" charset="0"/>
+                <a:cs typeface="Courier" charset="0"/>
+              </a:rPr>
+              <a:t>",</a:t>
+            </a:r>
+          </a:p>
+          <a:p>
+            <a:r>
+              <a:rPr lang="en-US" sz="1600" dirty="0">
+                <a:solidFill>
+                  <a:srgbClr val="FF0000"/>
+                </a:solidFill>
+                <a:latin typeface="Courier" charset="0"/>
+                <a:ea typeface="Courier" charset="0"/>
+                <a:cs typeface="Courier" charset="0"/>
+              </a:rPr>
+              <a:t>        "</a:t>
+            </a:r>
+            <a:r>
+              <a:rPr lang="en-US" sz="1600" dirty="0" err="1">
+                <a:solidFill>
+                  <a:srgbClr val="FF0000"/>
+                </a:solidFill>
+                <a:latin typeface="Courier" charset="0"/>
+                <a:ea typeface="Courier" charset="0"/>
+                <a:cs typeface="Courier" charset="0"/>
+              </a:rPr>
+              <a:t>ocf:BinarySwitch.OffAction</a:t>
+            </a:r>
+            <a:r>
+              <a:rPr lang="en-US" sz="1600" dirty="0">
+                <a:solidFill>
+                  <a:srgbClr val="FF0000"/>
+                </a:solidFill>
+                <a:latin typeface="Courier" charset="0"/>
+                <a:ea typeface="Courier" charset="0"/>
+                <a:cs typeface="Courier" charset="0"/>
+              </a:rPr>
+              <a:t>"</a:t>
+            </a:r>
+          </a:p>
+          <a:p>
+            <a:r>
+              <a:rPr lang="en-US" sz="1600" dirty="0">
+                <a:solidFill>
+                  <a:srgbClr val="FF0000"/>
+                </a:solidFill>
+                <a:latin typeface="Courier" charset="0"/>
+                <a:ea typeface="Courier" charset="0"/>
+                <a:cs typeface="Courier" charset="0"/>
+              </a:rPr>
+              <a:t>      ],</a:t>
+            </a:r>
           </a:p>
         </p:txBody>
       </p:sp>
     </p:spTree>
     <p:extLst>
       <p:ext uri="{BB962C8B-B14F-4D97-AF65-F5344CB8AC3E}">
-        <p14:creationId xmlns:p14="http://schemas.microsoft.com/office/powerpoint/2010/main" val="214120434"/>
+        <p14:creationId xmlns:p14="http://schemas.microsoft.com/office/powerpoint/2010/main" val="151544765"/>
       </p:ext>
     </p:extLst>
   </p:cSld>
@@ -12581,11 +13036,265 @@
           <a:lstStyle/>
           <a:p>
             <a:r>
-              <a:rPr lang="en-US" dirty="0" smtClean="0"/>
+              <a:rPr lang="en-US" dirty="0"/>
+              <a:t>OCF Definition with annotations</a:t>
+            </a:r>
+          </a:p>
+        </p:txBody>
+      </p:sp>
+      <p:sp>
+        <p:nvSpPr>
+          <p:cNvPr id="3" name="Rectangle 2"/>
+          <p:cNvSpPr/>
+          <p:nvPr/>
+        </p:nvSpPr>
+        <p:spPr>
+          <a:xfrm>
+            <a:off x="1211580" y="1690689"/>
+            <a:ext cx="5806440" cy="4801314"/>
+          </a:xfrm>
+          <a:prstGeom prst="rect">
+            <a:avLst/>
+          </a:prstGeom>
+        </p:spPr>
+        <p:txBody>
+          <a:bodyPr wrap="square">
+            <a:spAutoFit/>
+          </a:bodyPr>
+          <a:lstStyle/>
+          <a:p>
+            <a:r>
+              <a:rPr lang="is-IS" dirty="0">
+                <a:solidFill>
+                  <a:srgbClr val="000000"/>
+                </a:solidFill>
+                <a:latin typeface="Helvetica" charset="0"/>
+              </a:rPr>
+              <a:t>          (...)</a:t>
+            </a:r>
+          </a:p>
+          <a:p>
+            <a:r>
+              <a:rPr lang="is-IS" dirty="0">
+                <a:solidFill>
+                  <a:srgbClr val="000000"/>
+                </a:solidFill>
+                <a:latin typeface="Helvetica" charset="0"/>
+              </a:rPr>
+              <a:t>          "minItems": 1,</a:t>
+            </a:r>
+          </a:p>
+          <a:p>
+            <a:r>
+              <a:rPr lang="is-IS" dirty="0">
+                <a:solidFill>
+                  <a:srgbClr val="000000"/>
+                </a:solidFill>
+                <a:latin typeface="Helvetica" charset="0"/>
+              </a:rPr>
+              <a:t>          "readOnly": true,</a:t>
+            </a:r>
+          </a:p>
+          <a:p>
+            <a:r>
+              <a:rPr lang="is-IS" dirty="0">
+                <a:solidFill>
+                  <a:srgbClr val="000000"/>
+                </a:solidFill>
+                <a:latin typeface="Helvetica" charset="0"/>
+              </a:rPr>
+              <a:t>          "type": "array"</a:t>
+            </a:r>
+          </a:p>
+          <a:p>
+            <a:r>
+              <a:rPr lang="is-IS" dirty="0">
+                <a:solidFill>
+                  <a:srgbClr val="000000"/>
+                </a:solidFill>
+                <a:latin typeface="Helvetica" charset="0"/>
+              </a:rPr>
+              <a:t>        },</a:t>
+            </a:r>
+          </a:p>
+          <a:p>
+            <a:r>
+              <a:rPr lang="is-IS" dirty="0">
+                <a:solidFill>
+                  <a:srgbClr val="000000"/>
+                </a:solidFill>
+                <a:latin typeface="Helvetica" charset="0"/>
+              </a:rPr>
+              <a:t>        "value" :</a:t>
+            </a:r>
+          </a:p>
+          <a:p>
+            <a:r>
+              <a:rPr lang="is-IS" dirty="0">
+                <a:solidFill>
+                  <a:srgbClr val="000000"/>
+                </a:solidFill>
+                <a:latin typeface="Helvetica" charset="0"/>
+              </a:rPr>
+              <a:t>                {</a:t>
+            </a:r>
+          </a:p>
+          <a:p>
+            <a:r>
+              <a:rPr lang="is-IS" dirty="0">
+                <a:solidFill>
+                  <a:srgbClr val="000000"/>
+                </a:solidFill>
+                <a:latin typeface="Helvetica" charset="0"/>
+              </a:rPr>
+              <a:t>          </a:t>
+            </a:r>
+            <a:r>
+              <a:rPr lang="is-IS" dirty="0">
+                <a:solidFill>
+                  <a:srgbClr val="FF0000"/>
+                </a:solidFill>
+                <a:latin typeface="Helvetica" charset="0"/>
+              </a:rPr>
+              <a:t>"@type": [</a:t>
+            </a:r>
+          </a:p>
+          <a:p>
+            <a:r>
+              <a:rPr lang="is-IS" dirty="0">
+                <a:solidFill>
+                  <a:srgbClr val="FF0000"/>
+                </a:solidFill>
+                <a:latin typeface="Helvetica" charset="0"/>
+              </a:rPr>
+              <a:t>            "ocf:BinarySwitch.valueData",</a:t>
+            </a:r>
+          </a:p>
+          <a:p>
+            <a:r>
+              <a:rPr lang="is-IS" dirty="0">
+                <a:solidFill>
+                  <a:srgbClr val="FF0000"/>
+                </a:solidFill>
+                <a:latin typeface="Helvetica" charset="0"/>
+              </a:rPr>
+              <a:t>            "ocf:BinarySwitch.OnValueData",</a:t>
+            </a:r>
+          </a:p>
+          <a:p>
+            <a:r>
+              <a:rPr lang="is-IS" dirty="0">
+                <a:solidFill>
+                  <a:srgbClr val="FF0000"/>
+                </a:solidFill>
+                <a:latin typeface="Helvetica" charset="0"/>
+              </a:rPr>
+              <a:t>            "ocf:BinarySwitch.OffValueData"</a:t>
+            </a:r>
+          </a:p>
+          <a:p>
+            <a:r>
+              <a:rPr lang="is-IS" dirty="0">
+                <a:solidFill>
+                  <a:srgbClr val="FF0000"/>
+                </a:solidFill>
+                <a:latin typeface="Helvetica" charset="0"/>
+              </a:rPr>
+              <a:t>          ],</a:t>
+            </a:r>
+          </a:p>
+          <a:p>
+            <a:r>
+              <a:rPr lang="is-IS" dirty="0">
+                <a:solidFill>
+                  <a:srgbClr val="000000"/>
+                </a:solidFill>
+                <a:latin typeface="Helvetica" charset="0"/>
+              </a:rPr>
+              <a:t>          "description": "Status of the switch",</a:t>
+            </a:r>
+          </a:p>
+          <a:p>
+            <a:r>
+              <a:rPr lang="is-IS" dirty="0">
+                <a:solidFill>
+                  <a:srgbClr val="000000"/>
+                </a:solidFill>
+                <a:latin typeface="Helvetica" charset="0"/>
+              </a:rPr>
+              <a:t>          "type": "boolean"</a:t>
+            </a:r>
+          </a:p>
+          <a:p>
+            <a:r>
+              <a:rPr lang="is-IS" dirty="0">
+                <a:solidFill>
+                  <a:srgbClr val="000000"/>
+                </a:solidFill>
+                <a:latin typeface="Helvetica" charset="0"/>
+              </a:rPr>
+              <a:t>        },</a:t>
+            </a:r>
+          </a:p>
+          <a:p>
+            <a:br>
+              <a:rPr lang="is-IS" dirty="0"/>
+            </a:br>
+            <a:endParaRPr lang="en-US" dirty="0"/>
+          </a:p>
+        </p:txBody>
+      </p:sp>
+    </p:spTree>
+    <p:extLst>
+      <p:ext uri="{BB962C8B-B14F-4D97-AF65-F5344CB8AC3E}">
+        <p14:creationId xmlns:p14="http://schemas.microsoft.com/office/powerpoint/2010/main" val="214120434"/>
+      </p:ext>
+    </p:extLst>
+  </p:cSld>
+  <p:clrMapOvr>
+    <a:masterClrMapping/>
+  </p:clrMapOvr>
+</p:sld>
+</file>
+
+<file path=ppt/slides/slide27.xml><?xml version="1.0" encoding="utf-8"?>
+<p:sld xmlns:a="http://schemas.openxmlformats.org/drawingml/2006/main" xmlns:r="http://schemas.openxmlformats.org/officeDocument/2006/relationships" xmlns:p="http://schemas.openxmlformats.org/presentationml/2006/main">
+  <p:cSld>
+    <p:spTree>
+      <p:nvGrpSpPr>
+        <p:cNvPr id="1" name=""/>
+        <p:cNvGrpSpPr/>
+        <p:nvPr/>
+      </p:nvGrpSpPr>
+      <p:grpSpPr>
+        <a:xfrm>
+          <a:off x="0" y="0"/>
+          <a:ext cx="0" cy="0"/>
+          <a:chOff x="0" y="0"/>
+          <a:chExt cx="0" cy="0"/>
+        </a:xfrm>
+      </p:grpSpPr>
+      <p:sp>
+        <p:nvSpPr>
+          <p:cNvPr id="2" name="Title 1"/>
+          <p:cNvSpPr>
+            <a:spLocks noGrp="1"/>
+          </p:cNvSpPr>
+          <p:nvPr>
+            <p:ph type="title"/>
+          </p:nvPr>
+        </p:nvSpPr>
+        <p:spPr/>
+        <p:txBody>
+          <a:bodyPr/>
+          <a:lstStyle/>
+          <a:p>
+            <a:r>
+              <a:rPr lang="en-US" dirty="0"/>
               <a:t>Example Device Level </a:t>
             </a:r>
             <a:r>
-              <a:rPr lang="en-US" dirty="0" err="1" smtClean="0"/>
+              <a:rPr lang="en-US" dirty="0" err="1"/>
               <a:t>Definitoin</a:t>
             </a:r>
             <a:endParaRPr lang="en-US" dirty="0"/>
@@ -12635,10 +13344,275 @@
                 <a:ea typeface="Courier" charset="0"/>
                 <a:cs typeface="Courier" charset="0"/>
               </a:rPr>
-              <a:t>  "@id": </a:t>
-            </a:r>
-            <a:r>
-              <a:rPr lang="en-US" sz="1600" dirty="0" smtClean="0">
+              <a:t>  "@id": "</a:t>
+            </a:r>
+            <a:r>
+              <a:rPr lang="en-US" sz="1600" dirty="0" err="1">
+                <a:solidFill>
+                  <a:srgbClr val="000000"/>
+                </a:solidFill>
+                <a:latin typeface="Courier" charset="0"/>
+                <a:ea typeface="Courier" charset="0"/>
+                <a:cs typeface="Courier" charset="0"/>
+              </a:rPr>
+              <a:t>st:DimmableLight</a:t>
+            </a:r>
+            <a:r>
+              <a:rPr lang="en-US" sz="1600" dirty="0">
+                <a:solidFill>
+                  <a:srgbClr val="000000"/>
+                </a:solidFill>
+                <a:latin typeface="Courier" charset="0"/>
+                <a:ea typeface="Courier" charset="0"/>
+                <a:cs typeface="Courier" charset="0"/>
+              </a:rPr>
+              <a:t>",</a:t>
+            </a:r>
+          </a:p>
+          <a:p>
+            <a:r>
+              <a:rPr lang="en-US" sz="1600" dirty="0">
+                <a:solidFill>
+                  <a:srgbClr val="000000"/>
+                </a:solidFill>
+                <a:latin typeface="Courier" charset="0"/>
+                <a:ea typeface="Courier" charset="0"/>
+                <a:cs typeface="Courier" charset="0"/>
+              </a:rPr>
+              <a:t>  "</a:t>
+            </a:r>
+            <a:r>
+              <a:rPr lang="en-US" sz="1600" dirty="0" err="1">
+                <a:solidFill>
+                  <a:srgbClr val="000000"/>
+                </a:solidFill>
+                <a:latin typeface="Courier" charset="0"/>
+                <a:ea typeface="Courier" charset="0"/>
+                <a:cs typeface="Courier" charset="0"/>
+              </a:rPr>
+              <a:t>rdfs:subClassOf</a:t>
+            </a:r>
+            <a:r>
+              <a:rPr lang="en-US" sz="1600" dirty="0">
+                <a:solidFill>
+                  <a:srgbClr val="000000"/>
+                </a:solidFill>
+                <a:latin typeface="Courier" charset="0"/>
+                <a:ea typeface="Courier" charset="0"/>
+                <a:cs typeface="Courier" charset="0"/>
+              </a:rPr>
+              <a:t>": "</a:t>
+            </a:r>
+            <a:r>
+              <a:rPr lang="en-US" sz="1600" dirty="0" err="1">
+                <a:solidFill>
+                  <a:srgbClr val="000000"/>
+                </a:solidFill>
+                <a:latin typeface="Courier" charset="0"/>
+                <a:ea typeface="Courier" charset="0"/>
+                <a:cs typeface="Courier" charset="0"/>
+              </a:rPr>
+              <a:t>odm:Thing</a:t>
+            </a:r>
+            <a:r>
+              <a:rPr lang="en-US" sz="1600" dirty="0">
+                <a:solidFill>
+                  <a:srgbClr val="000000"/>
+                </a:solidFill>
+                <a:latin typeface="Courier" charset="0"/>
+                <a:ea typeface="Courier" charset="0"/>
+                <a:cs typeface="Courier" charset="0"/>
+              </a:rPr>
+              <a:t>",</a:t>
+            </a:r>
+          </a:p>
+          <a:p>
+            <a:r>
+              <a:rPr lang="en-US" sz="1600" dirty="0">
+                <a:solidFill>
+                  <a:srgbClr val="000000"/>
+                </a:solidFill>
+                <a:latin typeface="Courier" charset="0"/>
+                <a:ea typeface="Courier" charset="0"/>
+                <a:cs typeface="Courier" charset="0"/>
+              </a:rPr>
+              <a:t>  "</a:t>
+            </a:r>
+            <a:r>
+              <a:rPr lang="en-US" sz="1600" dirty="0" err="1">
+                <a:solidFill>
+                  <a:srgbClr val="000000"/>
+                </a:solidFill>
+                <a:latin typeface="Courier" charset="0"/>
+                <a:ea typeface="Courier" charset="0"/>
+                <a:cs typeface="Courier" charset="0"/>
+              </a:rPr>
+              <a:t>rdfs:comment</a:t>
+            </a:r>
+            <a:r>
+              <a:rPr lang="en-US" sz="1600" dirty="0">
+                <a:solidFill>
+                  <a:srgbClr val="000000"/>
+                </a:solidFill>
+                <a:latin typeface="Courier" charset="0"/>
+                <a:ea typeface="Courier" charset="0"/>
+                <a:cs typeface="Courier" charset="0"/>
+              </a:rPr>
+              <a:t>": "Simple Dimmable Light Bulb",</a:t>
+            </a:r>
+          </a:p>
+          <a:p>
+            <a:r>
+              <a:rPr lang="en-US" sz="1600" dirty="0">
+                <a:solidFill>
+                  <a:srgbClr val="000000"/>
+                </a:solidFill>
+                <a:latin typeface="Courier" charset="0"/>
+                <a:ea typeface="Courier" charset="0"/>
+                <a:cs typeface="Courier" charset="0"/>
+              </a:rPr>
+              <a:t>  "</a:t>
+            </a:r>
+            <a:r>
+              <a:rPr lang="en-US" sz="1600" dirty="0" err="1">
+                <a:solidFill>
+                  <a:srgbClr val="000000"/>
+                </a:solidFill>
+                <a:latin typeface="Courier" charset="0"/>
+                <a:ea typeface="Courier" charset="0"/>
+                <a:cs typeface="Courier" charset="0"/>
+              </a:rPr>
+              <a:t>rdfs:label</a:t>
+            </a:r>
+            <a:r>
+              <a:rPr lang="en-US" sz="1600" dirty="0">
+                <a:solidFill>
+                  <a:srgbClr val="000000"/>
+                </a:solidFill>
+                <a:latin typeface="Courier" charset="0"/>
+                <a:ea typeface="Courier" charset="0"/>
+                <a:cs typeface="Courier" charset="0"/>
+              </a:rPr>
+              <a:t>": "SmartThings </a:t>
+            </a:r>
+            <a:r>
+              <a:rPr lang="en-US" sz="1600" dirty="0" err="1">
+                <a:solidFill>
+                  <a:srgbClr val="000000"/>
+                </a:solidFill>
+                <a:latin typeface="Courier" charset="0"/>
+                <a:ea typeface="Courier" charset="0"/>
+                <a:cs typeface="Courier" charset="0"/>
+              </a:rPr>
+              <a:t>DimmableLight</a:t>
+            </a:r>
+            <a:r>
+              <a:rPr lang="en-US" sz="1600" dirty="0">
+                <a:solidFill>
+                  <a:srgbClr val="000000"/>
+                </a:solidFill>
+                <a:latin typeface="Courier" charset="0"/>
+                <a:ea typeface="Courier" charset="0"/>
+                <a:cs typeface="Courier" charset="0"/>
+              </a:rPr>
+              <a:t>",</a:t>
+            </a:r>
+          </a:p>
+          <a:p>
+            <a:r>
+              <a:rPr lang="en-US" sz="1600" dirty="0">
+                <a:solidFill>
+                  <a:srgbClr val="000000"/>
+                </a:solidFill>
+                <a:latin typeface="Courier" charset="0"/>
+                <a:ea typeface="Courier" charset="0"/>
+                <a:cs typeface="Courier" charset="0"/>
+              </a:rPr>
+              <a:t>  "</a:t>
+            </a:r>
+            <a:r>
+              <a:rPr lang="en-US" sz="1600" dirty="0" err="1">
+                <a:solidFill>
+                  <a:srgbClr val="000000"/>
+                </a:solidFill>
+                <a:latin typeface="Courier" charset="0"/>
+                <a:ea typeface="Courier" charset="0"/>
+                <a:cs typeface="Courier" charset="0"/>
+              </a:rPr>
+              <a:t>odm:hasCapability</a:t>
+            </a:r>
+            <a:r>
+              <a:rPr lang="en-US" sz="1600" dirty="0">
+                <a:solidFill>
+                  <a:srgbClr val="000000"/>
+                </a:solidFill>
+                <a:latin typeface="Courier" charset="0"/>
+                <a:ea typeface="Courier" charset="0"/>
+                <a:cs typeface="Courier" charset="0"/>
+              </a:rPr>
+              <a:t>": [</a:t>
+            </a:r>
+          </a:p>
+          <a:p>
+            <a:r>
+              <a:rPr lang="en-US" sz="1600" dirty="0">
+                <a:solidFill>
+                  <a:srgbClr val="000000"/>
+                </a:solidFill>
+                <a:latin typeface="Courier" charset="0"/>
+                <a:ea typeface="Courier" charset="0"/>
+                <a:cs typeface="Courier" charset="0"/>
+              </a:rPr>
+              <a:t>    "</a:t>
+            </a:r>
+            <a:r>
+              <a:rPr lang="en-US" sz="1600" dirty="0" err="1">
+                <a:solidFill>
+                  <a:srgbClr val="000000"/>
+                </a:solidFill>
+                <a:latin typeface="Courier" charset="0"/>
+                <a:ea typeface="Courier" charset="0"/>
+                <a:cs typeface="Courier" charset="0"/>
+              </a:rPr>
+              <a:t>st:SwitchCapability</a:t>
+            </a:r>
+            <a:r>
+              <a:rPr lang="en-US" sz="1600" dirty="0">
+                <a:solidFill>
+                  <a:srgbClr val="000000"/>
+                </a:solidFill>
+                <a:latin typeface="Courier" charset="0"/>
+                <a:ea typeface="Courier" charset="0"/>
+                <a:cs typeface="Courier" charset="0"/>
+              </a:rPr>
+              <a:t>",</a:t>
+            </a:r>
+          </a:p>
+          <a:p>
+            <a:r>
+              <a:rPr lang="en-US" sz="1600" dirty="0">
+                <a:solidFill>
+                  <a:srgbClr val="000000"/>
+                </a:solidFill>
+                <a:latin typeface="Courier" charset="0"/>
+                <a:ea typeface="Courier" charset="0"/>
+                <a:cs typeface="Courier" charset="0"/>
+              </a:rPr>
+              <a:t>    "</a:t>
+            </a:r>
+            <a:r>
+              <a:rPr lang="en-US" sz="1600" dirty="0" err="1">
+                <a:solidFill>
+                  <a:srgbClr val="000000"/>
+                </a:solidFill>
+                <a:latin typeface="Courier" charset="0"/>
+                <a:ea typeface="Courier" charset="0"/>
+                <a:cs typeface="Courier" charset="0"/>
+              </a:rPr>
+              <a:t>st:SwitchLevelCapability</a:t>
+            </a:r>
+            <a:r>
+              <a:rPr lang="en-US" sz="1600" dirty="0">
                 <a:solidFill>
                   <a:srgbClr val="000000"/>
                 </a:solidFill>
@@ -12648,293 +13622,6 @@
               </a:rPr>
               <a:t>"</a:t>
             </a:r>
-            <a:r>
-              <a:rPr lang="en-US" sz="1600" dirty="0" err="1" smtClean="0">
-                <a:solidFill>
-                  <a:srgbClr val="000000"/>
-                </a:solidFill>
-                <a:latin typeface="Courier" charset="0"/>
-                <a:ea typeface="Courier" charset="0"/>
-                <a:cs typeface="Courier" charset="0"/>
-              </a:rPr>
-              <a:t>st:DimmableLight</a:t>
-            </a:r>
-            <a:r>
-              <a:rPr lang="en-US" sz="1600" dirty="0">
-                <a:solidFill>
-                  <a:srgbClr val="000000"/>
-                </a:solidFill>
-                <a:latin typeface="Courier" charset="0"/>
-                <a:ea typeface="Courier" charset="0"/>
-                <a:cs typeface="Courier" charset="0"/>
-              </a:rPr>
-              <a:t>",</a:t>
-            </a:r>
-          </a:p>
-          <a:p>
-            <a:r>
-              <a:rPr lang="en-US" sz="1600" dirty="0">
-                <a:solidFill>
-                  <a:srgbClr val="000000"/>
-                </a:solidFill>
-                <a:latin typeface="Courier" charset="0"/>
-                <a:ea typeface="Courier" charset="0"/>
-                <a:cs typeface="Courier" charset="0"/>
-              </a:rPr>
-              <a:t>  "</a:t>
-            </a:r>
-            <a:r>
-              <a:rPr lang="en-US" sz="1600" dirty="0" err="1">
-                <a:solidFill>
-                  <a:srgbClr val="000000"/>
-                </a:solidFill>
-                <a:latin typeface="Courier" charset="0"/>
-                <a:ea typeface="Courier" charset="0"/>
-                <a:cs typeface="Courier" charset="0"/>
-              </a:rPr>
-              <a:t>rdfs:subClassOf</a:t>
-            </a:r>
-            <a:r>
-              <a:rPr lang="en-US" sz="1600" dirty="0">
-                <a:solidFill>
-                  <a:srgbClr val="000000"/>
-                </a:solidFill>
-                <a:latin typeface="Courier" charset="0"/>
-                <a:ea typeface="Courier" charset="0"/>
-                <a:cs typeface="Courier" charset="0"/>
-              </a:rPr>
-              <a:t>": "</a:t>
-            </a:r>
-            <a:r>
-              <a:rPr lang="en-US" sz="1600" dirty="0" err="1">
-                <a:solidFill>
-                  <a:srgbClr val="000000"/>
-                </a:solidFill>
-                <a:latin typeface="Courier" charset="0"/>
-                <a:ea typeface="Courier" charset="0"/>
-                <a:cs typeface="Courier" charset="0"/>
-              </a:rPr>
-              <a:t>odm:Thing</a:t>
-            </a:r>
-            <a:r>
-              <a:rPr lang="en-US" sz="1600" dirty="0">
-                <a:solidFill>
-                  <a:srgbClr val="000000"/>
-                </a:solidFill>
-                <a:latin typeface="Courier" charset="0"/>
-                <a:ea typeface="Courier" charset="0"/>
-                <a:cs typeface="Courier" charset="0"/>
-              </a:rPr>
-              <a:t>",</a:t>
-            </a:r>
-          </a:p>
-          <a:p>
-            <a:r>
-              <a:rPr lang="en-US" sz="1600" dirty="0">
-                <a:solidFill>
-                  <a:srgbClr val="000000"/>
-                </a:solidFill>
-                <a:latin typeface="Courier" charset="0"/>
-                <a:ea typeface="Courier" charset="0"/>
-                <a:cs typeface="Courier" charset="0"/>
-              </a:rPr>
-              <a:t>  "</a:t>
-            </a:r>
-            <a:r>
-              <a:rPr lang="en-US" sz="1600" dirty="0" err="1">
-                <a:solidFill>
-                  <a:srgbClr val="000000"/>
-                </a:solidFill>
-                <a:latin typeface="Courier" charset="0"/>
-                <a:ea typeface="Courier" charset="0"/>
-                <a:cs typeface="Courier" charset="0"/>
-              </a:rPr>
-              <a:t>rdfs:comment</a:t>
-            </a:r>
-            <a:r>
-              <a:rPr lang="en-US" sz="1600" dirty="0">
-                <a:solidFill>
-                  <a:srgbClr val="000000"/>
-                </a:solidFill>
-                <a:latin typeface="Courier" charset="0"/>
-                <a:ea typeface="Courier" charset="0"/>
-                <a:cs typeface="Courier" charset="0"/>
-              </a:rPr>
-              <a:t>": "Simple Dimmable Light Bulb",</a:t>
-            </a:r>
-          </a:p>
-          <a:p>
-            <a:r>
-              <a:rPr lang="en-US" sz="1600" dirty="0">
-                <a:solidFill>
-                  <a:srgbClr val="000000"/>
-                </a:solidFill>
-                <a:latin typeface="Courier" charset="0"/>
-                <a:ea typeface="Courier" charset="0"/>
-                <a:cs typeface="Courier" charset="0"/>
-              </a:rPr>
-              <a:t>  "</a:t>
-            </a:r>
-            <a:r>
-              <a:rPr lang="en-US" sz="1600" dirty="0" err="1">
-                <a:solidFill>
-                  <a:srgbClr val="000000"/>
-                </a:solidFill>
-                <a:latin typeface="Courier" charset="0"/>
-                <a:ea typeface="Courier" charset="0"/>
-                <a:cs typeface="Courier" charset="0"/>
-              </a:rPr>
-              <a:t>rdfs:label</a:t>
-            </a:r>
-            <a:r>
-              <a:rPr lang="en-US" sz="1600" dirty="0">
-                <a:solidFill>
-                  <a:srgbClr val="000000"/>
-                </a:solidFill>
-                <a:latin typeface="Courier" charset="0"/>
-                <a:ea typeface="Courier" charset="0"/>
-                <a:cs typeface="Courier" charset="0"/>
-              </a:rPr>
-              <a:t>": </a:t>
-            </a:r>
-            <a:r>
-              <a:rPr lang="en-US" sz="1600" dirty="0" smtClean="0">
-                <a:solidFill>
-                  <a:srgbClr val="000000"/>
-                </a:solidFill>
-                <a:latin typeface="Courier" charset="0"/>
-                <a:ea typeface="Courier" charset="0"/>
-                <a:cs typeface="Courier" charset="0"/>
-              </a:rPr>
-              <a:t>"SmartThings </a:t>
-            </a:r>
-            <a:r>
-              <a:rPr lang="en-US" sz="1600" dirty="0" err="1">
-                <a:solidFill>
-                  <a:srgbClr val="000000"/>
-                </a:solidFill>
-                <a:latin typeface="Courier" charset="0"/>
-                <a:ea typeface="Courier" charset="0"/>
-                <a:cs typeface="Courier" charset="0"/>
-              </a:rPr>
-              <a:t>DimmableLight</a:t>
-            </a:r>
-            <a:r>
-              <a:rPr lang="en-US" sz="1600" dirty="0">
-                <a:solidFill>
-                  <a:srgbClr val="000000"/>
-                </a:solidFill>
-                <a:latin typeface="Courier" charset="0"/>
-                <a:ea typeface="Courier" charset="0"/>
-                <a:cs typeface="Courier" charset="0"/>
-              </a:rPr>
-              <a:t>",</a:t>
-            </a:r>
-          </a:p>
-          <a:p>
-            <a:r>
-              <a:rPr lang="en-US" sz="1600" dirty="0">
-                <a:solidFill>
-                  <a:srgbClr val="000000"/>
-                </a:solidFill>
-                <a:latin typeface="Courier" charset="0"/>
-                <a:ea typeface="Courier" charset="0"/>
-                <a:cs typeface="Courier" charset="0"/>
-              </a:rPr>
-              <a:t>  "</a:t>
-            </a:r>
-            <a:r>
-              <a:rPr lang="en-US" sz="1600" dirty="0" err="1">
-                <a:solidFill>
-                  <a:srgbClr val="000000"/>
-                </a:solidFill>
-                <a:latin typeface="Courier" charset="0"/>
-                <a:ea typeface="Courier" charset="0"/>
-                <a:cs typeface="Courier" charset="0"/>
-              </a:rPr>
-              <a:t>odm:hasCapability</a:t>
-            </a:r>
-            <a:r>
-              <a:rPr lang="en-US" sz="1600" dirty="0">
-                <a:solidFill>
-                  <a:srgbClr val="000000"/>
-                </a:solidFill>
-                <a:latin typeface="Courier" charset="0"/>
-                <a:ea typeface="Courier" charset="0"/>
-                <a:cs typeface="Courier" charset="0"/>
-              </a:rPr>
-              <a:t>": [</a:t>
-            </a:r>
-          </a:p>
-          <a:p>
-            <a:r>
-              <a:rPr lang="en-US" sz="1600" dirty="0">
-                <a:solidFill>
-                  <a:srgbClr val="000000"/>
-                </a:solidFill>
-                <a:latin typeface="Courier" charset="0"/>
-                <a:ea typeface="Courier" charset="0"/>
-                <a:cs typeface="Courier" charset="0"/>
-              </a:rPr>
-              <a:t>    "</a:t>
-            </a:r>
-            <a:r>
-              <a:rPr lang="en-US" sz="1600" dirty="0" err="1">
-                <a:solidFill>
-                  <a:srgbClr val="000000"/>
-                </a:solidFill>
-                <a:latin typeface="Courier" charset="0"/>
-                <a:ea typeface="Courier" charset="0"/>
-                <a:cs typeface="Courier" charset="0"/>
-              </a:rPr>
-              <a:t>st:SwitchCapability</a:t>
-            </a:r>
-            <a:r>
-              <a:rPr lang="en-US" sz="1600" dirty="0">
-                <a:solidFill>
-                  <a:srgbClr val="000000"/>
-                </a:solidFill>
-                <a:latin typeface="Courier" charset="0"/>
-                <a:ea typeface="Courier" charset="0"/>
-                <a:cs typeface="Courier" charset="0"/>
-              </a:rPr>
-              <a:t>",</a:t>
-            </a:r>
-          </a:p>
-          <a:p>
-            <a:r>
-              <a:rPr lang="en-US" sz="1600" dirty="0">
-                <a:solidFill>
-                  <a:srgbClr val="000000"/>
-                </a:solidFill>
-                <a:latin typeface="Courier" charset="0"/>
-                <a:ea typeface="Courier" charset="0"/>
-                <a:cs typeface="Courier" charset="0"/>
-              </a:rPr>
-              <a:t>    "</a:t>
-            </a:r>
-            <a:r>
-              <a:rPr lang="en-US" sz="1600" dirty="0" err="1">
-                <a:solidFill>
-                  <a:srgbClr val="000000"/>
-                </a:solidFill>
-                <a:latin typeface="Courier" charset="0"/>
-                <a:ea typeface="Courier" charset="0"/>
-                <a:cs typeface="Courier" charset="0"/>
-              </a:rPr>
-              <a:t>st:SwitchLevelCapability</a:t>
-            </a:r>
-            <a:r>
-              <a:rPr lang="en-US" sz="1600" dirty="0">
-                <a:solidFill>
-                  <a:srgbClr val="000000"/>
-                </a:solidFill>
-                <a:latin typeface="Courier" charset="0"/>
-                <a:ea typeface="Courier" charset="0"/>
-                <a:cs typeface="Courier" charset="0"/>
-              </a:rPr>
-              <a:t>"</a:t>
-            </a:r>
           </a:p>
           <a:p>
             <a:r>
@@ -12963,14 +13650,6 @@
             </a:r>
           </a:p>
           <a:p>
-            <a:r>
-              <a:rPr lang="en-US" sz="1600" dirty="0">
-                <a:latin typeface="Courier" charset="0"/>
-                <a:ea typeface="Courier" charset="0"/>
-                <a:cs typeface="Courier" charset="0"/>
-              </a:rPr>
-              <a:t/>
-            </a:r>
             <a:br>
               <a:rPr lang="en-US" sz="1600" dirty="0">
                 <a:latin typeface="Courier" charset="0"/>
@@ -13032,10 +13711,9 @@
           <a:lstStyle/>
           <a:p>
             <a:r>
-              <a:rPr lang="en-US" dirty="0" smtClean="0"/>
+              <a:rPr lang="en-US" dirty="0"/>
               <a:t>SmartThings Capability Model </a:t>
             </a:r>
-            <a:endParaRPr lang="en-US" dirty="0"/>
           </a:p>
         </p:txBody>
       </p:sp>
@@ -13081,10 +13759,9 @@
           <a:p>
             <a:pPr algn="ctr"/>
             <a:r>
-              <a:rPr lang="en-US" dirty="0" smtClean="0"/>
+              <a:rPr lang="en-US" dirty="0"/>
               <a:t>Capability Model</a:t>
             </a:r>
-            <a:endParaRPr lang="en-US" dirty="0"/>
           </a:p>
         </p:txBody>
       </p:sp>
@@ -13125,10 +13802,9 @@
           <a:p>
             <a:pPr algn="ctr"/>
             <a:r>
-              <a:rPr lang="en-US" smtClean="0"/>
+              <a:rPr lang="en-US"/>
               <a:t>Adapt Translate</a:t>
             </a:r>
-            <a:endParaRPr lang="en-US"/>
           </a:p>
         </p:txBody>
       </p:sp>
@@ -13169,10 +13845,9 @@
           <a:p>
             <a:pPr algn="ctr"/>
             <a:r>
-              <a:rPr lang="en-US" smtClean="0"/>
+              <a:rPr lang="en-US"/>
               <a:t>Adapt Translate</a:t>
             </a:r>
-            <a:endParaRPr lang="en-US"/>
           </a:p>
         </p:txBody>
       </p:sp>
@@ -13213,10 +13888,9 @@
           <a:p>
             <a:pPr algn="ctr"/>
             <a:r>
-              <a:rPr lang="en-US" dirty="0" smtClean="0"/>
+              <a:rPr lang="en-US" dirty="0"/>
               <a:t>Adapt</a:t>
             </a:r>
-            <a:endParaRPr lang="en-US" dirty="0"/>
           </a:p>
         </p:txBody>
       </p:sp>
@@ -13257,10 +13931,9 @@
           <a:p>
             <a:pPr algn="ctr"/>
             <a:r>
-              <a:rPr lang="en-US" dirty="0" smtClean="0"/>
+              <a:rPr lang="en-US" dirty="0"/>
               <a:t>Device Models</a:t>
             </a:r>
-            <a:endParaRPr lang="en-US" dirty="0"/>
           </a:p>
         </p:txBody>
       </p:sp>
@@ -13301,10 +13974,9 @@
           <a:p>
             <a:pPr algn="ctr"/>
             <a:r>
-              <a:rPr lang="en-US" dirty="0" smtClean="0"/>
+              <a:rPr lang="en-US" dirty="0"/>
               <a:t>Device Models</a:t>
             </a:r>
-            <a:endParaRPr lang="en-US" dirty="0"/>
           </a:p>
         </p:txBody>
       </p:sp>
@@ -13351,10 +14023,9 @@
           <a:p>
             <a:pPr algn="ctr"/>
             <a:r>
-              <a:rPr lang="en-US" dirty="0" smtClean="0"/>
+              <a:rPr lang="en-US" dirty="0"/>
               <a:t>Mesh Devices</a:t>
             </a:r>
-            <a:endParaRPr lang="en-US" dirty="0"/>
           </a:p>
         </p:txBody>
       </p:sp>
@@ -13395,10 +14066,9 @@
           <a:p>
             <a:pPr algn="ctr"/>
             <a:r>
-              <a:rPr lang="en-US" dirty="0" smtClean="0"/>
+              <a:rPr lang="en-US" dirty="0"/>
               <a:t>Device Models</a:t>
             </a:r>
-            <a:endParaRPr lang="en-US" dirty="0"/>
           </a:p>
         </p:txBody>
       </p:sp>
@@ -13554,10 +14224,9 @@
           <a:p>
             <a:pPr algn="ctr"/>
             <a:r>
-              <a:rPr lang="en-US" dirty="0" smtClean="0"/>
+              <a:rPr lang="en-US" dirty="0"/>
               <a:t>LAN Devices</a:t>
             </a:r>
-            <a:endParaRPr lang="en-US" dirty="0"/>
           </a:p>
         </p:txBody>
       </p:sp>
@@ -13604,10 +14273,9 @@
           <a:p>
             <a:pPr algn="ctr"/>
             <a:r>
-              <a:rPr lang="en-US" dirty="0" smtClean="0"/>
+              <a:rPr lang="en-US" dirty="0"/>
               <a:t>C2C Devices</a:t>
             </a:r>
-            <a:endParaRPr lang="en-US" dirty="0"/>
           </a:p>
         </p:txBody>
       </p:sp>
@@ -13759,18 +14427,17 @@
           <a:p>
             <a:pPr algn="ctr"/>
             <a:r>
-              <a:rPr lang="en-US" dirty="0" smtClean="0"/>
+              <a:rPr lang="en-US" dirty="0"/>
               <a:t>Applications and orchestrations (</a:t>
             </a:r>
             <a:r>
-              <a:rPr lang="en-US" smtClean="0"/>
+              <a:rPr lang="en-US"/>
               <a:t>Groups, Rules</a:t>
             </a:r>
             <a:r>
-              <a:rPr lang="en-US" dirty="0" smtClean="0"/>
+              <a:rPr lang="en-US" dirty="0"/>
               <a:t>, Scenes, Behaviors)</a:t>
             </a:r>
-            <a:endParaRPr lang="en-US" dirty="0"/>
           </a:p>
         </p:txBody>
       </p:sp>
@@ -13833,10 +14500,9 @@
           <a:lstStyle/>
           <a:p>
             <a:r>
-              <a:rPr lang="en-US" smtClean="0"/>
+              <a:rPr lang="en-US"/>
               <a:t>Capability API</a:t>
             </a:r>
-            <a:endParaRPr lang="en-US"/>
           </a:p>
         </p:txBody>
       </p:sp>
@@ -13863,14 +14529,13 @@
           <a:lstStyle/>
           <a:p>
             <a:r>
-              <a:rPr lang="en-US" smtClean="0"/>
+              <a:rPr lang="en-US"/>
               <a:t>Mesh Device </a:t>
             </a:r>
             <a:r>
-              <a:rPr lang="en-US" dirty="0" smtClean="0"/>
+              <a:rPr lang="en-US" dirty="0"/>
               <a:t>API</a:t>
             </a:r>
-            <a:endParaRPr lang="en-US" dirty="0"/>
           </a:p>
         </p:txBody>
       </p:sp>
@@ -13897,14 +14562,13 @@
           <a:lstStyle/>
           <a:p>
             <a:r>
-              <a:rPr lang="en-US" smtClean="0"/>
+              <a:rPr lang="en-US"/>
               <a:t>ST Schema </a:t>
             </a:r>
             <a:r>
-              <a:rPr lang="en-US" dirty="0" smtClean="0"/>
+              <a:rPr lang="en-US" dirty="0"/>
               <a:t>API</a:t>
             </a:r>
-            <a:endParaRPr lang="en-US" dirty="0"/>
           </a:p>
         </p:txBody>
       </p:sp>
@@ -13931,10 +14595,9 @@
           <a:lstStyle/>
           <a:p>
             <a:r>
-              <a:rPr lang="en-US" dirty="0" smtClean="0"/>
+              <a:rPr lang="en-US" dirty="0"/>
               <a:t>LAN/OCF Device API</a:t>
             </a:r>
-            <a:endParaRPr lang="en-US" dirty="0"/>
           </a:p>
         </p:txBody>
       </p:sp>
@@ -13980,10 +14643,9 @@
           <a:p>
             <a:pPr algn="ctr"/>
             <a:r>
-              <a:rPr lang="en-US" smtClean="0"/>
+              <a:rPr lang="en-US"/>
               <a:t>Instances</a:t>
             </a:r>
-            <a:endParaRPr lang="en-US"/>
           </a:p>
         </p:txBody>
       </p:sp>
@@ -14038,10 +14700,9 @@
           <a:lstStyle/>
           <a:p>
             <a:r>
-              <a:rPr lang="en-US" dirty="0" smtClean="0"/>
+              <a:rPr lang="en-US" dirty="0"/>
               <a:t>SmartThings Capability Definitions</a:t>
             </a:r>
-            <a:endParaRPr lang="en-US" dirty="0"/>
           </a:p>
         </p:txBody>
       </p:sp>
@@ -14067,7 +14728,7 @@
           <a:lstStyle/>
           <a:p>
             <a:r>
-              <a:rPr lang="en-US" sz="1200" b="0" i="0" dirty="0" smtClean="0">
+              <a:rPr lang="en-US" sz="1200" b="0" i="0" dirty="0">
                 <a:solidFill>
                   <a:srgbClr val="000000"/>
                 </a:solidFill>
@@ -14076,7 +14737,7 @@
               </a:rPr>
               <a:t>name: Switch Level</a:t>
             </a:r>
-            <a:endParaRPr lang="en-US" sz="1200" b="0" i="0" dirty="0" smtClean="0">
+            <a:endParaRPr lang="en-US" sz="1200" b="0" i="0" dirty="0">
               <a:solidFill>
                 <a:srgbClr val="000000"/>
               </a:solidFill>
@@ -14086,7 +14747,7 @@
           </a:p>
           <a:p>
             <a:r>
-              <a:rPr lang="en-US" sz="1200" b="0" i="0" dirty="0" smtClean="0">
+              <a:rPr lang="en-US" sz="1200" b="0" i="0" dirty="0">
                 <a:solidFill>
                   <a:srgbClr val="000000"/>
                 </a:solidFill>
@@ -14095,7 +14756,7 @@
               </a:rPr>
               <a:t>status: live</a:t>
             </a:r>
-            <a:endParaRPr lang="en-US" sz="1200" b="0" i="0" dirty="0" smtClean="0">
+            <a:endParaRPr lang="en-US" sz="1200" b="0" i="0" dirty="0">
               <a:solidFill>
                 <a:srgbClr val="000000"/>
               </a:solidFill>
@@ -14105,7 +14766,7 @@
           </a:p>
           <a:p>
             <a:r>
-              <a:rPr lang="en-US" sz="1200" b="0" i="0" dirty="0" smtClean="0">
+              <a:rPr lang="en-US" sz="1200" b="0" i="0" dirty="0">
                 <a:solidFill>
                   <a:srgbClr val="000000"/>
                 </a:solidFill>
@@ -14114,7 +14775,7 @@
               </a:rPr>
               <a:t>attributes:</a:t>
             </a:r>
-            <a:endParaRPr lang="en-US" sz="1200" b="0" i="0" dirty="0" smtClean="0">
+            <a:endParaRPr lang="en-US" sz="1200" b="0" i="0" dirty="0">
               <a:solidFill>
                 <a:srgbClr val="000000"/>
               </a:solidFill>
@@ -14124,7 +14785,7 @@
           </a:p>
           <a:p>
             <a:r>
-              <a:rPr lang="en-US" sz="1200" b="0" i="0" dirty="0" smtClean="0">
+              <a:rPr lang="en-US" sz="1200" b="0" i="0" dirty="0">
                 <a:solidFill>
                   <a:srgbClr val="000000"/>
                 </a:solidFill>
@@ -14133,7 +14794,7 @@
               </a:rPr>
               <a:t>  level:</a:t>
             </a:r>
-            <a:endParaRPr lang="en-US" sz="1200" b="0" i="0" dirty="0" smtClean="0">
+            <a:endParaRPr lang="en-US" sz="1200" b="0" i="0" dirty="0">
               <a:solidFill>
                 <a:srgbClr val="000000"/>
               </a:solidFill>
@@ -14143,7 +14804,7 @@
           </a:p>
           <a:p>
             <a:r>
-              <a:rPr lang="en-US" sz="1200" b="0" i="0" dirty="0" smtClean="0">
+              <a:rPr lang="en-US" sz="1200" b="0" i="0" dirty="0">
                 <a:solidFill>
                   <a:srgbClr val="000000"/>
                 </a:solidFill>
@@ -14152,7 +14813,7 @@
               </a:rPr>
               <a:t>    schema:</a:t>
             </a:r>
-            <a:endParaRPr lang="en-US" sz="1200" b="0" i="0" dirty="0" smtClean="0">
+            <a:endParaRPr lang="en-US" sz="1200" b="0" i="0" dirty="0">
               <a:solidFill>
                 <a:srgbClr val="000000"/>
               </a:solidFill>
@@ -14162,7 +14823,7 @@
           </a:p>
           <a:p>
             <a:r>
-              <a:rPr lang="en-US" sz="1200" b="0" i="0" dirty="0" smtClean="0">
+              <a:rPr lang="en-US" sz="1200" b="0" i="0" dirty="0">
                 <a:solidFill>
                   <a:srgbClr val="000000"/>
                 </a:solidFill>
@@ -14172,7 +14833,7 @@
               <a:t>      $ref: </a:t>
             </a:r>
             <a:r>
-              <a:rPr lang="en-US" sz="1200" b="0" i="0" dirty="0" err="1" smtClean="0">
+              <a:rPr lang="en-US" sz="1200" b="0" i="0" dirty="0" err="1">
                 <a:solidFill>
                   <a:srgbClr val="000000"/>
                 </a:solidFill>
@@ -14181,7 +14842,7 @@
               </a:rPr>
               <a:t>IntegerPercent</a:t>
             </a:r>
-            <a:endParaRPr lang="en-US" sz="1200" b="0" i="0" dirty="0" smtClean="0">
+            <a:endParaRPr lang="en-US" sz="1200" b="0" i="0" dirty="0">
               <a:solidFill>
                 <a:srgbClr val="000000"/>
               </a:solidFill>
@@ -14191,7 +14852,7 @@
           </a:p>
           <a:p>
             <a:r>
-              <a:rPr lang="en-US" sz="1200" b="0" i="0" dirty="0" smtClean="0">
+              <a:rPr lang="en-US" sz="1200" b="0" i="0" dirty="0">
                 <a:solidFill>
                   <a:srgbClr val="000000"/>
                 </a:solidFill>
@@ -14200,7 +14861,7 @@
               </a:rPr>
               <a:t>    type: NUMBER</a:t>
             </a:r>
-            <a:endParaRPr lang="en-US" sz="1200" b="0" i="0" dirty="0" smtClean="0">
+            <a:endParaRPr lang="en-US" sz="1200" b="0" i="0" dirty="0">
               <a:solidFill>
                 <a:srgbClr val="000000"/>
               </a:solidFill>
@@ -14210,7 +14871,7 @@
           </a:p>
           <a:p>
             <a:r>
-              <a:rPr lang="en-US" sz="1200" b="0" i="0" dirty="0" smtClean="0">
+              <a:rPr lang="en-US" sz="1200" b="0" i="0" dirty="0">
                 <a:solidFill>
                   <a:srgbClr val="000000"/>
                 </a:solidFill>
@@ -14220,7 +14881,7 @@
               <a:t>    setter: </a:t>
             </a:r>
             <a:r>
-              <a:rPr lang="en-US" sz="1200" b="0" i="0" dirty="0" err="1" smtClean="0">
+              <a:rPr lang="en-US" sz="1200" b="0" i="0" dirty="0" err="1">
                 <a:solidFill>
                   <a:srgbClr val="000000"/>
                 </a:solidFill>
@@ -14229,7 +14890,7 @@
               </a:rPr>
               <a:t>setLevel</a:t>
             </a:r>
-            <a:endParaRPr lang="en-US" sz="1200" b="0" i="0" dirty="0" smtClean="0">
+            <a:endParaRPr lang="en-US" sz="1200" b="0" i="0" dirty="0">
               <a:solidFill>
                 <a:srgbClr val="000000"/>
               </a:solidFill>
@@ -14239,7 +14900,7 @@
           </a:p>
           <a:p>
             <a:r>
-              <a:rPr lang="en-US" sz="1200" b="0" i="0" dirty="0" smtClean="0">
+              <a:rPr lang="en-US" sz="1200" b="0" i="0" dirty="0">
                 <a:solidFill>
                   <a:srgbClr val="000000"/>
                 </a:solidFill>
@@ -14248,7 +14909,7 @@
               </a:rPr>
               <a:t>commands:</a:t>
             </a:r>
-            <a:endParaRPr lang="en-US" sz="1200" b="0" i="0" dirty="0" smtClean="0">
+            <a:endParaRPr lang="en-US" sz="1200" b="0" i="0" dirty="0">
               <a:solidFill>
                 <a:srgbClr val="000000"/>
               </a:solidFill>
@@ -14258,7 +14919,7 @@
           </a:p>
           <a:p>
             <a:r>
-              <a:rPr lang="en-US" sz="1200" b="0" i="0" dirty="0" smtClean="0">
+              <a:rPr lang="en-US" sz="1200" b="0" i="0" dirty="0">
                 <a:solidFill>
                   <a:srgbClr val="000000"/>
                 </a:solidFill>
@@ -14268,7 +14929,7 @@
               <a:t>  </a:t>
             </a:r>
             <a:r>
-              <a:rPr lang="en-US" sz="1200" b="0" i="0" dirty="0" err="1" smtClean="0">
+              <a:rPr lang="en-US" sz="1200" b="0" i="0" dirty="0" err="1">
                 <a:solidFill>
                   <a:srgbClr val="000000"/>
                 </a:solidFill>
@@ -14278,7 +14939,7 @@
               <a:t>setLevel</a:t>
             </a:r>
             <a:r>
-              <a:rPr lang="en-US" sz="1200" b="0" i="0" dirty="0" smtClean="0">
+              <a:rPr lang="en-US" sz="1200" b="0" i="0" dirty="0">
                 <a:solidFill>
                   <a:srgbClr val="000000"/>
                 </a:solidFill>
@@ -14287,7 +14948,7 @@
               </a:rPr>
               <a:t>:</a:t>
             </a:r>
-            <a:endParaRPr lang="en-US" sz="1200" b="0" i="0" dirty="0" smtClean="0">
+            <a:endParaRPr lang="en-US" sz="1200" b="0" i="0" dirty="0">
               <a:solidFill>
                 <a:srgbClr val="000000"/>
               </a:solidFill>
@@ -14297,7 +14958,7 @@
           </a:p>
           <a:p>
             <a:r>
-              <a:rPr lang="en-US" sz="1200" b="0" i="0" dirty="0" smtClean="0">
+              <a:rPr lang="en-US" sz="1200" b="0" i="0" dirty="0">
                 <a:solidFill>
                   <a:srgbClr val="000000"/>
                 </a:solidFill>
@@ -14306,7 +14967,7 @@
               </a:rPr>
               <a:t>    arguments:</a:t>
             </a:r>
-            <a:endParaRPr lang="en-US" sz="1200" b="0" i="0" dirty="0" smtClean="0">
+            <a:endParaRPr lang="en-US" sz="1200" b="0" i="0" dirty="0">
               <a:solidFill>
                 <a:srgbClr val="000000"/>
               </a:solidFill>
@@ -14316,7 +14977,7 @@
           </a:p>
           <a:p>
             <a:r>
-              <a:rPr lang="en-US" sz="1200" b="0" i="0" dirty="0" smtClean="0">
+              <a:rPr lang="en-US" sz="1200" b="0" i="0" dirty="0">
                 <a:solidFill>
                   <a:srgbClr val="000000"/>
                 </a:solidFill>
@@ -14325,7 +14986,7 @@
               </a:rPr>
               <a:t>    - name: level</a:t>
             </a:r>
-            <a:endParaRPr lang="en-US" sz="1200" b="0" i="0" dirty="0" smtClean="0">
+            <a:endParaRPr lang="en-US" sz="1200" b="0" i="0" dirty="0">
               <a:solidFill>
                 <a:srgbClr val="000000"/>
               </a:solidFill>
@@ -14335,7 +14996,7 @@
           </a:p>
           <a:p>
             <a:r>
-              <a:rPr lang="en-US" sz="1200" b="0" i="0" dirty="0" smtClean="0">
+              <a:rPr lang="en-US" sz="1200" b="0" i="0" dirty="0">
                 <a:solidFill>
                   <a:srgbClr val="000000"/>
                 </a:solidFill>
@@ -14344,7 +15005,7 @@
               </a:rPr>
               <a:t>      schema:</a:t>
             </a:r>
-            <a:endParaRPr lang="en-US" sz="1200" b="0" i="0" dirty="0" smtClean="0">
+            <a:endParaRPr lang="en-US" sz="1200" b="0" i="0" dirty="0">
               <a:solidFill>
                 <a:srgbClr val="000000"/>
               </a:solidFill>
@@ -14354,7 +15015,7 @@
           </a:p>
           <a:p>
             <a:r>
-              <a:rPr lang="en-US" sz="1200" b="0" i="0" dirty="0" smtClean="0">
+              <a:rPr lang="en-US" sz="1200" b="0" i="0" dirty="0">
                 <a:solidFill>
                   <a:srgbClr val="000000"/>
                 </a:solidFill>
@@ -14363,7 +15024,7 @@
               </a:rPr>
               <a:t>        type: integer</a:t>
             </a:r>
-            <a:endParaRPr lang="en-US" sz="1200" b="0" i="0" dirty="0" smtClean="0">
+            <a:endParaRPr lang="en-US" sz="1200" b="0" i="0" dirty="0">
               <a:solidFill>
                 <a:srgbClr val="000000"/>
               </a:solidFill>
@@ -14373,7 +15034,7 @@
           </a:p>
           <a:p>
             <a:r>
-              <a:rPr lang="en-US" sz="1200" b="0" i="0" dirty="0" smtClean="0">
+              <a:rPr lang="en-US" sz="1200" b="0" i="0" dirty="0">
                 <a:solidFill>
                   <a:srgbClr val="000000"/>
                 </a:solidFill>
@@ -14382,7 +15043,7 @@
               </a:rPr>
               <a:t>        minimum: 0</a:t>
             </a:r>
-            <a:endParaRPr lang="en-US" sz="1200" b="0" i="0" dirty="0" smtClean="0">
+            <a:endParaRPr lang="en-US" sz="1200" b="0" i="0" dirty="0">
               <a:solidFill>
                 <a:srgbClr val="000000"/>
               </a:solidFill>
@@ -14392,7 +15053,7 @@
           </a:p>
           <a:p>
             <a:r>
-              <a:rPr lang="en-US" sz="1200" b="0" i="0" dirty="0" smtClean="0">
+              <a:rPr lang="en-US" sz="1200" b="0" i="0" dirty="0">
                 <a:solidFill>
                   <a:srgbClr val="000000"/>
                 </a:solidFill>
@@ -14401,7 +15062,7 @@
               </a:rPr>
               <a:t>        maximum: 100</a:t>
             </a:r>
-            <a:endParaRPr lang="en-US" sz="1200" b="0" i="0" dirty="0" smtClean="0">
+            <a:endParaRPr lang="en-US" sz="1200" b="0" i="0" dirty="0">
               <a:solidFill>
                 <a:srgbClr val="000000"/>
               </a:solidFill>
@@ -14411,7 +15072,7 @@
           </a:p>
           <a:p>
             <a:r>
-              <a:rPr lang="en-US" sz="1200" b="0" i="0" dirty="0" smtClean="0">
+              <a:rPr lang="en-US" sz="1200" b="0" i="0" dirty="0">
                 <a:solidFill>
                   <a:srgbClr val="000000"/>
                 </a:solidFill>
@@ -14420,7 +15081,7 @@
               </a:rPr>
               <a:t>      type: NUMBER</a:t>
             </a:r>
-            <a:endParaRPr lang="en-US" sz="1200" b="0" i="0" dirty="0" smtClean="0">
+            <a:endParaRPr lang="en-US" sz="1200" b="0" i="0" dirty="0">
               <a:solidFill>
                 <a:srgbClr val="000000"/>
               </a:solidFill>
@@ -14430,7 +15091,7 @@
           </a:p>
           <a:p>
             <a:r>
-              <a:rPr lang="en-US" sz="1200" b="0" i="0" dirty="0" smtClean="0">
+              <a:rPr lang="en-US" sz="1200" b="0" i="0" dirty="0">
                 <a:solidFill>
                   <a:srgbClr val="000000"/>
                 </a:solidFill>
@@ -14439,7 +15100,7 @@
               </a:rPr>
               <a:t>      required: true</a:t>
             </a:r>
-            <a:endParaRPr lang="en-US" sz="1200" b="0" i="0" dirty="0" smtClean="0">
+            <a:endParaRPr lang="en-US" sz="1200" b="0" i="0" dirty="0">
               <a:solidFill>
                 <a:srgbClr val="000000"/>
               </a:solidFill>
@@ -14449,7 +15110,7 @@
           </a:p>
           <a:p>
             <a:r>
-              <a:rPr lang="en-US" sz="1200" b="0" i="0" dirty="0" smtClean="0">
+              <a:rPr lang="en-US" sz="1200" b="0" i="0" dirty="0">
                 <a:solidFill>
                   <a:srgbClr val="000000"/>
                 </a:solidFill>
@@ -14458,7 +15119,7 @@
               </a:rPr>
               <a:t>    - name: rate</a:t>
             </a:r>
-            <a:endParaRPr lang="en-US" sz="1200" b="0" i="0" dirty="0" smtClean="0">
+            <a:endParaRPr lang="en-US" sz="1200" b="0" i="0" dirty="0">
               <a:solidFill>
                 <a:srgbClr val="000000"/>
               </a:solidFill>
@@ -14468,7 +15129,7 @@
           </a:p>
           <a:p>
             <a:r>
-              <a:rPr lang="en-US" sz="1200" b="0" i="0" dirty="0" smtClean="0">
+              <a:rPr lang="en-US" sz="1200" b="0" i="0" dirty="0">
                 <a:solidFill>
                   <a:srgbClr val="000000"/>
                 </a:solidFill>
@@ -14477,7 +15138,7 @@
               </a:rPr>
               <a:t>      schema:</a:t>
             </a:r>
-            <a:endParaRPr lang="en-US" sz="1200" b="0" i="0" dirty="0" smtClean="0">
+            <a:endParaRPr lang="en-US" sz="1200" b="0" i="0" dirty="0">
               <a:solidFill>
                 <a:srgbClr val="000000"/>
               </a:solidFill>
@@ -14487,7 +15148,7 @@
           </a:p>
           <a:p>
             <a:r>
-              <a:rPr lang="en-US" sz="1200" b="0" i="0" dirty="0" smtClean="0">
+              <a:rPr lang="en-US" sz="1200" b="0" i="0" dirty="0">
                 <a:solidFill>
                   <a:srgbClr val="000000"/>
                 </a:solidFill>
@@ -14497,7 +15158,7 @@
               <a:t>        $ref: </a:t>
             </a:r>
             <a:r>
-              <a:rPr lang="en-US" sz="1200" b="0" i="0" dirty="0" err="1" smtClean="0">
+              <a:rPr lang="en-US" sz="1200" b="0" i="0" dirty="0" err="1">
                 <a:solidFill>
                   <a:srgbClr val="000000"/>
                 </a:solidFill>
@@ -14506,7 +15167,7 @@
               </a:rPr>
               <a:t>PositiveInteger</a:t>
             </a:r>
-            <a:endParaRPr lang="en-US" sz="1200" b="0" i="0" dirty="0" smtClean="0">
+            <a:endParaRPr lang="en-US" sz="1200" b="0" i="0" dirty="0">
               <a:solidFill>
                 <a:srgbClr val="000000"/>
               </a:solidFill>
@@ -14516,7 +15177,7 @@
           </a:p>
           <a:p>
             <a:r>
-              <a:rPr lang="en-US" sz="1200" b="0" i="0" dirty="0" smtClean="0">
+              <a:rPr lang="en-US" sz="1200" b="0" i="0" dirty="0">
                 <a:solidFill>
                   <a:srgbClr val="000000"/>
                 </a:solidFill>
@@ -14525,7 +15186,7 @@
               </a:rPr>
               <a:t>      type: NUMBER</a:t>
             </a:r>
-            <a:endParaRPr lang="en-US" sz="1200" b="0" i="0" dirty="0" smtClean="0">
+            <a:endParaRPr lang="en-US" sz="1200" b="0" i="0" dirty="0">
               <a:solidFill>
                 <a:srgbClr val="000000"/>
               </a:solidFill>
@@ -14535,7 +15196,7 @@
           </a:p>
           <a:p>
             <a:r>
-              <a:rPr lang="en-US" sz="1200" b="0" i="0" dirty="0" smtClean="0">
+              <a:rPr lang="en-US" sz="1200" b="0" i="0" dirty="0">
                 <a:solidFill>
                   <a:srgbClr val="000000"/>
                 </a:solidFill>
@@ -14544,7 +15205,7 @@
               </a:rPr>
               <a:t>      required: false</a:t>
             </a:r>
-            <a:endParaRPr lang="en-US" sz="1200" b="0" i="0" dirty="0" smtClean="0">
+            <a:endParaRPr lang="en-US" sz="1200" b="0" i="0" dirty="0">
               <a:solidFill>
                 <a:srgbClr val="000000"/>
               </a:solidFill>
@@ -14554,7 +15215,7 @@
           </a:p>
           <a:p>
             <a:r>
-              <a:rPr lang="en-US" sz="1200" b="0" i="0" dirty="0" smtClean="0">
+              <a:rPr lang="en-US" sz="1200" b="0" i="0" dirty="0">
                 <a:solidFill>
                   <a:srgbClr val="000000"/>
                 </a:solidFill>
@@ -14563,7 +15224,7 @@
               </a:rPr>
               <a:t>public: true</a:t>
             </a:r>
-            <a:endParaRPr lang="en-US" sz="1200" b="0" i="0" dirty="0" smtClean="0">
+            <a:endParaRPr lang="en-US" sz="1200" b="0" i="0" dirty="0">
               <a:solidFill>
                 <a:srgbClr val="000000"/>
               </a:solidFill>
@@ -14573,7 +15234,7 @@
           </a:p>
           <a:p>
             <a:r>
-              <a:rPr lang="en-US" sz="1200" b="0" i="0" dirty="0" smtClean="0">
+              <a:rPr lang="en-US" sz="1200" b="0" i="0" dirty="0">
                 <a:solidFill>
                   <a:srgbClr val="000000"/>
                 </a:solidFill>
@@ -14583,7 +15244,7 @@
               <a:t>id: </a:t>
             </a:r>
             <a:r>
-              <a:rPr lang="en-US" sz="1200" b="0" i="0" dirty="0" err="1" smtClean="0">
+              <a:rPr lang="en-US" sz="1200" b="0" i="0" dirty="0" err="1">
                 <a:solidFill>
                   <a:srgbClr val="000000"/>
                 </a:solidFill>
@@ -14592,7 +15253,7 @@
               </a:rPr>
               <a:t>switchLevel</a:t>
             </a:r>
-            <a:endParaRPr lang="en-US" sz="1200" b="0" i="0" dirty="0" smtClean="0">
+            <a:endParaRPr lang="en-US" sz="1200" b="0" i="0" dirty="0">
               <a:solidFill>
                 <a:srgbClr val="000000"/>
               </a:solidFill>
@@ -14602,7 +15263,7 @@
           </a:p>
           <a:p>
             <a:r>
-              <a:rPr lang="en-US" sz="1200" b="0" i="0" dirty="0" err="1" smtClean="0">
+              <a:rPr lang="en-US" sz="1200" b="0" i="0" dirty="0" err="1">
                 <a:solidFill>
                   <a:srgbClr val="000000"/>
                 </a:solidFill>
@@ -14612,7 +15273,7 @@
               <a:t>ocfResourceType</a:t>
             </a:r>
             <a:r>
-              <a:rPr lang="en-US" sz="1200" b="0" i="0" dirty="0" smtClean="0">
+              <a:rPr lang="en-US" sz="1200" b="0" i="0" dirty="0">
                 <a:solidFill>
                   <a:srgbClr val="000000"/>
                 </a:solidFill>
@@ -14622,7 +15283,7 @@
               <a:t>: </a:t>
             </a:r>
             <a:r>
-              <a:rPr lang="en-US" sz="1200" b="0" i="0" dirty="0" err="1" smtClean="0">
+              <a:rPr lang="en-US" sz="1200" b="0" i="0" dirty="0" err="1">
                 <a:solidFill>
                   <a:srgbClr val="000000"/>
                 </a:solidFill>
@@ -14631,7 +15292,7 @@
               </a:rPr>
               <a:t>oic.r.light.dimming</a:t>
             </a:r>
-            <a:endParaRPr lang="en-US" sz="1200" b="0" i="0" dirty="0" smtClean="0">
+            <a:endParaRPr lang="en-US" sz="1200" b="0" i="0" dirty="0">
               <a:solidFill>
                 <a:srgbClr val="000000"/>
               </a:solidFill>
@@ -14641,7 +15302,7 @@
           </a:p>
           <a:p>
             <a:r>
-              <a:rPr lang="en-US" sz="1200" b="0" i="0" dirty="0" smtClean="0">
+              <a:rPr lang="en-US" sz="1200" b="0" i="0" dirty="0">
                 <a:solidFill>
                   <a:srgbClr val="000000"/>
                 </a:solidFill>
@@ -14650,7 +15311,7 @@
               </a:rPr>
               <a:t>version: 1</a:t>
             </a:r>
-            <a:endParaRPr lang="en-US" sz="1200" b="0" i="0" dirty="0" smtClean="0">
+            <a:endParaRPr lang="en-US" sz="1200" b="0" i="0" dirty="0">
               <a:solidFill>
                 <a:srgbClr val="000000"/>
               </a:solidFill>
@@ -14682,7 +15343,7 @@
           <a:lstStyle/>
           <a:p>
             <a:r>
-              <a:rPr lang="en-US" sz="1200" b="0" i="0" dirty="0" smtClean="0">
+              <a:rPr lang="en-US" sz="1200" b="0" i="0" dirty="0">
                 <a:solidFill>
                   <a:srgbClr val="000000"/>
                 </a:solidFill>
@@ -14696,7 +15357,7 @@
           </a:p>
           <a:p>
             <a:r>
-              <a:rPr lang="en-US" sz="1200" b="0" i="0" dirty="0" smtClean="0">
+              <a:rPr lang="en-US" sz="1200" b="0" i="0" dirty="0">
                 <a:solidFill>
                   <a:srgbClr val="000000"/>
                 </a:solidFill>
@@ -14710,7 +15371,7 @@
           </a:p>
           <a:p>
             <a:r>
-              <a:rPr lang="en-US" sz="1200" b="0" i="0" dirty="0" smtClean="0">
+              <a:rPr lang="en-US" sz="1200" b="0" i="0" dirty="0">
                 <a:solidFill>
                   <a:srgbClr val="000000"/>
                 </a:solidFill>
@@ -14724,7 +15385,7 @@
           </a:p>
           <a:p>
             <a:r>
-              <a:rPr lang="en-US" sz="1200" b="0" i="0" dirty="0" smtClean="0">
+              <a:rPr lang="en-US" sz="1200" b="0" i="0" dirty="0">
                 <a:solidFill>
                   <a:srgbClr val="000000"/>
                 </a:solidFill>
@@ -14738,7 +15399,7 @@
           </a:p>
           <a:p>
             <a:r>
-              <a:rPr lang="en-US" sz="1200" b="0" i="0" dirty="0" smtClean="0">
+              <a:rPr lang="en-US" sz="1200" b="0" i="0" dirty="0">
                 <a:solidFill>
                   <a:srgbClr val="000000"/>
                 </a:solidFill>
@@ -14752,7 +15413,7 @@
           </a:p>
           <a:p>
             <a:r>
-              <a:rPr lang="en-US" sz="1200" b="0" i="0" dirty="0" smtClean="0">
+              <a:rPr lang="en-US" sz="1200" b="0" i="0" dirty="0">
                 <a:solidFill>
                   <a:srgbClr val="000000"/>
                 </a:solidFill>
@@ -14766,7 +15427,7 @@
           </a:p>
           <a:p>
             <a:r>
-              <a:rPr lang="en-US" sz="1200" b="0" i="0" dirty="0" smtClean="0">
+              <a:rPr lang="en-US" sz="1200" b="0" i="0" dirty="0">
                 <a:solidFill>
                   <a:srgbClr val="000000"/>
                 </a:solidFill>
@@ -14778,7 +15439,7 @@
               <a:t>      </a:t>
             </a:r>
             <a:r>
-              <a:rPr lang="en-US" sz="1200" b="0" i="0" dirty="0" err="1" smtClean="0">
+              <a:rPr lang="en-US" sz="1200" b="0" i="0" dirty="0" err="1">
                 <a:solidFill>
                   <a:srgbClr val="000000"/>
                 </a:solidFill>
@@ -14790,7 +15451,7 @@
               <a:t>additionalProperties</a:t>
             </a:r>
             <a:r>
-              <a:rPr lang="en-US" sz="1200" b="0" i="0" dirty="0" smtClean="0">
+              <a:rPr lang="en-US" sz="1200" b="0" i="0" dirty="0">
                 <a:solidFill>
                   <a:srgbClr val="000000"/>
                 </a:solidFill>
@@ -14804,7 +15465,7 @@
           </a:p>
           <a:p>
             <a:r>
-              <a:rPr lang="en-US" sz="1200" b="0" i="0" dirty="0" smtClean="0">
+              <a:rPr lang="en-US" sz="1200" b="0" i="0" dirty="0">
                 <a:solidFill>
                   <a:srgbClr val="000000"/>
                 </a:solidFill>
@@ -14818,7 +15479,7 @@
           </a:p>
           <a:p>
             <a:r>
-              <a:rPr lang="en-US" sz="1200" b="0" i="0" dirty="0" smtClean="0">
+              <a:rPr lang="en-US" sz="1200" b="0" i="0" dirty="0">
                 <a:solidFill>
                   <a:srgbClr val="000000"/>
                 </a:solidFill>
@@ -14832,7 +15493,7 @@
           </a:p>
           <a:p>
             <a:r>
-              <a:rPr lang="en-US" sz="1200" b="0" i="0" dirty="0" smtClean="0">
+              <a:rPr lang="en-US" sz="1200" b="0" i="0" dirty="0">
                 <a:solidFill>
                   <a:srgbClr val="000000"/>
                 </a:solidFill>
@@ -14844,7 +15505,7 @@
               <a:t>          $ref: </a:t>
             </a:r>
             <a:r>
-              <a:rPr lang="en-US" sz="1200" b="0" i="0" dirty="0" err="1" smtClean="0">
+              <a:rPr lang="en-US" sz="1200" b="0" i="0" dirty="0" err="1">
                 <a:solidFill>
                   <a:srgbClr val="000000"/>
                 </a:solidFill>
@@ -14854,310 +15515,6 @@
                 <a:cs typeface="Courier" charset="0"/>
               </a:rPr>
               <a:t>SwitchState</a:t>
-            </a:r>
-            <a:endParaRPr lang="en-US" sz="1200" b="0" i="0" dirty="0" smtClean="0">
-              <a:solidFill>
-                <a:srgbClr val="000000"/>
-              </a:solidFill>
-              <a:effectLst/>
-              <a:latin typeface="Courier" charset="0"/>
-              <a:ea typeface="Courier" charset="0"/>
-              <a:cs typeface="Courier" charset="0"/>
-            </a:endParaRPr>
-          </a:p>
-          <a:p>
-            <a:r>
-              <a:rPr lang="en-US" sz="1200" b="0" i="0" dirty="0" smtClean="0">
-                <a:solidFill>
-                  <a:srgbClr val="000000"/>
-                </a:solidFill>
-                <a:effectLst/>
-                <a:latin typeface="Courier" charset="0"/>
-                <a:ea typeface="Courier" charset="0"/>
-                <a:cs typeface="Courier" charset="0"/>
-              </a:rPr>
-              <a:t>      required: ["value"]</a:t>
-            </a:r>
-          </a:p>
-          <a:p>
-            <a:r>
-              <a:rPr lang="en-US" sz="1200" b="0" i="0" dirty="0" smtClean="0">
-                <a:solidFill>
-                  <a:srgbClr val="000000"/>
-                </a:solidFill>
-                <a:effectLst/>
-                <a:latin typeface="Courier" charset="0"/>
-                <a:ea typeface="Courier" charset="0"/>
-                <a:cs typeface="Courier" charset="0"/>
-              </a:rPr>
-              <a:t>    type: ENUM</a:t>
-            </a:r>
-          </a:p>
-          <a:p>
-            <a:r>
-              <a:rPr lang="en-US" sz="1200" b="0" i="0" dirty="0" smtClean="0">
-                <a:solidFill>
-                  <a:srgbClr val="000000"/>
-                </a:solidFill>
-                <a:effectLst/>
-                <a:latin typeface="Courier" charset="0"/>
-                <a:ea typeface="Courier" charset="0"/>
-                <a:cs typeface="Courier" charset="0"/>
-              </a:rPr>
-              <a:t>    values:</a:t>
-            </a:r>
-          </a:p>
-          <a:p>
-            <a:r>
-              <a:rPr lang="en-US" sz="1200" b="0" i="0" dirty="0" smtClean="0">
-                <a:solidFill>
-                  <a:srgbClr val="000000"/>
-                </a:solidFill>
-                <a:effectLst/>
-                <a:latin typeface="Courier" charset="0"/>
-                <a:ea typeface="Courier" charset="0"/>
-                <a:cs typeface="Courier" charset="0"/>
-              </a:rPr>
-              <a:t>      - 'off'</a:t>
-            </a:r>
-          </a:p>
-          <a:p>
-            <a:r>
-              <a:rPr lang="en-US" sz="1200" b="0" i="0" dirty="0" smtClean="0">
-                <a:solidFill>
-                  <a:srgbClr val="000000"/>
-                </a:solidFill>
-                <a:effectLst/>
-                <a:latin typeface="Courier" charset="0"/>
-                <a:ea typeface="Courier" charset="0"/>
-                <a:cs typeface="Courier" charset="0"/>
-              </a:rPr>
-              <a:t>      - 'on'</a:t>
-            </a:r>
-          </a:p>
-          <a:p>
-            <a:r>
-              <a:rPr lang="en-US" sz="1200" b="0" i="0" dirty="0" smtClean="0">
-                <a:solidFill>
-                  <a:srgbClr val="000000"/>
-                </a:solidFill>
-                <a:effectLst/>
-                <a:latin typeface="Courier" charset="0"/>
-                <a:ea typeface="Courier" charset="0"/>
-                <a:cs typeface="Courier" charset="0"/>
-              </a:rPr>
-              <a:t>    </a:t>
-            </a:r>
-            <a:r>
-              <a:rPr lang="en-US" sz="1200" b="0" i="0" dirty="0" err="1" smtClean="0">
-                <a:solidFill>
-                  <a:srgbClr val="000000"/>
-                </a:solidFill>
-                <a:effectLst/>
-                <a:latin typeface="Courier" charset="0"/>
-                <a:ea typeface="Courier" charset="0"/>
-                <a:cs typeface="Courier" charset="0"/>
-              </a:rPr>
-              <a:t>enumCommands</a:t>
-            </a:r>
-            <a:r>
-              <a:rPr lang="en-US" sz="1200" b="0" i="0" dirty="0" smtClean="0">
-                <a:solidFill>
-                  <a:srgbClr val="000000"/>
-                </a:solidFill>
-                <a:effectLst/>
-                <a:latin typeface="Courier" charset="0"/>
-                <a:ea typeface="Courier" charset="0"/>
-                <a:cs typeface="Courier" charset="0"/>
-              </a:rPr>
-              <a:t>:</a:t>
-            </a:r>
-          </a:p>
-          <a:p>
-            <a:r>
-              <a:rPr lang="en-US" sz="1200" b="0" i="0" dirty="0" smtClean="0">
-                <a:solidFill>
-                  <a:srgbClr val="000000"/>
-                </a:solidFill>
-                <a:effectLst/>
-                <a:latin typeface="Courier" charset="0"/>
-                <a:ea typeface="Courier" charset="0"/>
-                <a:cs typeface="Courier" charset="0"/>
-              </a:rPr>
-              <a:t>      - command: 'on'</a:t>
-            </a:r>
-          </a:p>
-          <a:p>
-            <a:r>
-              <a:rPr lang="en-US" sz="1200" b="0" i="0" dirty="0" smtClean="0">
-                <a:solidFill>
-                  <a:srgbClr val="000000"/>
-                </a:solidFill>
-                <a:effectLst/>
-                <a:latin typeface="Courier" charset="0"/>
-                <a:ea typeface="Courier" charset="0"/>
-                <a:cs typeface="Courier" charset="0"/>
-              </a:rPr>
-              <a:t>        value: 'on'</a:t>
-            </a:r>
-          </a:p>
-          <a:p>
-            <a:r>
-              <a:rPr lang="en-US" sz="1200" b="0" i="0" dirty="0" smtClean="0">
-                <a:solidFill>
-                  <a:srgbClr val="000000"/>
-                </a:solidFill>
-                <a:effectLst/>
-                <a:latin typeface="Courier" charset="0"/>
-                <a:ea typeface="Courier" charset="0"/>
-                <a:cs typeface="Courier" charset="0"/>
-              </a:rPr>
-              <a:t>      - command: 'off'</a:t>
-            </a:r>
-          </a:p>
-          <a:p>
-            <a:r>
-              <a:rPr lang="en-US" sz="1200" b="0" i="0" dirty="0" smtClean="0">
-                <a:solidFill>
-                  <a:srgbClr val="000000"/>
-                </a:solidFill>
-                <a:effectLst/>
-                <a:latin typeface="Courier" charset="0"/>
-                <a:ea typeface="Courier" charset="0"/>
-                <a:cs typeface="Courier" charset="0"/>
-              </a:rPr>
-              <a:t>        value: 'off'</a:t>
-            </a:r>
-          </a:p>
-          <a:p>
-            <a:r>
-              <a:rPr lang="en-US" sz="1200" b="0" i="0" dirty="0" smtClean="0">
-                <a:solidFill>
-                  <a:srgbClr val="000000"/>
-                </a:solidFill>
-                <a:effectLst/>
-                <a:latin typeface="Courier" charset="0"/>
-                <a:ea typeface="Courier" charset="0"/>
-                <a:cs typeface="Courier" charset="0"/>
-              </a:rPr>
-              <a:t>commands:</a:t>
-            </a:r>
-          </a:p>
-          <a:p>
-            <a:r>
-              <a:rPr lang="en-US" sz="1200" b="0" i="0" dirty="0" smtClean="0">
-                <a:solidFill>
-                  <a:srgbClr val="000000"/>
-                </a:solidFill>
-                <a:effectLst/>
-                <a:latin typeface="Courier" charset="0"/>
-                <a:ea typeface="Courier" charset="0"/>
-                <a:cs typeface="Courier" charset="0"/>
-              </a:rPr>
-              <a:t>  'off': arguments: []</a:t>
-            </a:r>
-          </a:p>
-          <a:p>
-            <a:r>
-              <a:rPr lang="en-US" sz="1200" b="0" i="0" dirty="0" smtClean="0">
-                <a:solidFill>
-                  <a:srgbClr val="000000"/>
-                </a:solidFill>
-                <a:effectLst/>
-                <a:latin typeface="Courier" charset="0"/>
-                <a:ea typeface="Courier" charset="0"/>
-                <a:cs typeface="Courier" charset="0"/>
-              </a:rPr>
-              <a:t>  'on': arguments: []</a:t>
-            </a:r>
-          </a:p>
-          <a:p>
-            <a:r>
-              <a:rPr lang="en-US" sz="1200" b="0" i="0" dirty="0" smtClean="0">
-                <a:solidFill>
-                  <a:srgbClr val="000000"/>
-                </a:solidFill>
-                <a:effectLst/>
-                <a:latin typeface="Courier" charset="0"/>
-                <a:ea typeface="Courier" charset="0"/>
-                <a:cs typeface="Courier" charset="0"/>
-              </a:rPr>
-              <a:t>public: true</a:t>
-            </a:r>
-          </a:p>
-          <a:p>
-            <a:r>
-              <a:rPr lang="en-US" sz="1200" b="0" i="0" dirty="0" smtClean="0">
-                <a:solidFill>
-                  <a:srgbClr val="000000"/>
-                </a:solidFill>
-                <a:effectLst/>
-                <a:latin typeface="Courier" charset="0"/>
-                <a:ea typeface="Courier" charset="0"/>
-                <a:cs typeface="Courier" charset="0"/>
-              </a:rPr>
-              <a:t>id: switch</a:t>
-            </a:r>
-          </a:p>
-          <a:p>
-            <a:r>
-              <a:rPr lang="en-US" sz="1200" b="0" i="0" dirty="0" err="1" smtClean="0">
-                <a:solidFill>
-                  <a:srgbClr val="000000"/>
-                </a:solidFill>
-                <a:effectLst/>
-                <a:latin typeface="Courier" charset="0"/>
-                <a:ea typeface="Courier" charset="0"/>
-                <a:cs typeface="Courier" charset="0"/>
-              </a:rPr>
-              <a:t>ocfResourceType</a:t>
-            </a:r>
-            <a:r>
-              <a:rPr lang="en-US" sz="1200" b="0" i="0" dirty="0" smtClean="0">
-                <a:solidFill>
-                  <a:srgbClr val="000000"/>
-                </a:solidFill>
-                <a:effectLst/>
-                <a:latin typeface="Courier" charset="0"/>
-                <a:ea typeface="Courier" charset="0"/>
-                <a:cs typeface="Courier" charset="0"/>
-              </a:rPr>
-              <a:t>: </a:t>
-            </a:r>
-            <a:r>
-              <a:rPr lang="en-US" sz="1200" b="0" i="0" dirty="0" err="1" smtClean="0">
-                <a:solidFill>
-                  <a:srgbClr val="000000"/>
-                </a:solidFill>
-                <a:effectLst/>
-                <a:latin typeface="Courier" charset="0"/>
-                <a:ea typeface="Courier" charset="0"/>
-                <a:cs typeface="Courier" charset="0"/>
-              </a:rPr>
-              <a:t>x.com.st.powerswitch</a:t>
-            </a:r>
-            <a:endParaRPr lang="en-US" sz="1200" b="0" i="0" dirty="0" smtClean="0">
-              <a:solidFill>
-                <a:srgbClr val="000000"/>
-              </a:solidFill>
-              <a:effectLst/>
-              <a:latin typeface="Courier" charset="0"/>
-              <a:ea typeface="Courier" charset="0"/>
-              <a:cs typeface="Courier" charset="0"/>
-            </a:endParaRPr>
-          </a:p>
-          <a:p>
-            <a:r>
-              <a:rPr lang="en-US" sz="1200" b="0" i="0" dirty="0" smtClean="0">
-                <a:solidFill>
-                  <a:srgbClr val="000000"/>
-                </a:solidFill>
-                <a:effectLst/>
-                <a:latin typeface="Courier" charset="0"/>
-                <a:ea typeface="Courier" charset="0"/>
-                <a:cs typeface="Courier" charset="0"/>
-              </a:rPr>
-              <a:t>version: 1</a:t>
             </a:r>
             <a:endParaRPr lang="en-US" sz="1200" b="0" i="0" dirty="0">
               <a:solidFill>
@@ -15168,6 +15525,301 @@
               <a:ea typeface="Courier" charset="0"/>
               <a:cs typeface="Courier" charset="0"/>
             </a:endParaRPr>
+          </a:p>
+          <a:p>
+            <a:r>
+              <a:rPr lang="en-US" sz="1200" b="0" i="0" dirty="0">
+                <a:solidFill>
+                  <a:srgbClr val="000000"/>
+                </a:solidFill>
+                <a:effectLst/>
+                <a:latin typeface="Courier" charset="0"/>
+                <a:ea typeface="Courier" charset="0"/>
+                <a:cs typeface="Courier" charset="0"/>
+              </a:rPr>
+              <a:t>      required: ["value"]</a:t>
+            </a:r>
+          </a:p>
+          <a:p>
+            <a:r>
+              <a:rPr lang="en-US" sz="1200" b="0" i="0" dirty="0">
+                <a:solidFill>
+                  <a:srgbClr val="000000"/>
+                </a:solidFill>
+                <a:effectLst/>
+                <a:latin typeface="Courier" charset="0"/>
+                <a:ea typeface="Courier" charset="0"/>
+                <a:cs typeface="Courier" charset="0"/>
+              </a:rPr>
+              <a:t>    type: ENUM</a:t>
+            </a:r>
+          </a:p>
+          <a:p>
+            <a:r>
+              <a:rPr lang="en-US" sz="1200" b="0" i="0" dirty="0">
+                <a:solidFill>
+                  <a:srgbClr val="000000"/>
+                </a:solidFill>
+                <a:effectLst/>
+                <a:latin typeface="Courier" charset="0"/>
+                <a:ea typeface="Courier" charset="0"/>
+                <a:cs typeface="Courier" charset="0"/>
+              </a:rPr>
+              <a:t>    values:</a:t>
+            </a:r>
+          </a:p>
+          <a:p>
+            <a:r>
+              <a:rPr lang="en-US" sz="1200" b="0" i="0" dirty="0">
+                <a:solidFill>
+                  <a:srgbClr val="000000"/>
+                </a:solidFill>
+                <a:effectLst/>
+                <a:latin typeface="Courier" charset="0"/>
+                <a:ea typeface="Courier" charset="0"/>
+                <a:cs typeface="Courier" charset="0"/>
+              </a:rPr>
+              <a:t>      - 'off'</a:t>
+            </a:r>
+          </a:p>
+          <a:p>
+            <a:r>
+              <a:rPr lang="en-US" sz="1200" b="0" i="0" dirty="0">
+                <a:solidFill>
+                  <a:srgbClr val="000000"/>
+                </a:solidFill>
+                <a:effectLst/>
+                <a:latin typeface="Courier" charset="0"/>
+                <a:ea typeface="Courier" charset="0"/>
+                <a:cs typeface="Courier" charset="0"/>
+              </a:rPr>
+              <a:t>      - 'on'</a:t>
+            </a:r>
+          </a:p>
+          <a:p>
+            <a:r>
+              <a:rPr lang="en-US" sz="1200" b="0" i="0" dirty="0">
+                <a:solidFill>
+                  <a:srgbClr val="000000"/>
+                </a:solidFill>
+                <a:effectLst/>
+                <a:latin typeface="Courier" charset="0"/>
+                <a:ea typeface="Courier" charset="0"/>
+                <a:cs typeface="Courier" charset="0"/>
+              </a:rPr>
+              <a:t>    </a:t>
+            </a:r>
+            <a:r>
+              <a:rPr lang="en-US" sz="1200" b="0" i="0" dirty="0" err="1">
+                <a:solidFill>
+                  <a:srgbClr val="000000"/>
+                </a:solidFill>
+                <a:effectLst/>
+                <a:latin typeface="Courier" charset="0"/>
+                <a:ea typeface="Courier" charset="0"/>
+                <a:cs typeface="Courier" charset="0"/>
+              </a:rPr>
+              <a:t>enumCommands</a:t>
+            </a:r>
+            <a:r>
+              <a:rPr lang="en-US" sz="1200" b="0" i="0" dirty="0">
+                <a:solidFill>
+                  <a:srgbClr val="000000"/>
+                </a:solidFill>
+                <a:effectLst/>
+                <a:latin typeface="Courier" charset="0"/>
+                <a:ea typeface="Courier" charset="0"/>
+                <a:cs typeface="Courier" charset="0"/>
+              </a:rPr>
+              <a:t>:</a:t>
+            </a:r>
+          </a:p>
+          <a:p>
+            <a:r>
+              <a:rPr lang="en-US" sz="1200" b="0" i="0" dirty="0">
+                <a:solidFill>
+                  <a:srgbClr val="000000"/>
+                </a:solidFill>
+                <a:effectLst/>
+                <a:latin typeface="Courier" charset="0"/>
+                <a:ea typeface="Courier" charset="0"/>
+                <a:cs typeface="Courier" charset="0"/>
+              </a:rPr>
+              <a:t>      - command: 'on'</a:t>
+            </a:r>
+          </a:p>
+          <a:p>
+            <a:r>
+              <a:rPr lang="en-US" sz="1200" b="0" i="0" dirty="0">
+                <a:solidFill>
+                  <a:srgbClr val="000000"/>
+                </a:solidFill>
+                <a:effectLst/>
+                <a:latin typeface="Courier" charset="0"/>
+                <a:ea typeface="Courier" charset="0"/>
+                <a:cs typeface="Courier" charset="0"/>
+              </a:rPr>
+              <a:t>        value: 'on'</a:t>
+            </a:r>
+          </a:p>
+          <a:p>
+            <a:r>
+              <a:rPr lang="en-US" sz="1200" b="0" i="0" dirty="0">
+                <a:solidFill>
+                  <a:srgbClr val="000000"/>
+                </a:solidFill>
+                <a:effectLst/>
+                <a:latin typeface="Courier" charset="0"/>
+                <a:ea typeface="Courier" charset="0"/>
+                <a:cs typeface="Courier" charset="0"/>
+              </a:rPr>
+              <a:t>      - command: 'off'</a:t>
+            </a:r>
+          </a:p>
+          <a:p>
+            <a:r>
+              <a:rPr lang="en-US" sz="1200" b="0" i="0" dirty="0">
+                <a:solidFill>
+                  <a:srgbClr val="000000"/>
+                </a:solidFill>
+                <a:effectLst/>
+                <a:latin typeface="Courier" charset="0"/>
+                <a:ea typeface="Courier" charset="0"/>
+                <a:cs typeface="Courier" charset="0"/>
+              </a:rPr>
+              <a:t>        value: 'off'</a:t>
+            </a:r>
+          </a:p>
+          <a:p>
+            <a:r>
+              <a:rPr lang="en-US" sz="1200" b="0" i="0" dirty="0">
+                <a:solidFill>
+                  <a:srgbClr val="000000"/>
+                </a:solidFill>
+                <a:effectLst/>
+                <a:latin typeface="Courier" charset="0"/>
+                <a:ea typeface="Courier" charset="0"/>
+                <a:cs typeface="Courier" charset="0"/>
+              </a:rPr>
+              <a:t>commands:</a:t>
+            </a:r>
+          </a:p>
+          <a:p>
+            <a:r>
+              <a:rPr lang="en-US" sz="1200" b="0" i="0" dirty="0">
+                <a:solidFill>
+                  <a:srgbClr val="000000"/>
+                </a:solidFill>
+                <a:effectLst/>
+                <a:latin typeface="Courier" charset="0"/>
+                <a:ea typeface="Courier" charset="0"/>
+                <a:cs typeface="Courier" charset="0"/>
+              </a:rPr>
+              <a:t>  'off': arguments: []</a:t>
+            </a:r>
+          </a:p>
+          <a:p>
+            <a:r>
+              <a:rPr lang="en-US" sz="1200" b="0" i="0" dirty="0">
+                <a:solidFill>
+                  <a:srgbClr val="000000"/>
+                </a:solidFill>
+                <a:effectLst/>
+                <a:latin typeface="Courier" charset="0"/>
+                <a:ea typeface="Courier" charset="0"/>
+                <a:cs typeface="Courier" charset="0"/>
+              </a:rPr>
+              <a:t>  'on': arguments: []</a:t>
+            </a:r>
+          </a:p>
+          <a:p>
+            <a:r>
+              <a:rPr lang="en-US" sz="1200" b="0" i="0" dirty="0">
+                <a:solidFill>
+                  <a:srgbClr val="000000"/>
+                </a:solidFill>
+                <a:effectLst/>
+                <a:latin typeface="Courier" charset="0"/>
+                <a:ea typeface="Courier" charset="0"/>
+                <a:cs typeface="Courier" charset="0"/>
+              </a:rPr>
+              <a:t>public: true</a:t>
+            </a:r>
+          </a:p>
+          <a:p>
+            <a:r>
+              <a:rPr lang="en-US" sz="1200" b="0" i="0" dirty="0">
+                <a:solidFill>
+                  <a:srgbClr val="000000"/>
+                </a:solidFill>
+                <a:effectLst/>
+                <a:latin typeface="Courier" charset="0"/>
+                <a:ea typeface="Courier" charset="0"/>
+                <a:cs typeface="Courier" charset="0"/>
+              </a:rPr>
+              <a:t>id: switch</a:t>
+            </a:r>
+          </a:p>
+          <a:p>
+            <a:r>
+              <a:rPr lang="en-US" sz="1200" b="0" i="0" dirty="0" err="1">
+                <a:solidFill>
+                  <a:srgbClr val="000000"/>
+                </a:solidFill>
+                <a:effectLst/>
+                <a:latin typeface="Courier" charset="0"/>
+                <a:ea typeface="Courier" charset="0"/>
+                <a:cs typeface="Courier" charset="0"/>
+              </a:rPr>
+              <a:t>ocfResourceType</a:t>
+            </a:r>
+            <a:r>
+              <a:rPr lang="en-US" sz="1200" b="0" i="0" dirty="0">
+                <a:solidFill>
+                  <a:srgbClr val="000000"/>
+                </a:solidFill>
+                <a:effectLst/>
+                <a:latin typeface="Courier" charset="0"/>
+                <a:ea typeface="Courier" charset="0"/>
+                <a:cs typeface="Courier" charset="0"/>
+              </a:rPr>
+              <a:t>: </a:t>
+            </a:r>
+            <a:r>
+              <a:rPr lang="en-US" sz="1200" b="0" i="0" dirty="0" err="1">
+                <a:solidFill>
+                  <a:srgbClr val="000000"/>
+                </a:solidFill>
+                <a:effectLst/>
+                <a:latin typeface="Courier" charset="0"/>
+                <a:ea typeface="Courier" charset="0"/>
+                <a:cs typeface="Courier" charset="0"/>
+              </a:rPr>
+              <a:t>x.com.st.powerswitch</a:t>
+            </a:r>
+            <a:endParaRPr lang="en-US" sz="1200" b="0" i="0" dirty="0">
+              <a:solidFill>
+                <a:srgbClr val="000000"/>
+              </a:solidFill>
+              <a:effectLst/>
+              <a:latin typeface="Courier" charset="0"/>
+              <a:ea typeface="Courier" charset="0"/>
+              <a:cs typeface="Courier" charset="0"/>
+            </a:endParaRPr>
+          </a:p>
+          <a:p>
+            <a:r>
+              <a:rPr lang="en-US" sz="1200" b="0" i="0" dirty="0">
+                <a:solidFill>
+                  <a:srgbClr val="000000"/>
+                </a:solidFill>
+                <a:effectLst/>
+                <a:latin typeface="Courier" charset="0"/>
+                <a:ea typeface="Courier" charset="0"/>
+                <a:cs typeface="Courier" charset="0"/>
+              </a:rPr>
+              <a:t>version: 1</a:t>
+            </a:r>
           </a:p>
         </p:txBody>
       </p:sp>
@@ -15309,18 +15961,17 @@
           <a:lstStyle/>
           <a:p>
             <a:r>
-              <a:rPr lang="en-US" dirty="0" smtClean="0"/>
+              <a:rPr lang="en-US" dirty="0"/>
               <a:t>SmartThings </a:t>
             </a:r>
             <a:r>
-              <a:rPr lang="en-US" dirty="0" err="1" smtClean="0"/>
+              <a:rPr lang="en-US" dirty="0" err="1"/>
               <a:t>DataType</a:t>
             </a:r>
             <a:r>
-              <a:rPr lang="en-US" dirty="0" smtClean="0"/>
+              <a:rPr lang="en-US" dirty="0"/>
               <a:t> Definitions</a:t>
             </a:r>
-            <a:endParaRPr lang="en-US" dirty="0"/>
           </a:p>
         </p:txBody>
       </p:sp>
@@ -15346,7 +15997,7 @@
           <a:lstStyle/>
           <a:p>
             <a:r>
-              <a:rPr lang="en-US" sz="1400" b="0" i="0" dirty="0" smtClean="0">
+              <a:rPr lang="en-US" sz="1400" b="0" i="0" dirty="0">
                 <a:solidFill>
                   <a:srgbClr val="000000"/>
                 </a:solidFill>
@@ -15358,7 +16009,7 @@
               <a:t>title: </a:t>
             </a:r>
             <a:r>
-              <a:rPr lang="en-US" sz="1400" b="0" i="0" dirty="0" err="1" smtClean="0">
+              <a:rPr lang="en-US" sz="1400" b="0" i="0" dirty="0" err="1">
                 <a:solidFill>
                   <a:srgbClr val="000000"/>
                 </a:solidFill>
@@ -15368,83 +16019,6 @@
                 <a:cs typeface="Courier" charset="0"/>
               </a:rPr>
               <a:t>SwitchState</a:t>
-            </a:r>
-            <a:endParaRPr lang="en-US" sz="1400" b="0" i="0" dirty="0" smtClean="0">
-              <a:solidFill>
-                <a:srgbClr val="000000"/>
-              </a:solidFill>
-              <a:effectLst/>
-              <a:latin typeface="Courier" charset="0"/>
-              <a:ea typeface="Courier" charset="0"/>
-              <a:cs typeface="Courier" charset="0"/>
-            </a:endParaRPr>
-          </a:p>
-          <a:p>
-            <a:r>
-              <a:rPr lang="en-US" sz="1400" b="0" i="0" dirty="0" smtClean="0">
-                <a:solidFill>
-                  <a:srgbClr val="000000"/>
-                </a:solidFill>
-                <a:effectLst/>
-                <a:latin typeface="Courier" charset="0"/>
-                <a:ea typeface="Courier" charset="0"/>
-                <a:cs typeface="Courier" charset="0"/>
-              </a:rPr>
-              <a:t>type: string</a:t>
-            </a:r>
-          </a:p>
-          <a:p>
-            <a:r>
-              <a:rPr lang="en-US" sz="1400" b="0" i="0" dirty="0" err="1" smtClean="0">
-                <a:solidFill>
-                  <a:srgbClr val="000000"/>
-                </a:solidFill>
-                <a:effectLst/>
-                <a:latin typeface="Courier" charset="0"/>
-                <a:ea typeface="Courier" charset="0"/>
-                <a:cs typeface="Courier" charset="0"/>
-              </a:rPr>
-              <a:t>enum</a:t>
-            </a:r>
-            <a:r>
-              <a:rPr lang="en-US" sz="1400" b="0" i="0" dirty="0" smtClean="0">
-                <a:solidFill>
-                  <a:srgbClr val="000000"/>
-                </a:solidFill>
-                <a:effectLst/>
-                <a:latin typeface="Courier" charset="0"/>
-                <a:ea typeface="Courier" charset="0"/>
-                <a:cs typeface="Courier" charset="0"/>
-              </a:rPr>
-              <a:t>:</a:t>
-            </a:r>
-          </a:p>
-          <a:p>
-            <a:r>
-              <a:rPr lang="en-US" sz="1400" b="0" i="0" dirty="0" smtClean="0">
-                <a:solidFill>
-                  <a:srgbClr val="000000"/>
-                </a:solidFill>
-                <a:effectLst/>
-                <a:latin typeface="Courier" charset="0"/>
-                <a:ea typeface="Courier" charset="0"/>
-                <a:cs typeface="Courier" charset="0"/>
-              </a:rPr>
-              <a:t>  - 'on'</a:t>
-            </a:r>
-          </a:p>
-          <a:p>
-            <a:r>
-              <a:rPr lang="en-US" sz="1400" b="0" i="0" dirty="0" smtClean="0">
-                <a:solidFill>
-                  <a:srgbClr val="000000"/>
-                </a:solidFill>
-                <a:effectLst/>
-                <a:latin typeface="Courier" charset="0"/>
-                <a:ea typeface="Courier" charset="0"/>
-                <a:cs typeface="Courier" charset="0"/>
-              </a:rPr>
-              <a:t>  - 'off'</a:t>
             </a:r>
             <a:endParaRPr lang="en-US" sz="1400" b="0" i="0" dirty="0">
               <a:solidFill>
@@ -15455,6 +16029,74 @@
               <a:ea typeface="Courier" charset="0"/>
               <a:cs typeface="Courier" charset="0"/>
             </a:endParaRPr>
+          </a:p>
+          <a:p>
+            <a:r>
+              <a:rPr lang="en-US" sz="1400" b="0" i="0" dirty="0">
+                <a:solidFill>
+                  <a:srgbClr val="000000"/>
+                </a:solidFill>
+                <a:effectLst/>
+                <a:latin typeface="Courier" charset="0"/>
+                <a:ea typeface="Courier" charset="0"/>
+                <a:cs typeface="Courier" charset="0"/>
+              </a:rPr>
+              <a:t>type: string</a:t>
+            </a:r>
+          </a:p>
+          <a:p>
+            <a:r>
+              <a:rPr lang="en-US" sz="1400" b="0" i="0" dirty="0" err="1">
+                <a:solidFill>
+                  <a:srgbClr val="000000"/>
+                </a:solidFill>
+                <a:effectLst/>
+                <a:latin typeface="Courier" charset="0"/>
+                <a:ea typeface="Courier" charset="0"/>
+                <a:cs typeface="Courier" charset="0"/>
+              </a:rPr>
+              <a:t>enum</a:t>
+            </a:r>
+            <a:r>
+              <a:rPr lang="en-US" sz="1400" b="0" i="0" dirty="0">
+                <a:solidFill>
+                  <a:srgbClr val="000000"/>
+                </a:solidFill>
+                <a:effectLst/>
+                <a:latin typeface="Courier" charset="0"/>
+                <a:ea typeface="Courier" charset="0"/>
+                <a:cs typeface="Courier" charset="0"/>
+              </a:rPr>
+              <a:t>:</a:t>
+            </a:r>
+          </a:p>
+          <a:p>
+            <a:r>
+              <a:rPr lang="en-US" sz="1400" b="0" i="0" dirty="0">
+                <a:solidFill>
+                  <a:srgbClr val="000000"/>
+                </a:solidFill>
+                <a:effectLst/>
+                <a:latin typeface="Courier" charset="0"/>
+                <a:ea typeface="Courier" charset="0"/>
+                <a:cs typeface="Courier" charset="0"/>
+              </a:rPr>
+              <a:t>  - 'on'</a:t>
+            </a:r>
+          </a:p>
+          <a:p>
+            <a:r>
+              <a:rPr lang="en-US" sz="1400" b="0" i="0" dirty="0">
+                <a:solidFill>
+                  <a:srgbClr val="000000"/>
+                </a:solidFill>
+                <a:effectLst/>
+                <a:latin typeface="Courier" charset="0"/>
+                <a:ea typeface="Courier" charset="0"/>
+                <a:cs typeface="Courier" charset="0"/>
+              </a:rPr>
+              <a:t>  - 'off'</a:t>
+            </a:r>
           </a:p>
         </p:txBody>
       </p:sp>
@@ -15480,7 +16122,7 @@
           <a:lstStyle/>
           <a:p>
             <a:r>
-              <a:rPr lang="en-US" sz="1400" b="0" i="0" dirty="0" smtClean="0">
+              <a:rPr lang="en-US" sz="1400" b="0" i="0" dirty="0">
                 <a:solidFill>
                   <a:srgbClr val="000000"/>
                 </a:solidFill>
@@ -15492,7 +16134,7 @@
               <a:t>title: </a:t>
             </a:r>
             <a:r>
-              <a:rPr lang="en-US" sz="1400" b="0" i="0" dirty="0" err="1" smtClean="0">
+              <a:rPr lang="en-US" sz="1400" b="0" i="0" dirty="0" err="1">
                 <a:solidFill>
                   <a:srgbClr val="000000"/>
                 </a:solidFill>
@@ -15502,219 +16144,6 @@
                 <a:cs typeface="Courier" charset="0"/>
               </a:rPr>
               <a:t>IntegerPercent</a:t>
-            </a:r>
-            <a:endParaRPr lang="en-US" sz="1400" b="0" i="0" dirty="0" smtClean="0">
-              <a:solidFill>
-                <a:srgbClr val="000000"/>
-              </a:solidFill>
-              <a:effectLst/>
-              <a:latin typeface="Courier" charset="0"/>
-              <a:ea typeface="Courier" charset="0"/>
-              <a:cs typeface="Courier" charset="0"/>
-            </a:endParaRPr>
-          </a:p>
-          <a:p>
-            <a:r>
-              <a:rPr lang="en-US" sz="1400" b="0" i="0" dirty="0" smtClean="0">
-                <a:solidFill>
-                  <a:srgbClr val="000000"/>
-                </a:solidFill>
-                <a:effectLst/>
-                <a:latin typeface="Courier" charset="0"/>
-                <a:ea typeface="Courier" charset="0"/>
-                <a:cs typeface="Courier" charset="0"/>
-              </a:rPr>
-              <a:t>type: object</a:t>
-            </a:r>
-          </a:p>
-          <a:p>
-            <a:r>
-              <a:rPr lang="en-US" sz="1400" b="0" i="0" dirty="0" err="1" smtClean="0">
-                <a:solidFill>
-                  <a:srgbClr val="000000"/>
-                </a:solidFill>
-                <a:effectLst/>
-                <a:latin typeface="Courier" charset="0"/>
-                <a:ea typeface="Courier" charset="0"/>
-                <a:cs typeface="Courier" charset="0"/>
-              </a:rPr>
-              <a:t>additionalProperties</a:t>
-            </a:r>
-            <a:r>
-              <a:rPr lang="en-US" sz="1400" b="0" i="0" dirty="0" smtClean="0">
-                <a:solidFill>
-                  <a:srgbClr val="000000"/>
-                </a:solidFill>
-                <a:effectLst/>
-                <a:latin typeface="Courier" charset="0"/>
-                <a:ea typeface="Courier" charset="0"/>
-                <a:cs typeface="Courier" charset="0"/>
-              </a:rPr>
-              <a:t>: false</a:t>
-            </a:r>
-          </a:p>
-          <a:p>
-            <a:r>
-              <a:rPr lang="en-US" sz="1400" b="0" i="0" dirty="0" smtClean="0">
-                <a:solidFill>
-                  <a:srgbClr val="000000"/>
-                </a:solidFill>
-                <a:effectLst/>
-                <a:latin typeface="Courier" charset="0"/>
-                <a:ea typeface="Courier" charset="0"/>
-                <a:cs typeface="Courier" charset="0"/>
-              </a:rPr>
-              <a:t>properties:</a:t>
-            </a:r>
-          </a:p>
-          <a:p>
-            <a:r>
-              <a:rPr lang="en-US" sz="1400" b="0" i="0" dirty="0" smtClean="0">
-                <a:solidFill>
-                  <a:srgbClr val="000000"/>
-                </a:solidFill>
-                <a:effectLst/>
-                <a:latin typeface="Courier" charset="0"/>
-                <a:ea typeface="Courier" charset="0"/>
-                <a:cs typeface="Courier" charset="0"/>
-              </a:rPr>
-              <a:t>  value:</a:t>
-            </a:r>
-          </a:p>
-          <a:p>
-            <a:r>
-              <a:rPr lang="en-US" sz="1400" b="0" i="0" dirty="0" smtClean="0">
-                <a:solidFill>
-                  <a:srgbClr val="000000"/>
-                </a:solidFill>
-                <a:effectLst/>
-                <a:latin typeface="Courier" charset="0"/>
-                <a:ea typeface="Courier" charset="0"/>
-                <a:cs typeface="Courier" charset="0"/>
-              </a:rPr>
-              <a:t>    type: integer</a:t>
-            </a:r>
-          </a:p>
-          <a:p>
-            <a:r>
-              <a:rPr lang="en-US" sz="1400" b="0" i="0" dirty="0" smtClean="0">
-                <a:solidFill>
-                  <a:srgbClr val="000000"/>
-                </a:solidFill>
-                <a:effectLst/>
-                <a:latin typeface="Courier" charset="0"/>
-                <a:ea typeface="Courier" charset="0"/>
-                <a:cs typeface="Courier" charset="0"/>
-              </a:rPr>
-              <a:t>    minimum: 0</a:t>
-            </a:r>
-          </a:p>
-          <a:p>
-            <a:r>
-              <a:rPr lang="en-US" sz="1400" b="0" i="0" dirty="0" smtClean="0">
-                <a:solidFill>
-                  <a:srgbClr val="000000"/>
-                </a:solidFill>
-                <a:effectLst/>
-                <a:latin typeface="Courier" charset="0"/>
-                <a:ea typeface="Courier" charset="0"/>
-                <a:cs typeface="Courier" charset="0"/>
-              </a:rPr>
-              <a:t>    maximum: 100</a:t>
-            </a:r>
-          </a:p>
-          <a:p>
-            <a:r>
-              <a:rPr lang="en-US" sz="1400" b="0" i="0" dirty="0" smtClean="0">
-                <a:solidFill>
-                  <a:srgbClr val="000000"/>
-                </a:solidFill>
-                <a:effectLst/>
-                <a:latin typeface="Courier" charset="0"/>
-                <a:ea typeface="Courier" charset="0"/>
-                <a:cs typeface="Courier" charset="0"/>
-              </a:rPr>
-              <a:t>  unit:</a:t>
-            </a:r>
-          </a:p>
-          <a:p>
-            <a:r>
-              <a:rPr lang="en-US" sz="1400" b="0" i="0" dirty="0" smtClean="0">
-                <a:solidFill>
-                  <a:srgbClr val="000000"/>
-                </a:solidFill>
-                <a:effectLst/>
-                <a:latin typeface="Courier" charset="0"/>
-                <a:ea typeface="Courier" charset="0"/>
-                <a:cs typeface="Courier" charset="0"/>
-              </a:rPr>
-              <a:t>    type: string</a:t>
-            </a:r>
-          </a:p>
-          <a:p>
-            <a:r>
-              <a:rPr lang="en-US" sz="1400" b="0" i="0" dirty="0" smtClean="0">
-                <a:solidFill>
-                  <a:srgbClr val="000000"/>
-                </a:solidFill>
-                <a:effectLst/>
-                <a:latin typeface="Courier" charset="0"/>
-                <a:ea typeface="Courier" charset="0"/>
-                <a:cs typeface="Courier" charset="0"/>
-              </a:rPr>
-              <a:t>    </a:t>
-            </a:r>
-            <a:r>
-              <a:rPr lang="en-US" sz="1400" b="0" i="0" dirty="0" err="1" smtClean="0">
-                <a:solidFill>
-                  <a:srgbClr val="000000"/>
-                </a:solidFill>
-                <a:effectLst/>
-                <a:latin typeface="Courier" charset="0"/>
-                <a:ea typeface="Courier" charset="0"/>
-                <a:cs typeface="Courier" charset="0"/>
-              </a:rPr>
-              <a:t>enum</a:t>
-            </a:r>
-            <a:r>
-              <a:rPr lang="en-US" sz="1400" b="0" i="0" dirty="0" smtClean="0">
-                <a:solidFill>
-                  <a:srgbClr val="000000"/>
-                </a:solidFill>
-                <a:effectLst/>
-                <a:latin typeface="Courier" charset="0"/>
-                <a:ea typeface="Courier" charset="0"/>
-                <a:cs typeface="Courier" charset="0"/>
-              </a:rPr>
-              <a:t>: ['%']</a:t>
-            </a:r>
-          </a:p>
-          <a:p>
-            <a:r>
-              <a:rPr lang="en-US" sz="1400" b="0" i="0" dirty="0" smtClean="0">
-                <a:solidFill>
-                  <a:srgbClr val="000000"/>
-                </a:solidFill>
-                <a:effectLst/>
-                <a:latin typeface="Courier" charset="0"/>
-                <a:ea typeface="Courier" charset="0"/>
-                <a:cs typeface="Courier" charset="0"/>
-              </a:rPr>
-              <a:t>    default: '%'</a:t>
-            </a:r>
-          </a:p>
-          <a:p>
-            <a:r>
-              <a:rPr lang="en-US" sz="1400" b="0" i="0" dirty="0" smtClean="0">
-                <a:solidFill>
-                  <a:srgbClr val="000000"/>
-                </a:solidFill>
-                <a:effectLst/>
-                <a:latin typeface="Courier" charset="0"/>
-                <a:ea typeface="Courier" charset="0"/>
-                <a:cs typeface="Courier" charset="0"/>
-              </a:rPr>
-              <a:t>required: ["value"]</a:t>
             </a:r>
             <a:endParaRPr lang="en-US" sz="1400" b="0" i="0" dirty="0">
               <a:solidFill>
@@ -15725,6 +16154,210 @@
               <a:ea typeface="Courier" charset="0"/>
               <a:cs typeface="Courier" charset="0"/>
             </a:endParaRPr>
+          </a:p>
+          <a:p>
+            <a:r>
+              <a:rPr lang="en-US" sz="1400" b="0" i="0" dirty="0">
+                <a:solidFill>
+                  <a:srgbClr val="000000"/>
+                </a:solidFill>
+                <a:effectLst/>
+                <a:latin typeface="Courier" charset="0"/>
+                <a:ea typeface="Courier" charset="0"/>
+                <a:cs typeface="Courier" charset="0"/>
+              </a:rPr>
+              <a:t>type: object</a:t>
+            </a:r>
+          </a:p>
+          <a:p>
+            <a:r>
+              <a:rPr lang="en-US" sz="1400" b="0" i="0" dirty="0" err="1">
+                <a:solidFill>
+                  <a:srgbClr val="000000"/>
+                </a:solidFill>
+                <a:effectLst/>
+                <a:latin typeface="Courier" charset="0"/>
+                <a:ea typeface="Courier" charset="0"/>
+                <a:cs typeface="Courier" charset="0"/>
+              </a:rPr>
+              <a:t>additionalProperties</a:t>
+            </a:r>
+            <a:r>
+              <a:rPr lang="en-US" sz="1400" b="0" i="0" dirty="0">
+                <a:solidFill>
+                  <a:srgbClr val="000000"/>
+                </a:solidFill>
+                <a:effectLst/>
+                <a:latin typeface="Courier" charset="0"/>
+                <a:ea typeface="Courier" charset="0"/>
+                <a:cs typeface="Courier" charset="0"/>
+              </a:rPr>
+              <a:t>: false</a:t>
+            </a:r>
+          </a:p>
+          <a:p>
+            <a:r>
+              <a:rPr lang="en-US" sz="1400" b="0" i="0" dirty="0">
+                <a:solidFill>
+                  <a:srgbClr val="000000"/>
+                </a:solidFill>
+                <a:effectLst/>
+                <a:latin typeface="Courier" charset="0"/>
+                <a:ea typeface="Courier" charset="0"/>
+                <a:cs typeface="Courier" charset="0"/>
+              </a:rPr>
+              <a:t>properties:</a:t>
+            </a:r>
+          </a:p>
+          <a:p>
+            <a:r>
+              <a:rPr lang="en-US" sz="1400" b="0" i="0" dirty="0">
+                <a:solidFill>
+                  <a:srgbClr val="000000"/>
+                </a:solidFill>
+                <a:effectLst/>
+                <a:latin typeface="Courier" charset="0"/>
+                <a:ea typeface="Courier" charset="0"/>
+                <a:cs typeface="Courier" charset="0"/>
+              </a:rPr>
+              <a:t>  value:</a:t>
+            </a:r>
+          </a:p>
+          <a:p>
+            <a:r>
+              <a:rPr lang="en-US" sz="1400" b="0" i="0" dirty="0">
+                <a:solidFill>
+                  <a:srgbClr val="000000"/>
+                </a:solidFill>
+                <a:effectLst/>
+                <a:latin typeface="Courier" charset="0"/>
+                <a:ea typeface="Courier" charset="0"/>
+                <a:cs typeface="Courier" charset="0"/>
+              </a:rPr>
+              <a:t>    type: integer</a:t>
+            </a:r>
+          </a:p>
+          <a:p>
+            <a:r>
+              <a:rPr lang="en-US" sz="1400" b="0" i="0" dirty="0">
+                <a:solidFill>
+                  <a:srgbClr val="000000"/>
+                </a:solidFill>
+                <a:effectLst/>
+                <a:latin typeface="Courier" charset="0"/>
+                <a:ea typeface="Courier" charset="0"/>
+                <a:cs typeface="Courier" charset="0"/>
+              </a:rPr>
+              <a:t>    minimum: 0</a:t>
+            </a:r>
+          </a:p>
+          <a:p>
+            <a:r>
+              <a:rPr lang="en-US" sz="1400" b="0" i="0" dirty="0">
+                <a:solidFill>
+                  <a:srgbClr val="000000"/>
+                </a:solidFill>
+                <a:effectLst/>
+                <a:latin typeface="Courier" charset="0"/>
+                <a:ea typeface="Courier" charset="0"/>
+                <a:cs typeface="Courier" charset="0"/>
+              </a:rPr>
+              <a:t>    maximum: 100</a:t>
+            </a:r>
+          </a:p>
+          <a:p>
+            <a:r>
+              <a:rPr lang="en-US" sz="1400" b="0" i="0" dirty="0">
+                <a:solidFill>
+                  <a:srgbClr val="000000"/>
+                </a:solidFill>
+                <a:effectLst/>
+                <a:latin typeface="Courier" charset="0"/>
+                <a:ea typeface="Courier" charset="0"/>
+                <a:cs typeface="Courier" charset="0"/>
+              </a:rPr>
+              <a:t>  unit:</a:t>
+            </a:r>
+          </a:p>
+          <a:p>
+            <a:r>
+              <a:rPr lang="en-US" sz="1400" b="0" i="0" dirty="0">
+                <a:solidFill>
+                  <a:srgbClr val="000000"/>
+                </a:solidFill>
+                <a:effectLst/>
+                <a:latin typeface="Courier" charset="0"/>
+                <a:ea typeface="Courier" charset="0"/>
+                <a:cs typeface="Courier" charset="0"/>
+              </a:rPr>
+              <a:t>    type: string</a:t>
+            </a:r>
+          </a:p>
+          <a:p>
+            <a:r>
+              <a:rPr lang="en-US" sz="1400" b="0" i="0" dirty="0">
+                <a:solidFill>
+                  <a:srgbClr val="000000"/>
+                </a:solidFill>
+                <a:effectLst/>
+                <a:latin typeface="Courier" charset="0"/>
+                <a:ea typeface="Courier" charset="0"/>
+                <a:cs typeface="Courier" charset="0"/>
+              </a:rPr>
+              <a:t>    </a:t>
+            </a:r>
+            <a:r>
+              <a:rPr lang="en-US" sz="1400" b="0" i="0" dirty="0" err="1">
+                <a:solidFill>
+                  <a:srgbClr val="000000"/>
+                </a:solidFill>
+                <a:effectLst/>
+                <a:latin typeface="Courier" charset="0"/>
+                <a:ea typeface="Courier" charset="0"/>
+                <a:cs typeface="Courier" charset="0"/>
+              </a:rPr>
+              <a:t>enum</a:t>
+            </a:r>
+            <a:r>
+              <a:rPr lang="en-US" sz="1400" b="0" i="0" dirty="0">
+                <a:solidFill>
+                  <a:srgbClr val="000000"/>
+                </a:solidFill>
+                <a:effectLst/>
+                <a:latin typeface="Courier" charset="0"/>
+                <a:ea typeface="Courier" charset="0"/>
+                <a:cs typeface="Courier" charset="0"/>
+              </a:rPr>
+              <a:t>: ['%']</a:t>
+            </a:r>
+          </a:p>
+          <a:p>
+            <a:r>
+              <a:rPr lang="en-US" sz="1400" b="0" i="0" dirty="0">
+                <a:solidFill>
+                  <a:srgbClr val="000000"/>
+                </a:solidFill>
+                <a:effectLst/>
+                <a:latin typeface="Courier" charset="0"/>
+                <a:ea typeface="Courier" charset="0"/>
+                <a:cs typeface="Courier" charset="0"/>
+              </a:rPr>
+              <a:t>    default: '%'</a:t>
+            </a:r>
+          </a:p>
+          <a:p>
+            <a:r>
+              <a:rPr lang="en-US" sz="1400" b="0" i="0" dirty="0">
+                <a:solidFill>
+                  <a:srgbClr val="000000"/>
+                </a:solidFill>
+                <a:effectLst/>
+                <a:latin typeface="Courier" charset="0"/>
+                <a:ea typeface="Courier" charset="0"/>
+                <a:cs typeface="Courier" charset="0"/>
+              </a:rPr>
+              <a:t>required: ["value"]</a:t>
+            </a:r>
           </a:p>
         </p:txBody>
       </p:sp>
@@ -15866,17 +16499,16 @@
           <a:lstStyle/>
           <a:p>
             <a:r>
-              <a:rPr lang="en-US" dirty="0" smtClean="0"/>
+              <a:rPr lang="en-US" dirty="0"/>
               <a:t>Proposal for a</a:t>
             </a:r>
             <a:br>
-              <a:rPr lang="en-US" dirty="0" smtClean="0"/>
+              <a:rPr lang="en-US" dirty="0"/>
             </a:br>
             <a:r>
-              <a:rPr lang="en-US" dirty="0" smtClean="0"/>
+              <a:rPr lang="en-US" dirty="0"/>
               <a:t>Common Definition Format</a:t>
             </a:r>
-            <a:endParaRPr lang="en-US" dirty="0"/>
           </a:p>
         </p:txBody>
       </p:sp>
@@ -15922,7 +16554,7 @@
           <a:p>
             <a:pPr algn="ctr"/>
             <a:r>
-              <a:rPr lang="en-US" smtClean="0"/>
+              <a:rPr lang="en-US"/>
               <a:t>Common Definition Format</a:t>
             </a:r>
             <a:endParaRPr lang="en-US" dirty="0"/>
@@ -15966,10 +16598,9 @@
           <a:p>
             <a:pPr algn="ctr"/>
             <a:r>
-              <a:rPr lang="en-US" dirty="0" smtClean="0"/>
+              <a:rPr lang="en-US" dirty="0"/>
               <a:t>Extract + Map</a:t>
             </a:r>
-            <a:endParaRPr lang="en-US" dirty="0"/>
           </a:p>
         </p:txBody>
       </p:sp>
@@ -16010,10 +16641,9 @@
           <a:p>
             <a:pPr algn="ctr"/>
             <a:r>
-              <a:rPr lang="en-US" dirty="0" smtClean="0"/>
+              <a:rPr lang="en-US" dirty="0"/>
               <a:t>Extract + Map</a:t>
             </a:r>
-            <a:endParaRPr lang="en-US" dirty="0"/>
           </a:p>
         </p:txBody>
       </p:sp>
@@ -16054,10 +16684,9 @@
           <a:p>
             <a:pPr algn="ctr"/>
             <a:r>
-              <a:rPr lang="en-US" dirty="0" smtClean="0"/>
+              <a:rPr lang="en-US" dirty="0"/>
               <a:t>Extract + Map</a:t>
             </a:r>
-            <a:endParaRPr lang="en-US" dirty="0"/>
           </a:p>
         </p:txBody>
       </p:sp>
@@ -16098,10 +16727,9 @@
           <a:p>
             <a:pPr algn="ctr"/>
             <a:r>
-              <a:rPr lang="en-US" dirty="0" smtClean="0"/>
+              <a:rPr lang="en-US" dirty="0"/>
               <a:t>Device Models</a:t>
             </a:r>
-            <a:endParaRPr lang="en-US" dirty="0"/>
           </a:p>
         </p:txBody>
       </p:sp>
@@ -16142,10 +16770,9 @@
           <a:p>
             <a:pPr algn="ctr"/>
             <a:r>
-              <a:rPr lang="en-US" dirty="0" smtClean="0"/>
+              <a:rPr lang="en-US" dirty="0"/>
               <a:t>Device Models</a:t>
             </a:r>
-            <a:endParaRPr lang="en-US" dirty="0"/>
           </a:p>
         </p:txBody>
       </p:sp>
@@ -16186,10 +16813,9 @@
           <a:p>
             <a:pPr algn="ctr"/>
             <a:r>
-              <a:rPr lang="en-US" dirty="0" smtClean="0"/>
+              <a:rPr lang="en-US" dirty="0"/>
               <a:t>Device Models</a:t>
             </a:r>
-            <a:endParaRPr lang="en-US" dirty="0"/>
           </a:p>
         </p:txBody>
       </p:sp>
@@ -16339,10 +16965,9 @@
           <a:p>
             <a:pPr algn="ctr"/>
             <a:r>
-              <a:rPr lang="en-US" dirty="0" smtClean="0"/>
+              <a:rPr lang="en-US" dirty="0"/>
               <a:t>Common Tools and Model Components, Data Types</a:t>
             </a:r>
-            <a:endParaRPr lang="en-US" dirty="0"/>
           </a:p>
         </p:txBody>
       </p:sp>
@@ -16448,10 +17073,9 @@
           <a:lstStyle/>
           <a:p>
             <a:r>
-              <a:rPr lang="en-US" dirty="0" smtClean="0"/>
+              <a:rPr lang="en-US" dirty="0"/>
               <a:t>Models from Various Device Ecosystems</a:t>
             </a:r>
-            <a:endParaRPr lang="en-US" dirty="0"/>
           </a:p>
         </p:txBody>
       </p:sp>
@@ -16501,12 +17125,8 @@
           <a:lstStyle/>
           <a:p>
             <a:r>
-              <a:rPr lang="en-US" dirty="0" smtClean="0"/>
-              <a:t>Supports This </a:t>
-            </a:r>
-            <a:r>
               <a:rPr lang="en-US" dirty="0"/>
-              <a:t>Pattern</a:t>
+              <a:t>Supports This Pattern</a:t>
             </a:r>
           </a:p>
         </p:txBody>
@@ -16585,7 +17205,7 @@
           <a:p>
             <a:pPr algn="ctr"/>
             <a:r>
-              <a:rPr lang="en-US" b="1" dirty="0" smtClean="0"/>
+              <a:rPr lang="en-US" b="1" dirty="0"/>
               <a:t>Abstract Definitions</a:t>
             </a:r>
           </a:p>
@@ -16595,7 +17215,7 @@
               <a:buChar char="-"/>
             </a:pPr>
             <a:r>
-              <a:rPr lang="en-US" dirty="0" smtClean="0"/>
+              <a:rPr lang="en-US" dirty="0"/>
               <a:t>Events, Actions, Properties</a:t>
             </a:r>
           </a:p>
@@ -16605,10 +17225,9 @@
               <a:buChar char="-"/>
             </a:pPr>
             <a:r>
-              <a:rPr lang="en-US" dirty="0" smtClean="0"/>
+              <a:rPr lang="en-US" dirty="0"/>
               <a:t>Data Definitions </a:t>
             </a:r>
-            <a:endParaRPr lang="en-US" dirty="0"/>
           </a:p>
         </p:txBody>
       </p:sp>
@@ -16635,10 +17254,10 @@
           <a:p>
             <a:pPr algn="ctr"/>
             <a:r>
-              <a:rPr lang="en-US" smtClean="0"/>
+              <a:rPr lang="en-US"/>
               <a:t>Feature Extraction</a:t>
             </a:r>
-            <a:endParaRPr lang="en-US" dirty="0" smtClean="0"/>
+            <a:endParaRPr lang="en-US" dirty="0"/>
           </a:p>
         </p:txBody>
       </p:sp>
@@ -16665,7 +17284,7 @@
           <a:p>
             <a:pPr algn="ctr"/>
             <a:r>
-              <a:rPr lang="en-US" dirty="0" smtClean="0"/>
+              <a:rPr lang="en-US" dirty="0"/>
               <a:t>Protocol Binding</a:t>
             </a:r>
           </a:p>
@@ -16694,22 +17313,22 @@
           <a:p>
             <a:pPr algn="ctr"/>
             <a:r>
-              <a:rPr lang="en-US" dirty="0" smtClean="0"/>
+              <a:rPr lang="en-US" dirty="0"/>
               <a:t>ZCL/</a:t>
             </a:r>
             <a:r>
-              <a:rPr lang="en-US" dirty="0" err="1" smtClean="0"/>
+              <a:rPr lang="en-US" dirty="0" err="1"/>
               <a:t>dotdot</a:t>
             </a:r>
             <a:r>
-              <a:rPr lang="en-US" dirty="0" smtClean="0"/>
+              <a:rPr lang="en-US" dirty="0"/>
               <a:t> Models</a:t>
             </a:r>
           </a:p>
           <a:p>
             <a:pPr algn="ctr"/>
             <a:r>
-              <a:rPr lang="en-US" dirty="0" smtClean="0"/>
+              <a:rPr lang="en-US" dirty="0"/>
               <a:t>XML + XSD</a:t>
             </a:r>
           </a:p>
@@ -16738,14 +17357,14 @@
           <a:p>
             <a:pPr algn="ctr"/>
             <a:r>
-              <a:rPr lang="en-US" dirty="0" smtClean="0"/>
+              <a:rPr lang="en-US" dirty="0"/>
               <a:t>OCF Models</a:t>
             </a:r>
           </a:p>
           <a:p>
             <a:pPr algn="ctr"/>
             <a:r>
-              <a:rPr lang="en-US" dirty="0" smtClean="0"/>
+              <a:rPr lang="en-US" dirty="0"/>
               <a:t>OAS/Swagger</a:t>
             </a:r>
           </a:p>
@@ -16997,13 +17616,6 @@
   <p:clrMapOvr>
     <a:masterClrMapping/>
   </p:clrMapOvr>
-  <p:timing>
-    <p:tnLst>
-      <p:par>
-        <p:cTn id="1" dur="indefinite" restart="never" nodeType="tmRoot"/>
-      </p:par>
-    </p:tnLst>
-  </p:timing>
 </p:sld>
 </file>
 
@@ -17045,10 +17657,9 @@
           <a:lstStyle/>
           <a:p>
             <a:r>
-              <a:rPr lang="en-US" dirty="0" smtClean="0"/>
+              <a:rPr lang="en-US" dirty="0"/>
               <a:t>UML Model</a:t>
             </a:r>
-            <a:endParaRPr lang="en-US" dirty="0"/>
           </a:p>
         </p:txBody>
       </p:sp>
@@ -17105,10 +17716,9 @@
           <a:lstStyle/>
           <a:p>
             <a:r>
-              <a:rPr lang="en-US" dirty="0" smtClean="0"/>
+              <a:rPr lang="en-US" dirty="0"/>
               <a:t>Device Type and Constraints e.g. Thermostat, Light</a:t>
             </a:r>
-            <a:endParaRPr lang="en-US" dirty="0"/>
           </a:p>
         </p:txBody>
       </p:sp>
@@ -17135,22 +17745,21 @@
           <a:lstStyle/>
           <a:p>
             <a:r>
-              <a:rPr lang="en-US" dirty="0" err="1" smtClean="0"/>
+              <a:rPr lang="en-US" dirty="0" err="1"/>
               <a:t>Composable</a:t>
             </a:r>
             <a:r>
-              <a:rPr lang="en-US" dirty="0" smtClean="0"/>
+              <a:rPr lang="en-US" dirty="0"/>
               <a:t> Capabilities e.g. </a:t>
             </a:r>
             <a:r>
-              <a:rPr lang="en-US" dirty="0" err="1" smtClean="0"/>
+              <a:rPr lang="en-US" dirty="0" err="1"/>
               <a:t>onoff</a:t>
             </a:r>
             <a:r>
-              <a:rPr lang="en-US" dirty="0" smtClean="0"/>
+              <a:rPr lang="en-US" dirty="0"/>
               <a:t>, level, temperature</a:t>
             </a:r>
-            <a:endParaRPr lang="en-US" dirty="0"/>
           </a:p>
         </p:txBody>
       </p:sp>
@@ -17177,11 +17786,11 @@
           <a:lstStyle/>
           <a:p>
             <a:r>
-              <a:rPr lang="en-US" dirty="0" smtClean="0"/>
+              <a:rPr lang="en-US" dirty="0"/>
               <a:t>Events, Actions</a:t>
             </a:r>
             <a:r>
-              <a:rPr lang="en-US" smtClean="0"/>
+              <a:rPr lang="en-US"/>
               <a:t>, Properties</a:t>
             </a:r>
             <a:endParaRPr lang="en-US" dirty="0"/>
@@ -17211,11 +17820,11 @@
           <a:lstStyle/>
           <a:p>
             <a:r>
-              <a:rPr lang="en-US" dirty="0" smtClean="0"/>
+              <a:rPr lang="en-US" dirty="0"/>
               <a:t>Data Types, </a:t>
             </a:r>
             <a:r>
-              <a:rPr lang="en-US" dirty="0" err="1" smtClean="0"/>
+              <a:rPr lang="en-US" dirty="0" err="1"/>
               <a:t>Enums</a:t>
             </a:r>
             <a:endParaRPr lang="en-US" dirty="0"/>
@@ -17273,10 +17882,9 @@
           <a:lstStyle/>
           <a:p>
             <a:r>
-              <a:rPr lang="en-US" dirty="0" smtClean="0"/>
+              <a:rPr lang="en-US" dirty="0"/>
               <a:t>Examples</a:t>
             </a:r>
-            <a:endParaRPr lang="en-US" dirty="0"/>
           </a:p>
         </p:txBody>
       </p:sp>
@@ -17297,85 +17905,87 @@
           </a:xfrm>
         </p:spPr>
         <p:txBody>
-          <a:bodyPr/>
+          <a:bodyPr>
+            <a:normAutofit fontScale="92500" lnSpcReduction="10000"/>
+          </a:bodyPr>
           <a:lstStyle/>
           <a:p>
             <a:r>
-              <a:rPr lang="en-US" dirty="0" smtClean="0"/>
+              <a:rPr lang="en-US" dirty="0"/>
               <a:t>JSON-LD (JSON format with RDF extensions)</a:t>
             </a:r>
           </a:p>
           <a:p>
             <a:r>
-              <a:rPr lang="en-US" dirty="0" smtClean="0"/>
+              <a:rPr lang="en-US" dirty="0"/>
               <a:t>Files for semantic definitions of specific types:</a:t>
             </a:r>
           </a:p>
           <a:p>
             <a:pPr lvl="1"/>
             <a:r>
-              <a:rPr lang="en-US" dirty="0" smtClean="0"/>
+              <a:rPr lang="en-US" dirty="0"/>
               <a:t>Thing (Device level definitions)</a:t>
             </a:r>
           </a:p>
           <a:p>
             <a:pPr lvl="1"/>
             <a:r>
-              <a:rPr lang="en-US" dirty="0" smtClean="0"/>
+              <a:rPr lang="en-US" dirty="0"/>
               <a:t>Capability (</a:t>
             </a:r>
             <a:r>
-              <a:rPr lang="en-US" dirty="0" err="1" smtClean="0"/>
+              <a:rPr lang="en-US" dirty="0" err="1"/>
               <a:t>onoff</a:t>
             </a:r>
             <a:r>
-              <a:rPr lang="en-US" dirty="0" smtClean="0"/>
+              <a:rPr lang="en-US" dirty="0"/>
               <a:t>, level</a:t>
             </a:r>
             <a:r>
-              <a:rPr lang="mr-IN" dirty="0" smtClean="0"/>
+              <a:rPr lang="mr-IN" dirty="0"/>
               <a:t>…</a:t>
             </a:r>
             <a:r>
-              <a:rPr lang="en-US" dirty="0" smtClean="0"/>
+              <a:rPr lang="en-US" dirty="0"/>
               <a:t>)</a:t>
             </a:r>
           </a:p>
           <a:p>
             <a:pPr lvl="1"/>
             <a:r>
-              <a:rPr lang="en-US" dirty="0" err="1" smtClean="0"/>
+              <a:rPr lang="en-US" dirty="0" err="1"/>
               <a:t>InteractionAffordance</a:t>
             </a:r>
             <a:r>
-              <a:rPr lang="en-US" dirty="0" smtClean="0"/>
+              <a:rPr lang="en-US" dirty="0"/>
               <a:t> (Event, Action, Property)</a:t>
             </a:r>
           </a:p>
           <a:p>
             <a:pPr lvl="1"/>
             <a:r>
-              <a:rPr lang="en-US" dirty="0" smtClean="0"/>
+              <a:rPr lang="en-US" dirty="0"/>
               <a:t>Data Types (value types, </a:t>
             </a:r>
             <a:r>
-              <a:rPr lang="en-US" dirty="0" err="1" smtClean="0"/>
+              <a:rPr lang="en-US" dirty="0" err="1"/>
               <a:t>enums</a:t>
             </a:r>
             <a:r>
-              <a:rPr lang="en-US" dirty="0" smtClean="0"/>
+              <a:rPr lang="en-US" dirty="0"/>
               <a:t>)</a:t>
             </a:r>
           </a:p>
           <a:p>
             <a:r>
-              <a:rPr lang="en-US" dirty="0" smtClean="0"/>
+              <a:rPr lang="en-US" dirty="0"/>
               <a:t>Definition hierarchy follows the UML model</a:t>
             </a:r>
           </a:p>
           <a:p>
             <a:r>
-              <a:rPr lang="en-US" dirty="0" smtClean="0"/>
+              <a:rPr lang="en-US" dirty="0"/>
               <a:t>Core schema for the UML model in JSON-LD</a:t>
             </a:r>
           </a:p>
@@ -17414,11 +18024,11 @@
               </a:rPr>
               <a:t>/ODM-Examples</a:t>
             </a:r>
-            <a:endParaRPr lang="en-US" dirty="0" smtClean="0"/>
-          </a:p>
-          <a:p>
-            <a:r>
-              <a:rPr lang="en-US" dirty="0" smtClean="0"/>
+            <a:endParaRPr lang="en-US" dirty="0"/>
+          </a:p>
+          <a:p>
+            <a:r>
+              <a:rPr lang="en-US" dirty="0"/>
               <a:t>(TBD) Thing definitions to apply optionality to  Capability sets, Interactions, and Data Types</a:t>
             </a:r>
           </a:p>

--- a/ODM-CDF.pptx
+++ b/ODM-CDF.pptx
@@ -5,7 +5,7 @@
     <p:sldMasterId id="2147483660" r:id="rId1"/>
   </p:sldMasterIdLst>
   <p:notesMasterIdLst>
-    <p:notesMasterId r:id="rId29"/>
+    <p:notesMasterId r:id="rId30"/>
   </p:notesMasterIdLst>
   <p:sldIdLst>
     <p:sldId id="258" r:id="rId2"/>
@@ -34,7 +34,8 @@
     <p:sldId id="284" r:id="rId25"/>
     <p:sldId id="281" r:id="rId26"/>
     <p:sldId id="282" r:id="rId27"/>
-    <p:sldId id="283" r:id="rId28"/>
+    <p:sldId id="285" r:id="rId28"/>
+    <p:sldId id="283" r:id="rId29"/>
   </p:sldIdLst>
   <p:sldSz cx="9144000" cy="6858000" type="letter"/>
   <p:notesSz cx="6858000" cy="9144000"/>
@@ -223,7 +224,7 @@
           <a:p>
             <a:fld id="{CAA8BD54-1B67-094F-844E-AC8F37AF9E32}" type="datetimeFigureOut">
               <a:rPr lang="en-US" smtClean="0"/>
-              <a:t>3/20/19</a:t>
+              <a:t>3/21/19</a:t>
             </a:fld>
             <a:endParaRPr lang="en-US"/>
           </a:p>
@@ -621,7 +622,7 @@
           <a:p>
             <a:fld id="{5D1B769D-4479-6C4A-BB04-AB0258055D9C}" type="datetimeFigureOut">
               <a:rPr lang="en-US" smtClean="0"/>
-              <a:t>3/20/19</a:t>
+              <a:t>3/21/19</a:t>
             </a:fld>
             <a:endParaRPr lang="en-US"/>
           </a:p>
@@ -786,7 +787,7 @@
           <a:p>
             <a:fld id="{5D1B769D-4479-6C4A-BB04-AB0258055D9C}" type="datetimeFigureOut">
               <a:rPr lang="en-US" smtClean="0"/>
-              <a:t>3/20/19</a:t>
+              <a:t>3/21/19</a:t>
             </a:fld>
             <a:endParaRPr lang="en-US"/>
           </a:p>
@@ -961,7 +962,7 @@
           <a:p>
             <a:fld id="{5D1B769D-4479-6C4A-BB04-AB0258055D9C}" type="datetimeFigureOut">
               <a:rPr lang="en-US" smtClean="0"/>
-              <a:t>3/20/19</a:t>
+              <a:t>3/21/19</a:t>
             </a:fld>
             <a:endParaRPr lang="en-US"/>
           </a:p>
@@ -1126,7 +1127,7 @@
           <a:p>
             <a:fld id="{5D1B769D-4479-6C4A-BB04-AB0258055D9C}" type="datetimeFigureOut">
               <a:rPr lang="en-US" smtClean="0"/>
-              <a:t>3/20/19</a:t>
+              <a:t>3/21/19</a:t>
             </a:fld>
             <a:endParaRPr lang="en-US"/>
           </a:p>
@@ -1365,7 +1366,7 @@
           <a:p>
             <a:fld id="{5D1B769D-4479-6C4A-BB04-AB0258055D9C}" type="datetimeFigureOut">
               <a:rPr lang="en-US" smtClean="0"/>
-              <a:t>3/20/19</a:t>
+              <a:t>3/21/19</a:t>
             </a:fld>
             <a:endParaRPr lang="en-US"/>
           </a:p>
@@ -1592,7 +1593,7 @@
           <a:p>
             <a:fld id="{5D1B769D-4479-6C4A-BB04-AB0258055D9C}" type="datetimeFigureOut">
               <a:rPr lang="en-US" smtClean="0"/>
-              <a:t>3/20/19</a:t>
+              <a:t>3/21/19</a:t>
             </a:fld>
             <a:endParaRPr lang="en-US"/>
           </a:p>
@@ -1954,7 +1955,7 @@
           <a:p>
             <a:fld id="{5D1B769D-4479-6C4A-BB04-AB0258055D9C}" type="datetimeFigureOut">
               <a:rPr lang="en-US" smtClean="0"/>
-              <a:t>3/20/19</a:t>
+              <a:t>3/21/19</a:t>
             </a:fld>
             <a:endParaRPr lang="en-US"/>
           </a:p>
@@ -2067,7 +2068,7 @@
           <a:p>
             <a:fld id="{5D1B769D-4479-6C4A-BB04-AB0258055D9C}" type="datetimeFigureOut">
               <a:rPr lang="en-US" smtClean="0"/>
-              <a:t>3/20/19</a:t>
+              <a:t>3/21/19</a:t>
             </a:fld>
             <a:endParaRPr lang="en-US"/>
           </a:p>
@@ -2157,7 +2158,7 @@
           <a:p>
             <a:fld id="{5D1B769D-4479-6C4A-BB04-AB0258055D9C}" type="datetimeFigureOut">
               <a:rPr lang="en-US" smtClean="0"/>
-              <a:t>3/20/19</a:t>
+              <a:t>3/21/19</a:t>
             </a:fld>
             <a:endParaRPr lang="en-US"/>
           </a:p>
@@ -2429,7 +2430,7 @@
           <a:p>
             <a:fld id="{5D1B769D-4479-6C4A-BB04-AB0258055D9C}" type="datetimeFigureOut">
               <a:rPr lang="en-US" smtClean="0"/>
-              <a:t>3/20/19</a:t>
+              <a:t>3/21/19</a:t>
             </a:fld>
             <a:endParaRPr lang="en-US"/>
           </a:p>
@@ -2681,7 +2682,7 @@
           <a:p>
             <a:fld id="{5D1B769D-4479-6C4A-BB04-AB0258055D9C}" type="datetimeFigureOut">
               <a:rPr lang="en-US" smtClean="0"/>
-              <a:t>3/20/19</a:t>
+              <a:t>3/21/19</a:t>
             </a:fld>
             <a:endParaRPr lang="en-US"/>
           </a:p>
@@ -2889,7 +2890,7 @@
           <a:p>
             <a:fld id="{5D1B769D-4479-6C4A-BB04-AB0258055D9C}" type="datetimeFigureOut">
               <a:rPr lang="en-US" smtClean="0"/>
-              <a:t>3/20/19</a:t>
+              <a:t>3/21/19</a:t>
             </a:fld>
             <a:endParaRPr lang="en-US"/>
           </a:p>
@@ -11706,7 +11707,7 @@
           <p:cNvPr id="2" name="Title 1">
             <a:extLst>
               <a:ext uri="{FF2B5EF4-FFF2-40B4-BE49-F238E27FC236}">
-                <a16:creationId xmlns:a16="http://schemas.microsoft.com/office/drawing/2014/main" id="{F7AC3872-664A-CC4C-BDC5-D61C47E371A8}"/>
+                <a16:creationId xmlns:a16="http://schemas.microsoft.com/office/drawing/2014/main" xmlns="" id="{F7AC3872-664A-CC4C-BDC5-D61C47E371A8}"/>
               </a:ext>
             </a:extLst>
           </p:cNvPr>
@@ -11734,7 +11735,7 @@
           <p:cNvPr id="4" name="Rectangle 3">
             <a:extLst>
               <a:ext uri="{FF2B5EF4-FFF2-40B4-BE49-F238E27FC236}">
-                <a16:creationId xmlns:a16="http://schemas.microsoft.com/office/drawing/2014/main" id="{25A414E1-7B5A-954D-870E-9256C72726D7}"/>
+                <a16:creationId xmlns:a16="http://schemas.microsoft.com/office/drawing/2014/main" xmlns="" id="{25A414E1-7B5A-954D-870E-9256C72726D7}"/>
               </a:ext>
             </a:extLst>
           </p:cNvPr>
@@ -11783,7 +11784,7 @@
           <p:cNvPr id="5" name="Rectangle 4">
             <a:extLst>
               <a:ext uri="{FF2B5EF4-FFF2-40B4-BE49-F238E27FC236}">
-                <a16:creationId xmlns:a16="http://schemas.microsoft.com/office/drawing/2014/main" id="{F020A002-4477-F840-B48B-78C3A1552DA0}"/>
+                <a16:creationId xmlns:a16="http://schemas.microsoft.com/office/drawing/2014/main" xmlns="" id="{F020A002-4477-F840-B48B-78C3A1552DA0}"/>
               </a:ext>
             </a:extLst>
           </p:cNvPr>
@@ -11832,7 +11833,7 @@
           <p:cNvPr id="6" name="TextBox 5">
             <a:extLst>
               <a:ext uri="{FF2B5EF4-FFF2-40B4-BE49-F238E27FC236}">
-                <a16:creationId xmlns:a16="http://schemas.microsoft.com/office/drawing/2014/main" id="{F7902DFD-780E-7D48-9304-ECD24AFA11AB}"/>
+                <a16:creationId xmlns:a16="http://schemas.microsoft.com/office/drawing/2014/main" xmlns="" id="{F7902DFD-780E-7D48-9304-ECD24AFA11AB}"/>
               </a:ext>
             </a:extLst>
           </p:cNvPr>
@@ -11864,7 +11865,7 @@
           <p:cNvPr id="7" name="Rectangle 6">
             <a:extLst>
               <a:ext uri="{FF2B5EF4-FFF2-40B4-BE49-F238E27FC236}">
-                <a16:creationId xmlns:a16="http://schemas.microsoft.com/office/drawing/2014/main" id="{94CB2F40-E770-734E-AC93-EDBFC660CFC7}"/>
+                <a16:creationId xmlns:a16="http://schemas.microsoft.com/office/drawing/2014/main" xmlns="" id="{94CB2F40-E770-734E-AC93-EDBFC660CFC7}"/>
               </a:ext>
             </a:extLst>
           </p:cNvPr>
@@ -11913,7 +11914,7 @@
           <p:cNvPr id="9" name="Rectangle 8">
             <a:extLst>
               <a:ext uri="{FF2B5EF4-FFF2-40B4-BE49-F238E27FC236}">
-                <a16:creationId xmlns:a16="http://schemas.microsoft.com/office/drawing/2014/main" id="{813B3CA8-929C-F24A-8167-085E5F94FEB8}"/>
+                <a16:creationId xmlns:a16="http://schemas.microsoft.com/office/drawing/2014/main" xmlns="" id="{813B3CA8-929C-F24A-8167-085E5F94FEB8}"/>
               </a:ext>
             </a:extLst>
           </p:cNvPr>
@@ -11963,7 +11964,7 @@
           <p:cNvPr id="15" name="Rectangle 14">
             <a:extLst>
               <a:ext uri="{FF2B5EF4-FFF2-40B4-BE49-F238E27FC236}">
-                <a16:creationId xmlns:a16="http://schemas.microsoft.com/office/drawing/2014/main" id="{01013A0E-A90D-6842-B724-9E245A0BF9C9}"/>
+                <a16:creationId xmlns:a16="http://schemas.microsoft.com/office/drawing/2014/main" xmlns="" id="{01013A0E-A90D-6842-B724-9E245A0BF9C9}"/>
               </a:ext>
             </a:extLst>
           </p:cNvPr>
@@ -12020,7 +12021,7 @@
           <p:cNvPr id="16" name="Rectangle 15">
             <a:extLst>
               <a:ext uri="{FF2B5EF4-FFF2-40B4-BE49-F238E27FC236}">
-                <a16:creationId xmlns:a16="http://schemas.microsoft.com/office/drawing/2014/main" id="{F2BE2857-95D3-8940-BD4F-8786E6D26DD0}"/>
+                <a16:creationId xmlns:a16="http://schemas.microsoft.com/office/drawing/2014/main" xmlns="" id="{F2BE2857-95D3-8940-BD4F-8786E6D26DD0}"/>
               </a:ext>
             </a:extLst>
           </p:cNvPr>
@@ -12077,7 +12078,7 @@
           <p:cNvPr id="17" name="Rectangle 16">
             <a:extLst>
               <a:ext uri="{FF2B5EF4-FFF2-40B4-BE49-F238E27FC236}">
-                <a16:creationId xmlns:a16="http://schemas.microsoft.com/office/drawing/2014/main" id="{55DBE446-2F63-0148-A211-436F566151E7}"/>
+                <a16:creationId xmlns:a16="http://schemas.microsoft.com/office/drawing/2014/main" xmlns="" id="{55DBE446-2F63-0148-A211-436F566151E7}"/>
               </a:ext>
             </a:extLst>
           </p:cNvPr>
@@ -12134,7 +12135,7 @@
           <p:cNvPr id="18" name="Rectangle 17">
             <a:extLst>
               <a:ext uri="{FF2B5EF4-FFF2-40B4-BE49-F238E27FC236}">
-                <a16:creationId xmlns:a16="http://schemas.microsoft.com/office/drawing/2014/main" id="{A1CEFAE2-5FFA-B94F-8693-ED46EDD63F38}"/>
+                <a16:creationId xmlns:a16="http://schemas.microsoft.com/office/drawing/2014/main" xmlns="" id="{A1CEFAE2-5FFA-B94F-8693-ED46EDD63F38}"/>
               </a:ext>
             </a:extLst>
           </p:cNvPr>
@@ -12191,7 +12192,7 @@
           <p:cNvPr id="20" name="TextBox 19">
             <a:extLst>
               <a:ext uri="{FF2B5EF4-FFF2-40B4-BE49-F238E27FC236}">
-                <a16:creationId xmlns:a16="http://schemas.microsoft.com/office/drawing/2014/main" id="{96B30896-74FD-C24C-B7BB-BDD3ED76798A}"/>
+                <a16:creationId xmlns:a16="http://schemas.microsoft.com/office/drawing/2014/main" xmlns="" id="{96B30896-74FD-C24C-B7BB-BDD3ED76798A}"/>
               </a:ext>
             </a:extLst>
           </p:cNvPr>
@@ -12226,7 +12227,7 @@
           <p:cNvPr id="21" name="TextBox 20">
             <a:extLst>
               <a:ext uri="{FF2B5EF4-FFF2-40B4-BE49-F238E27FC236}">
-                <a16:creationId xmlns:a16="http://schemas.microsoft.com/office/drawing/2014/main" id="{76D67C6A-710A-0A4C-9B52-E4F5E98E9191}"/>
+                <a16:creationId xmlns:a16="http://schemas.microsoft.com/office/drawing/2014/main" xmlns="" id="{76D67C6A-710A-0A4C-9B52-E4F5E98E9191}"/>
               </a:ext>
             </a:extLst>
           </p:cNvPr>
@@ -12261,7 +12262,7 @@
           <p:cNvPr id="23" name="Straight Arrow Connector 22">
             <a:extLst>
               <a:ext uri="{FF2B5EF4-FFF2-40B4-BE49-F238E27FC236}">
-                <a16:creationId xmlns:a16="http://schemas.microsoft.com/office/drawing/2014/main" id="{1F6F2B3D-250C-084C-90ED-0F82EC25DFDC}"/>
+                <a16:creationId xmlns:a16="http://schemas.microsoft.com/office/drawing/2014/main" xmlns="" id="{1F6F2B3D-250C-084C-90ED-0F82EC25DFDC}"/>
               </a:ext>
             </a:extLst>
           </p:cNvPr>
@@ -12307,7 +12308,7 @@
           <p:cNvPr id="25" name="Straight Arrow Connector 24">
             <a:extLst>
               <a:ext uri="{FF2B5EF4-FFF2-40B4-BE49-F238E27FC236}">
-                <a16:creationId xmlns:a16="http://schemas.microsoft.com/office/drawing/2014/main" id="{F3109D8F-F041-2742-9A45-B1F14C1A499C}"/>
+                <a16:creationId xmlns:a16="http://schemas.microsoft.com/office/drawing/2014/main" xmlns="" id="{F3109D8F-F041-2742-9A45-B1F14C1A499C}"/>
               </a:ext>
             </a:extLst>
           </p:cNvPr>
@@ -12351,7 +12352,7 @@
           <p:cNvPr id="26" name="Straight Arrow Connector 25">
             <a:extLst>
               <a:ext uri="{FF2B5EF4-FFF2-40B4-BE49-F238E27FC236}">
-                <a16:creationId xmlns:a16="http://schemas.microsoft.com/office/drawing/2014/main" id="{9AB1BE36-FEA9-AB4A-92EC-79E2B1ED2B5F}"/>
+                <a16:creationId xmlns:a16="http://schemas.microsoft.com/office/drawing/2014/main" xmlns="" id="{9AB1BE36-FEA9-AB4A-92EC-79E2B1ED2B5F}"/>
               </a:ext>
             </a:extLst>
           </p:cNvPr>
@@ -12395,7 +12396,7 @@
           <p:cNvPr id="27" name="Straight Arrow Connector 26">
             <a:extLst>
               <a:ext uri="{FF2B5EF4-FFF2-40B4-BE49-F238E27FC236}">
-                <a16:creationId xmlns:a16="http://schemas.microsoft.com/office/drawing/2014/main" id="{31BB1E19-F486-9F4E-A400-8D46E3496B3C}"/>
+                <a16:creationId xmlns:a16="http://schemas.microsoft.com/office/drawing/2014/main" xmlns="" id="{31BB1E19-F486-9F4E-A400-8D46E3496B3C}"/>
               </a:ext>
             </a:extLst>
           </p:cNvPr>
@@ -12439,7 +12440,7 @@
           <p:cNvPr id="33" name="Right Brace 32">
             <a:extLst>
               <a:ext uri="{FF2B5EF4-FFF2-40B4-BE49-F238E27FC236}">
-                <a16:creationId xmlns:a16="http://schemas.microsoft.com/office/drawing/2014/main" id="{5A17CF90-A157-254C-852B-E692D446776E}"/>
+                <a16:creationId xmlns:a16="http://schemas.microsoft.com/office/drawing/2014/main" xmlns="" id="{5A17CF90-A157-254C-852B-E692D446776E}"/>
               </a:ext>
             </a:extLst>
           </p:cNvPr>
@@ -12488,7 +12489,7 @@
           <p:cNvPr id="34" name="TextBox 33">
             <a:extLst>
               <a:ext uri="{FF2B5EF4-FFF2-40B4-BE49-F238E27FC236}">
-                <a16:creationId xmlns:a16="http://schemas.microsoft.com/office/drawing/2014/main" id="{E4CD285D-531C-784A-A22E-F4B496901D17}"/>
+                <a16:creationId xmlns:a16="http://schemas.microsoft.com/office/drawing/2014/main" xmlns="" id="{E4CD285D-531C-784A-A22E-F4B496901D17}"/>
               </a:ext>
             </a:extLst>
           </p:cNvPr>
@@ -13030,28 +13031,42 @@
             <p:ph type="title"/>
           </p:nvPr>
         </p:nvSpPr>
-        <p:spPr/>
+        <p:spPr>
+          <a:xfrm>
+            <a:off x="649432" y="84572"/>
+            <a:ext cx="7886700" cy="1325563"/>
+          </a:xfrm>
+        </p:spPr>
         <p:txBody>
           <a:bodyPr/>
           <a:lstStyle/>
           <a:p>
             <a:r>
               <a:rPr lang="en-US" dirty="0"/>
-              <a:t>OCF Definition with annotations</a:t>
-            </a:r>
+              <a:t>OCF Definition </a:t>
+            </a:r>
+            <a:r>
+              <a:rPr lang="en-US" dirty="0" smtClean="0"/>
+              <a:t>with annotated  </a:t>
+            </a:r>
+            <a:r>
+              <a:rPr lang="en-US" dirty="0" smtClean="0"/>
+              <a:t>paths and operations </a:t>
+            </a:r>
+            <a:endParaRPr lang="en-US" dirty="0"/>
           </a:p>
         </p:txBody>
       </p:sp>
       <p:sp>
         <p:nvSpPr>
-          <p:cNvPr id="3" name="Rectangle 2"/>
+          <p:cNvPr id="4" name="Rectangle 3"/>
           <p:cNvSpPr/>
           <p:nvPr/>
         </p:nvSpPr>
         <p:spPr>
           <a:xfrm>
-            <a:off x="1211580" y="1690689"/>
-            <a:ext cx="5806440" cy="4801314"/>
+            <a:off x="820882" y="1625314"/>
+            <a:ext cx="7086600" cy="4770537"/>
           </a:xfrm>
           <a:prstGeom prst="rect">
             <a:avLst/>
@@ -13064,183 +13079,423 @@
           <a:lstStyle/>
           <a:p>
             <a:r>
-              <a:rPr lang="is-IS" dirty="0">
-                <a:solidFill>
-                  <a:srgbClr val="000000"/>
-                </a:solidFill>
-                <a:latin typeface="Helvetica" charset="0"/>
-              </a:rPr>
-              <a:t>          (...)</a:t>
-            </a:r>
-          </a:p>
-          <a:p>
-            <a:r>
-              <a:rPr lang="is-IS" dirty="0">
-                <a:solidFill>
-                  <a:srgbClr val="000000"/>
-                </a:solidFill>
-                <a:latin typeface="Helvetica" charset="0"/>
-              </a:rPr>
-              <a:t>          "minItems": 1,</a:t>
-            </a:r>
-          </a:p>
-          <a:p>
-            <a:r>
-              <a:rPr lang="is-IS" dirty="0">
-                <a:solidFill>
-                  <a:srgbClr val="000000"/>
-                </a:solidFill>
-                <a:latin typeface="Helvetica" charset="0"/>
-              </a:rPr>
-              <a:t>          "readOnly": true,</a:t>
-            </a:r>
-          </a:p>
-          <a:p>
-            <a:r>
-              <a:rPr lang="is-IS" dirty="0">
-                <a:solidFill>
-                  <a:srgbClr val="000000"/>
-                </a:solidFill>
-                <a:latin typeface="Helvetica" charset="0"/>
-              </a:rPr>
-              <a:t>          "type": "array"</a:t>
-            </a:r>
-          </a:p>
-          <a:p>
-            <a:r>
-              <a:rPr lang="is-IS" dirty="0">
-                <a:solidFill>
-                  <a:srgbClr val="000000"/>
-                </a:solidFill>
-                <a:latin typeface="Helvetica" charset="0"/>
-              </a:rPr>
-              <a:t>        },</a:t>
-            </a:r>
-          </a:p>
-          <a:p>
-            <a:r>
-              <a:rPr lang="is-IS" dirty="0">
-                <a:solidFill>
-                  <a:srgbClr val="000000"/>
-                </a:solidFill>
-                <a:latin typeface="Helvetica" charset="0"/>
-              </a:rPr>
-              <a:t>        "value" :</a:t>
-            </a:r>
-          </a:p>
-          <a:p>
-            <a:r>
-              <a:rPr lang="is-IS" dirty="0">
-                <a:solidFill>
-                  <a:srgbClr val="000000"/>
-                </a:solidFill>
-                <a:latin typeface="Helvetica" charset="0"/>
-              </a:rPr>
-              <a:t>                {</a:t>
-            </a:r>
-          </a:p>
-          <a:p>
-            <a:r>
-              <a:rPr lang="is-IS" dirty="0">
-                <a:solidFill>
-                  <a:srgbClr val="000000"/>
-                </a:solidFill>
-                <a:latin typeface="Helvetica" charset="0"/>
-              </a:rPr>
-              <a:t>          </a:t>
-            </a:r>
-            <a:r>
-              <a:rPr lang="is-IS" dirty="0">
+              <a:rPr lang="en-US" sz="1600" dirty="0">
+                <a:latin typeface="Courier" charset="0"/>
+                <a:ea typeface="Courier" charset="0"/>
+                <a:cs typeface="Courier" charset="0"/>
+              </a:rPr>
+              <a:t>  "paths": {</a:t>
+            </a:r>
+          </a:p>
+          <a:p>
+            <a:r>
+              <a:rPr lang="en-US" sz="1600" dirty="0">
+                <a:latin typeface="Courier" charset="0"/>
+                <a:ea typeface="Courier" charset="0"/>
+                <a:cs typeface="Courier" charset="0"/>
+              </a:rPr>
+              <a:t>    "/</a:t>
+            </a:r>
+            <a:r>
+              <a:rPr lang="en-US" sz="1600" dirty="0" err="1">
+                <a:latin typeface="Courier" charset="0"/>
+                <a:ea typeface="Courier" charset="0"/>
+                <a:cs typeface="Courier" charset="0"/>
+              </a:rPr>
+              <a:t>BinarySwitchResURI</a:t>
+            </a:r>
+            <a:r>
+              <a:rPr lang="en-US" sz="1600" dirty="0">
+                <a:latin typeface="Courier" charset="0"/>
+                <a:ea typeface="Courier" charset="0"/>
+                <a:cs typeface="Courier" charset="0"/>
+              </a:rPr>
+              <a:t>" : {</a:t>
+            </a:r>
+          </a:p>
+          <a:p>
+            <a:r>
+              <a:rPr lang="en-US" sz="1600" dirty="0">
+                <a:latin typeface="Courier" charset="0"/>
+                <a:ea typeface="Courier" charset="0"/>
+                <a:cs typeface="Courier" charset="0"/>
+              </a:rPr>
+              <a:t>      "@type": [</a:t>
+            </a:r>
+          </a:p>
+          <a:p>
+            <a:r>
+              <a:rPr lang="en-US" sz="1600" dirty="0">
+                <a:latin typeface="Courier" charset="0"/>
+                <a:ea typeface="Courier" charset="0"/>
+                <a:cs typeface="Courier" charset="0"/>
+              </a:rPr>
+              <a:t>        "</a:t>
+            </a:r>
+            <a:r>
+              <a:rPr lang="en-US" sz="1600" dirty="0" err="1">
                 <a:solidFill>
                   <a:srgbClr val="FF0000"/>
                 </a:solidFill>
-                <a:latin typeface="Helvetica" charset="0"/>
-              </a:rPr>
-              <a:t>"@type": [</a:t>
-            </a:r>
-          </a:p>
-          <a:p>
-            <a:r>
-              <a:rPr lang="is-IS" dirty="0">
+                <a:latin typeface="Courier" charset="0"/>
+                <a:ea typeface="Courier" charset="0"/>
+                <a:cs typeface="Courier" charset="0"/>
+              </a:rPr>
+              <a:t>ocf:BinarySwitch.valueProperty</a:t>
+            </a:r>
+            <a:r>
+              <a:rPr lang="en-US" sz="1600" dirty="0">
+                <a:latin typeface="Courier" charset="0"/>
+                <a:ea typeface="Courier" charset="0"/>
+                <a:cs typeface="Courier" charset="0"/>
+              </a:rPr>
+              <a:t>",</a:t>
+            </a:r>
+          </a:p>
+          <a:p>
+            <a:r>
+              <a:rPr lang="en-US" sz="1600" dirty="0">
+                <a:latin typeface="Courier" charset="0"/>
+                <a:ea typeface="Courier" charset="0"/>
+                <a:cs typeface="Courier" charset="0"/>
+              </a:rPr>
+              <a:t>        "</a:t>
+            </a:r>
+            <a:r>
+              <a:rPr lang="en-US" sz="1600" dirty="0" err="1">
                 <a:solidFill>
                   <a:srgbClr val="FF0000"/>
                 </a:solidFill>
-                <a:latin typeface="Helvetica" charset="0"/>
-              </a:rPr>
-              <a:t>            "ocf:BinarySwitch.valueData",</a:t>
-            </a:r>
-          </a:p>
-          <a:p>
-            <a:r>
-              <a:rPr lang="is-IS" dirty="0">
+                <a:latin typeface="Courier" charset="0"/>
+                <a:ea typeface="Courier" charset="0"/>
+                <a:cs typeface="Courier" charset="0"/>
+              </a:rPr>
+              <a:t>ocf:BinarySwitch.OnAction</a:t>
+            </a:r>
+            <a:r>
+              <a:rPr lang="en-US" sz="1600" dirty="0">
+                <a:latin typeface="Courier" charset="0"/>
+                <a:ea typeface="Courier" charset="0"/>
+                <a:cs typeface="Courier" charset="0"/>
+              </a:rPr>
+              <a:t>",</a:t>
+            </a:r>
+          </a:p>
+          <a:p>
+            <a:r>
+              <a:rPr lang="en-US" sz="1600" dirty="0">
+                <a:latin typeface="Courier" charset="0"/>
+                <a:ea typeface="Courier" charset="0"/>
+                <a:cs typeface="Courier" charset="0"/>
+              </a:rPr>
+              <a:t>        "</a:t>
+            </a:r>
+            <a:r>
+              <a:rPr lang="en-US" sz="1600" dirty="0" err="1">
                 <a:solidFill>
                   <a:srgbClr val="FF0000"/>
                 </a:solidFill>
-                <a:latin typeface="Helvetica" charset="0"/>
-              </a:rPr>
-              <a:t>            "ocf:BinarySwitch.OnValueData",</a:t>
-            </a:r>
-          </a:p>
-          <a:p>
-            <a:r>
-              <a:rPr lang="is-IS" dirty="0">
+                <a:latin typeface="Courier" charset="0"/>
+                <a:ea typeface="Courier" charset="0"/>
+                <a:cs typeface="Courier" charset="0"/>
+              </a:rPr>
+              <a:t>ocf:BinarySwitch.OffAction</a:t>
+            </a:r>
+            <a:r>
+              <a:rPr lang="en-US" sz="1600" dirty="0">
+                <a:latin typeface="Courier" charset="0"/>
+                <a:ea typeface="Courier" charset="0"/>
+                <a:cs typeface="Courier" charset="0"/>
+              </a:rPr>
+              <a:t>"</a:t>
+            </a:r>
+          </a:p>
+          <a:p>
+            <a:r>
+              <a:rPr lang="en-US" sz="1600" dirty="0">
+                <a:latin typeface="Courier" charset="0"/>
+                <a:ea typeface="Courier" charset="0"/>
+                <a:cs typeface="Courier" charset="0"/>
+              </a:rPr>
+              <a:t>      ],</a:t>
+            </a:r>
+          </a:p>
+          <a:p>
+            <a:r>
+              <a:rPr lang="is-IS" sz="1600" dirty="0">
+                <a:latin typeface="Courier" charset="0"/>
+                <a:ea typeface="Courier" charset="0"/>
+                <a:cs typeface="Courier" charset="0"/>
+              </a:rPr>
+              <a:t> </a:t>
+            </a:r>
+            <a:r>
+              <a:rPr lang="en-US" sz="1600" dirty="0">
+                <a:latin typeface="Courier" charset="0"/>
+                <a:ea typeface="Courier" charset="0"/>
+                <a:cs typeface="Courier" charset="0"/>
+              </a:rPr>
+              <a:t>     </a:t>
+            </a:r>
+            <a:r>
+              <a:rPr lang="en-US" sz="1600" dirty="0" smtClean="0">
+                <a:latin typeface="Courier" charset="0"/>
+                <a:ea typeface="Courier" charset="0"/>
+                <a:cs typeface="Courier" charset="0"/>
+              </a:rPr>
+              <a:t>"</a:t>
+            </a:r>
+            <a:r>
+              <a:rPr lang="en-US" sz="1600" dirty="0">
+                <a:latin typeface="Courier" charset="0"/>
+                <a:ea typeface="Courier" charset="0"/>
+                <a:cs typeface="Courier" charset="0"/>
+              </a:rPr>
+              <a:t>get": {        </a:t>
+            </a:r>
+            <a:endParaRPr lang="en-US" sz="1600" dirty="0" smtClean="0">
+              <a:latin typeface="Courier" charset="0"/>
+              <a:ea typeface="Courier" charset="0"/>
+              <a:cs typeface="Courier" charset="0"/>
+            </a:endParaRPr>
+          </a:p>
+          <a:p>
+            <a:r>
+              <a:rPr lang="en-US" sz="1600" dirty="0">
+                <a:latin typeface="Courier" charset="0"/>
+                <a:ea typeface="Courier" charset="0"/>
+                <a:cs typeface="Courier" charset="0"/>
+              </a:rPr>
+              <a:t> </a:t>
+            </a:r>
+            <a:r>
+              <a:rPr lang="en-US" sz="1600" dirty="0" smtClean="0">
+                <a:latin typeface="Courier" charset="0"/>
+                <a:ea typeface="Courier" charset="0"/>
+                <a:cs typeface="Courier" charset="0"/>
+              </a:rPr>
+              <a:t>       "@</a:t>
+            </a:r>
+            <a:r>
+              <a:rPr lang="en-US" sz="1600" dirty="0">
+                <a:latin typeface="Courier" charset="0"/>
+                <a:ea typeface="Courier" charset="0"/>
+                <a:cs typeface="Courier" charset="0"/>
+              </a:rPr>
+              <a:t>type": "</a:t>
+            </a:r>
+            <a:r>
+              <a:rPr lang="en-US" sz="1600" dirty="0" err="1">
                 <a:solidFill>
                   <a:srgbClr val="FF0000"/>
                 </a:solidFill>
-                <a:latin typeface="Helvetica" charset="0"/>
-              </a:rPr>
-              <a:t>            "ocf:BinarySwitch.OffValueData"</a:t>
-            </a:r>
-          </a:p>
-          <a:p>
-            <a:r>
-              <a:rPr lang="is-IS" dirty="0">
+                <a:latin typeface="Courier" charset="0"/>
+                <a:ea typeface="Courier" charset="0"/>
+                <a:cs typeface="Courier" charset="0"/>
+              </a:rPr>
+              <a:t>ocf:BinarySwitch.valueProperty</a:t>
+            </a:r>
+            <a:r>
+              <a:rPr lang="en-US" sz="1600" dirty="0" smtClean="0">
+                <a:latin typeface="Courier" charset="0"/>
+                <a:ea typeface="Courier" charset="0"/>
+                <a:cs typeface="Courier" charset="0"/>
+              </a:rPr>
+              <a:t>",</a:t>
+            </a:r>
+          </a:p>
+          <a:p>
+            <a:r>
+              <a:rPr lang="en-US" sz="1600" dirty="0" smtClean="0">
+                <a:latin typeface="Courier" charset="0"/>
+                <a:ea typeface="Courier" charset="0"/>
+                <a:cs typeface="Courier" charset="0"/>
+              </a:rPr>
+              <a:t>       }</a:t>
+            </a:r>
+            <a:endParaRPr lang="en-US" sz="1600" dirty="0">
+              <a:latin typeface="Courier" charset="0"/>
+              <a:ea typeface="Courier" charset="0"/>
+              <a:cs typeface="Courier" charset="0"/>
+            </a:endParaRPr>
+          </a:p>
+          <a:p>
+            <a:r>
+              <a:rPr lang="is-IS" sz="1600" dirty="0" smtClean="0">
+                <a:latin typeface="Courier" charset="0"/>
+                <a:ea typeface="Courier" charset="0"/>
+                <a:cs typeface="Courier" charset="0"/>
+              </a:rPr>
+              <a:t> </a:t>
+            </a:r>
+            <a:r>
+              <a:rPr lang="is-IS" sz="1600" dirty="0">
+                <a:latin typeface="Courier" charset="0"/>
+                <a:ea typeface="Courier" charset="0"/>
+                <a:cs typeface="Courier" charset="0"/>
+              </a:rPr>
+              <a:t>    </a:t>
+            </a:r>
+            <a:endParaRPr lang="is-IS" sz="1600" dirty="0" smtClean="0">
+              <a:latin typeface="Courier" charset="0"/>
+              <a:ea typeface="Courier" charset="0"/>
+              <a:cs typeface="Courier" charset="0"/>
+            </a:endParaRPr>
+          </a:p>
+          <a:p>
+            <a:r>
+              <a:rPr lang="is-IS" sz="1600" dirty="0">
+                <a:latin typeface="Courier" charset="0"/>
+                <a:ea typeface="Courier" charset="0"/>
+                <a:cs typeface="Courier" charset="0"/>
+              </a:rPr>
+              <a:t> </a:t>
+            </a:r>
+            <a:r>
+              <a:rPr lang="is-IS" sz="1600" dirty="0" smtClean="0">
+                <a:latin typeface="Courier" charset="0"/>
+                <a:ea typeface="Courier" charset="0"/>
+                <a:cs typeface="Courier" charset="0"/>
+              </a:rPr>
+              <a:t>     "</a:t>
+            </a:r>
+            <a:r>
+              <a:rPr lang="is-IS" sz="1600" dirty="0">
+                <a:latin typeface="Courier" charset="0"/>
+                <a:ea typeface="Courier" charset="0"/>
+                <a:cs typeface="Courier" charset="0"/>
+              </a:rPr>
+              <a:t>post": {</a:t>
+            </a:r>
+          </a:p>
+          <a:p>
+            <a:r>
+              <a:rPr lang="is-IS" sz="1600" dirty="0">
+                <a:latin typeface="Courier" charset="0"/>
+                <a:ea typeface="Courier" charset="0"/>
+                <a:cs typeface="Courier" charset="0"/>
+              </a:rPr>
+              <a:t>        "@type": [</a:t>
+            </a:r>
+          </a:p>
+          <a:p>
+            <a:r>
+              <a:rPr lang="is-IS" sz="1600" dirty="0" smtClean="0">
+                <a:latin typeface="Courier" charset="0"/>
+                <a:ea typeface="Courier" charset="0"/>
+                <a:cs typeface="Courier" charset="0"/>
+              </a:rPr>
+              <a:t>          "</a:t>
+            </a:r>
+            <a:r>
+              <a:rPr lang="is-IS" sz="1600" dirty="0" smtClean="0">
                 <a:solidFill>
                   <a:srgbClr val="FF0000"/>
                 </a:solidFill>
-                <a:latin typeface="Helvetica" charset="0"/>
-              </a:rPr>
-              <a:t>          ],</a:t>
-            </a:r>
-          </a:p>
-          <a:p>
-            <a:r>
-              <a:rPr lang="is-IS" dirty="0">
-                <a:solidFill>
-                  <a:srgbClr val="000000"/>
-                </a:solidFill>
-                <a:latin typeface="Helvetica" charset="0"/>
-              </a:rPr>
-              <a:t>          "description": "Status of the switch",</a:t>
-            </a:r>
-          </a:p>
-          <a:p>
-            <a:r>
-              <a:rPr lang="is-IS" dirty="0">
-                <a:solidFill>
-                  <a:srgbClr val="000000"/>
-                </a:solidFill>
-                <a:latin typeface="Helvetica" charset="0"/>
-              </a:rPr>
-              <a:t>          "type": "boolean"</a:t>
-            </a:r>
-          </a:p>
-          <a:p>
-            <a:r>
-              <a:rPr lang="is-IS" dirty="0">
-                <a:solidFill>
-                  <a:srgbClr val="000000"/>
-                </a:solidFill>
-                <a:latin typeface="Helvetica" charset="0"/>
-              </a:rPr>
-              <a:t>        },</a:t>
-            </a:r>
-          </a:p>
-          <a:p>
+                <a:latin typeface="Courier" charset="0"/>
+                <a:ea typeface="Courier" charset="0"/>
+                <a:cs typeface="Courier" charset="0"/>
+              </a:rPr>
+              <a:t>ocf:BinarySwitch.valueProperty</a:t>
+            </a:r>
+            <a:r>
+              <a:rPr lang="is-IS" sz="1600" dirty="0" smtClean="0">
+                <a:latin typeface="Courier" charset="0"/>
+                <a:ea typeface="Courier" charset="0"/>
+                <a:cs typeface="Courier" charset="0"/>
+              </a:rPr>
+              <a:t>",</a:t>
+            </a:r>
+          </a:p>
+          <a:p>
+            <a:r>
+              <a:rPr lang="is-IS" sz="1600" dirty="0" smtClean="0">
+                <a:latin typeface="Courier" charset="0"/>
+                <a:ea typeface="Courier" charset="0"/>
+                <a:cs typeface="Courier" charset="0"/>
+              </a:rPr>
+              <a:t>          "</a:t>
+            </a:r>
+            <a:r>
+              <a:rPr lang="is-IS" sz="1600" dirty="0" smtClean="0">
+                <a:solidFill>
+                  <a:srgbClr val="FF0000"/>
+                </a:solidFill>
+                <a:latin typeface="Courier" charset="0"/>
+                <a:ea typeface="Courier" charset="0"/>
+                <a:cs typeface="Courier" charset="0"/>
+              </a:rPr>
+              <a:t>ocf:BinarySwitch.OnAction</a:t>
+            </a:r>
+            <a:r>
+              <a:rPr lang="is-IS" sz="1600" dirty="0" smtClean="0">
+                <a:latin typeface="Courier" charset="0"/>
+                <a:ea typeface="Courier" charset="0"/>
+                <a:cs typeface="Courier" charset="0"/>
+              </a:rPr>
+              <a:t>",</a:t>
+            </a:r>
+          </a:p>
+          <a:p>
+            <a:r>
+              <a:rPr lang="is-IS" sz="1600" dirty="0" smtClean="0">
+                <a:latin typeface="Courier" charset="0"/>
+                <a:ea typeface="Courier" charset="0"/>
+                <a:cs typeface="Courier" charset="0"/>
+              </a:rPr>
+              <a:t>          "</a:t>
+            </a:r>
+            <a:r>
+              <a:rPr lang="is-IS" sz="1600" dirty="0" smtClean="0">
+                <a:solidFill>
+                  <a:srgbClr val="FF0000"/>
+                </a:solidFill>
+                <a:latin typeface="Courier" charset="0"/>
+                <a:ea typeface="Courier" charset="0"/>
+                <a:cs typeface="Courier" charset="0"/>
+              </a:rPr>
+              <a:t>ocf:BinarySwitch.OffAction</a:t>
+            </a:r>
+            <a:r>
+              <a:rPr lang="is-IS" sz="1600" dirty="0" smtClean="0">
+                <a:latin typeface="Courier" charset="0"/>
+                <a:ea typeface="Courier" charset="0"/>
+                <a:cs typeface="Courier" charset="0"/>
+              </a:rPr>
+              <a:t>"</a:t>
+            </a:r>
+          </a:p>
+          <a:p>
+            <a:r>
+              <a:rPr lang="is-IS" sz="1600" dirty="0" smtClean="0">
+                <a:latin typeface="Courier" charset="0"/>
+                <a:ea typeface="Courier" charset="0"/>
+                <a:cs typeface="Courier" charset="0"/>
+              </a:rPr>
+              <a:t>        ],</a:t>
+            </a:r>
+          </a:p>
+          <a:p>
+            <a:r>
+              <a:rPr lang="is-IS" sz="1600" dirty="0" smtClean="0">
+                <a:latin typeface="Courier" charset="0"/>
+                <a:ea typeface="Courier" charset="0"/>
+                <a:cs typeface="Courier" charset="0"/>
+              </a:rPr>
+              <a:t>      }</a:t>
+            </a:r>
             <a:br>
-              <a:rPr lang="is-IS" dirty="0"/>
+              <a:rPr lang="is-IS" sz="1600" dirty="0" smtClean="0">
+                <a:latin typeface="Courier" charset="0"/>
+                <a:ea typeface="Courier" charset="0"/>
+                <a:cs typeface="Courier" charset="0"/>
+              </a:rPr>
             </a:br>
-            <a:endParaRPr lang="en-US" dirty="0"/>
+            <a:endParaRPr lang="en-US" sz="1600" dirty="0">
+              <a:latin typeface="Courier" charset="0"/>
+              <a:ea typeface="Courier" charset="0"/>
+              <a:cs typeface="Courier" charset="0"/>
+            </a:endParaRPr>
           </a:p>
         </p:txBody>
       </p:sp>
@@ -13284,6 +13539,319 @@
             <p:ph type="title"/>
           </p:nvPr>
         </p:nvSpPr>
+        <p:spPr>
+          <a:xfrm>
+            <a:off x="540327" y="365126"/>
+            <a:ext cx="8115299" cy="1325563"/>
+          </a:xfrm>
+        </p:spPr>
+        <p:txBody>
+          <a:bodyPr/>
+          <a:lstStyle/>
+          <a:p>
+            <a:r>
+              <a:rPr lang="en-US" dirty="0"/>
+              <a:t>OCF Definition </a:t>
+            </a:r>
+            <a:r>
+              <a:rPr lang="en-US"/>
+              <a:t>with </a:t>
+            </a:r>
+            <a:r>
+              <a:rPr lang="en-US" smtClean="0"/>
+              <a:t>data annotations</a:t>
+            </a:r>
+            <a:endParaRPr lang="en-US" dirty="0"/>
+          </a:p>
+        </p:txBody>
+      </p:sp>
+      <p:sp>
+        <p:nvSpPr>
+          <p:cNvPr id="3" name="Rectangle 2"/>
+          <p:cNvSpPr/>
+          <p:nvPr/>
+        </p:nvSpPr>
+        <p:spPr>
+          <a:xfrm>
+            <a:off x="540327" y="1919289"/>
+            <a:ext cx="6633556" cy="3785652"/>
+          </a:xfrm>
+          <a:prstGeom prst="rect">
+            <a:avLst/>
+          </a:prstGeom>
+        </p:spPr>
+        <p:txBody>
+          <a:bodyPr wrap="square">
+            <a:spAutoFit/>
+          </a:bodyPr>
+          <a:lstStyle/>
+          <a:p>
+            <a:r>
+              <a:rPr lang="is-IS" sz="1600" dirty="0">
+                <a:solidFill>
+                  <a:srgbClr val="000000"/>
+                </a:solidFill>
+                <a:latin typeface="Courier" charset="0"/>
+                <a:ea typeface="Courier" charset="0"/>
+                <a:cs typeface="Courier" charset="0"/>
+              </a:rPr>
+              <a:t>          (...)</a:t>
+            </a:r>
+          </a:p>
+          <a:p>
+            <a:r>
+              <a:rPr lang="is-IS" sz="1600" dirty="0">
+                <a:solidFill>
+                  <a:srgbClr val="000000"/>
+                </a:solidFill>
+                <a:latin typeface="Courier" charset="0"/>
+                <a:ea typeface="Courier" charset="0"/>
+                <a:cs typeface="Courier" charset="0"/>
+              </a:rPr>
+              <a:t>          "minItems": 1,</a:t>
+            </a:r>
+          </a:p>
+          <a:p>
+            <a:r>
+              <a:rPr lang="is-IS" sz="1600" dirty="0">
+                <a:solidFill>
+                  <a:srgbClr val="000000"/>
+                </a:solidFill>
+                <a:latin typeface="Courier" charset="0"/>
+                <a:ea typeface="Courier" charset="0"/>
+                <a:cs typeface="Courier" charset="0"/>
+              </a:rPr>
+              <a:t>          "readOnly": true,</a:t>
+            </a:r>
+          </a:p>
+          <a:p>
+            <a:r>
+              <a:rPr lang="is-IS" sz="1600" dirty="0">
+                <a:solidFill>
+                  <a:srgbClr val="000000"/>
+                </a:solidFill>
+                <a:latin typeface="Courier" charset="0"/>
+                <a:ea typeface="Courier" charset="0"/>
+                <a:cs typeface="Courier" charset="0"/>
+              </a:rPr>
+              <a:t>          "type": "array"</a:t>
+            </a:r>
+          </a:p>
+          <a:p>
+            <a:r>
+              <a:rPr lang="is-IS" sz="1600" dirty="0">
+                <a:solidFill>
+                  <a:srgbClr val="000000"/>
+                </a:solidFill>
+                <a:latin typeface="Courier" charset="0"/>
+                <a:ea typeface="Courier" charset="0"/>
+                <a:cs typeface="Courier" charset="0"/>
+              </a:rPr>
+              <a:t>        },</a:t>
+            </a:r>
+          </a:p>
+          <a:p>
+            <a:r>
+              <a:rPr lang="is-IS" sz="1600" dirty="0">
+                <a:solidFill>
+                  <a:srgbClr val="000000"/>
+                </a:solidFill>
+                <a:latin typeface="Courier" charset="0"/>
+                <a:ea typeface="Courier" charset="0"/>
+                <a:cs typeface="Courier" charset="0"/>
+              </a:rPr>
+              <a:t>        "value" :</a:t>
+            </a:r>
+          </a:p>
+          <a:p>
+            <a:r>
+              <a:rPr lang="is-IS" sz="1600" dirty="0">
+                <a:solidFill>
+                  <a:srgbClr val="000000"/>
+                </a:solidFill>
+                <a:latin typeface="Courier" charset="0"/>
+                <a:ea typeface="Courier" charset="0"/>
+                <a:cs typeface="Courier" charset="0"/>
+              </a:rPr>
+              <a:t>                {</a:t>
+            </a:r>
+          </a:p>
+          <a:p>
+            <a:r>
+              <a:rPr lang="is-IS" sz="1600" dirty="0">
+                <a:solidFill>
+                  <a:srgbClr val="000000"/>
+                </a:solidFill>
+                <a:latin typeface="Courier" charset="0"/>
+                <a:ea typeface="Courier" charset="0"/>
+                <a:cs typeface="Courier" charset="0"/>
+              </a:rPr>
+              <a:t>          </a:t>
+            </a:r>
+            <a:r>
+              <a:rPr lang="is-IS" sz="1600" dirty="0">
+                <a:solidFill>
+                  <a:srgbClr val="FF0000"/>
+                </a:solidFill>
+                <a:latin typeface="Courier" charset="0"/>
+                <a:ea typeface="Courier" charset="0"/>
+                <a:cs typeface="Courier" charset="0"/>
+              </a:rPr>
+              <a:t>"@type": [</a:t>
+            </a:r>
+          </a:p>
+          <a:p>
+            <a:r>
+              <a:rPr lang="is-IS" sz="1600" dirty="0">
+                <a:solidFill>
+                  <a:srgbClr val="FF0000"/>
+                </a:solidFill>
+                <a:latin typeface="Courier" charset="0"/>
+                <a:ea typeface="Courier" charset="0"/>
+                <a:cs typeface="Courier" charset="0"/>
+              </a:rPr>
+              <a:t>            "ocf:BinarySwitch.valueData",</a:t>
+            </a:r>
+          </a:p>
+          <a:p>
+            <a:r>
+              <a:rPr lang="is-IS" sz="1600" dirty="0">
+                <a:solidFill>
+                  <a:srgbClr val="FF0000"/>
+                </a:solidFill>
+                <a:latin typeface="Courier" charset="0"/>
+                <a:ea typeface="Courier" charset="0"/>
+                <a:cs typeface="Courier" charset="0"/>
+              </a:rPr>
+              <a:t>            "ocf:BinarySwitch.OnValueData",</a:t>
+            </a:r>
+          </a:p>
+          <a:p>
+            <a:r>
+              <a:rPr lang="is-IS" sz="1600" dirty="0">
+                <a:solidFill>
+                  <a:srgbClr val="FF0000"/>
+                </a:solidFill>
+                <a:latin typeface="Courier" charset="0"/>
+                <a:ea typeface="Courier" charset="0"/>
+                <a:cs typeface="Courier" charset="0"/>
+              </a:rPr>
+              <a:t>            "ocf:BinarySwitch.OffValueData"</a:t>
+            </a:r>
+          </a:p>
+          <a:p>
+            <a:r>
+              <a:rPr lang="is-IS" sz="1600" dirty="0">
+                <a:solidFill>
+                  <a:srgbClr val="FF0000"/>
+                </a:solidFill>
+                <a:latin typeface="Courier" charset="0"/>
+                <a:ea typeface="Courier" charset="0"/>
+                <a:cs typeface="Courier" charset="0"/>
+              </a:rPr>
+              <a:t>          ],</a:t>
+            </a:r>
+          </a:p>
+          <a:p>
+            <a:r>
+              <a:rPr lang="is-IS" sz="1600" dirty="0">
+                <a:solidFill>
+                  <a:srgbClr val="000000"/>
+                </a:solidFill>
+                <a:latin typeface="Courier" charset="0"/>
+                <a:ea typeface="Courier" charset="0"/>
+                <a:cs typeface="Courier" charset="0"/>
+              </a:rPr>
+              <a:t>          "description": "Status of the switch",</a:t>
+            </a:r>
+          </a:p>
+          <a:p>
+            <a:r>
+              <a:rPr lang="is-IS" sz="1600" dirty="0">
+                <a:solidFill>
+                  <a:srgbClr val="000000"/>
+                </a:solidFill>
+                <a:latin typeface="Courier" charset="0"/>
+                <a:ea typeface="Courier" charset="0"/>
+                <a:cs typeface="Courier" charset="0"/>
+              </a:rPr>
+              <a:t>          "type": "boolean"</a:t>
+            </a:r>
+          </a:p>
+          <a:p>
+            <a:r>
+              <a:rPr lang="is-IS" sz="1600" dirty="0">
+                <a:solidFill>
+                  <a:srgbClr val="000000"/>
+                </a:solidFill>
+                <a:latin typeface="Courier" charset="0"/>
+                <a:ea typeface="Courier" charset="0"/>
+                <a:cs typeface="Courier" charset="0"/>
+              </a:rPr>
+              <a:t>        </a:t>
+            </a:r>
+            <a:r>
+              <a:rPr lang="is-IS" sz="1600" dirty="0" smtClean="0">
+                <a:solidFill>
+                  <a:srgbClr val="000000"/>
+                </a:solidFill>
+                <a:latin typeface="Courier" charset="0"/>
+                <a:ea typeface="Courier" charset="0"/>
+                <a:cs typeface="Courier" charset="0"/>
+              </a:rPr>
+              <a:t>},</a:t>
+            </a:r>
+            <a:endParaRPr lang="is-IS" sz="1600" dirty="0">
+              <a:solidFill>
+                <a:srgbClr val="000000"/>
+              </a:solidFill>
+              <a:latin typeface="Courier" charset="0"/>
+              <a:ea typeface="Courier" charset="0"/>
+              <a:cs typeface="Courier" charset="0"/>
+            </a:endParaRPr>
+          </a:p>
+        </p:txBody>
+      </p:sp>
+    </p:spTree>
+    <p:extLst>
+      <p:ext uri="{BB962C8B-B14F-4D97-AF65-F5344CB8AC3E}">
+        <p14:creationId xmlns:p14="http://schemas.microsoft.com/office/powerpoint/2010/main" val="1175126358"/>
+      </p:ext>
+    </p:extLst>
+  </p:cSld>
+  <p:clrMapOvr>
+    <a:masterClrMapping/>
+  </p:clrMapOvr>
+</p:sld>
+</file>
+
+<file path=ppt/slides/slide28.xml><?xml version="1.0" encoding="utf-8"?>
+<p:sld xmlns:a="http://schemas.openxmlformats.org/drawingml/2006/main" xmlns:r="http://schemas.openxmlformats.org/officeDocument/2006/relationships" xmlns:p="http://schemas.openxmlformats.org/presentationml/2006/main">
+  <p:cSld>
+    <p:spTree>
+      <p:nvGrpSpPr>
+        <p:cNvPr id="1" name=""/>
+        <p:cNvGrpSpPr/>
+        <p:nvPr/>
+      </p:nvGrpSpPr>
+      <p:grpSpPr>
+        <a:xfrm>
+          <a:off x="0" y="0"/>
+          <a:ext cx="0" cy="0"/>
+          <a:chOff x="0" y="0"/>
+          <a:chExt cx="0" cy="0"/>
+        </a:xfrm>
+      </p:grpSpPr>
+      <p:sp>
+        <p:nvSpPr>
+          <p:cNvPr id="2" name="Title 1"/>
+          <p:cNvSpPr>
+            <a:spLocks noGrp="1"/>
+          </p:cNvSpPr>
+          <p:nvPr>
+            <p:ph type="title"/>
+          </p:nvPr>
+        </p:nvSpPr>
         <p:spPr/>
         <p:txBody>
           <a:bodyPr/>
@@ -13650,6 +14218,14 @@
             </a:r>
           </a:p>
           <a:p>
+            <a:r>
+              <a:rPr lang="en-US" sz="1600" dirty="0">
+                <a:latin typeface="Courier" charset="0"/>
+                <a:ea typeface="Courier" charset="0"/>
+                <a:cs typeface="Courier" charset="0"/>
+              </a:rPr>
+              <a:t/>
+            </a:r>
             <a:br>
               <a:rPr lang="en-US" sz="1600" dirty="0">
                 <a:latin typeface="Courier" charset="0"/>

--- a/ODM-CDF.pptx
+++ b/ODM-CDF.pptx
@@ -232,7 +232,7 @@
           <a:p>
             <a:fld id="{CAA8BD54-1B67-094F-844E-AC8F37AF9E32}" type="datetimeFigureOut">
               <a:rPr lang="en-US" smtClean="0"/>
-              <a:t>3/24/19</a:t>
+              <a:t>3/26/19</a:t>
             </a:fld>
             <a:endParaRPr lang="en-US"/>
           </a:p>
@@ -630,7 +630,7 @@
           <a:p>
             <a:fld id="{5D1B769D-4479-6C4A-BB04-AB0258055D9C}" type="datetimeFigureOut">
               <a:rPr lang="en-US" smtClean="0"/>
-              <a:t>3/24/19</a:t>
+              <a:t>3/26/19</a:t>
             </a:fld>
             <a:endParaRPr lang="en-US"/>
           </a:p>
@@ -795,7 +795,7 @@
           <a:p>
             <a:fld id="{5D1B769D-4479-6C4A-BB04-AB0258055D9C}" type="datetimeFigureOut">
               <a:rPr lang="en-US" smtClean="0"/>
-              <a:t>3/24/19</a:t>
+              <a:t>3/26/19</a:t>
             </a:fld>
             <a:endParaRPr lang="en-US"/>
           </a:p>
@@ -970,7 +970,7 @@
           <a:p>
             <a:fld id="{5D1B769D-4479-6C4A-BB04-AB0258055D9C}" type="datetimeFigureOut">
               <a:rPr lang="en-US" smtClean="0"/>
-              <a:t>3/24/19</a:t>
+              <a:t>3/26/19</a:t>
             </a:fld>
             <a:endParaRPr lang="en-US"/>
           </a:p>
@@ -1135,7 +1135,7 @@
           <a:p>
             <a:fld id="{5D1B769D-4479-6C4A-BB04-AB0258055D9C}" type="datetimeFigureOut">
               <a:rPr lang="en-US" smtClean="0"/>
-              <a:t>3/24/19</a:t>
+              <a:t>3/26/19</a:t>
             </a:fld>
             <a:endParaRPr lang="en-US"/>
           </a:p>
@@ -1374,7 +1374,7 @@
           <a:p>
             <a:fld id="{5D1B769D-4479-6C4A-BB04-AB0258055D9C}" type="datetimeFigureOut">
               <a:rPr lang="en-US" smtClean="0"/>
-              <a:t>3/24/19</a:t>
+              <a:t>3/26/19</a:t>
             </a:fld>
             <a:endParaRPr lang="en-US"/>
           </a:p>
@@ -1601,7 +1601,7 @@
           <a:p>
             <a:fld id="{5D1B769D-4479-6C4A-BB04-AB0258055D9C}" type="datetimeFigureOut">
               <a:rPr lang="en-US" smtClean="0"/>
-              <a:t>3/24/19</a:t>
+              <a:t>3/26/19</a:t>
             </a:fld>
             <a:endParaRPr lang="en-US"/>
           </a:p>
@@ -1963,7 +1963,7 @@
           <a:p>
             <a:fld id="{5D1B769D-4479-6C4A-BB04-AB0258055D9C}" type="datetimeFigureOut">
               <a:rPr lang="en-US" smtClean="0"/>
-              <a:t>3/24/19</a:t>
+              <a:t>3/26/19</a:t>
             </a:fld>
             <a:endParaRPr lang="en-US"/>
           </a:p>
@@ -2076,7 +2076,7 @@
           <a:p>
             <a:fld id="{5D1B769D-4479-6C4A-BB04-AB0258055D9C}" type="datetimeFigureOut">
               <a:rPr lang="en-US" smtClean="0"/>
-              <a:t>3/24/19</a:t>
+              <a:t>3/26/19</a:t>
             </a:fld>
             <a:endParaRPr lang="en-US"/>
           </a:p>
@@ -2166,7 +2166,7 @@
           <a:p>
             <a:fld id="{5D1B769D-4479-6C4A-BB04-AB0258055D9C}" type="datetimeFigureOut">
               <a:rPr lang="en-US" smtClean="0"/>
-              <a:t>3/24/19</a:t>
+              <a:t>3/26/19</a:t>
             </a:fld>
             <a:endParaRPr lang="en-US"/>
           </a:p>
@@ -2438,7 +2438,7 @@
           <a:p>
             <a:fld id="{5D1B769D-4479-6C4A-BB04-AB0258055D9C}" type="datetimeFigureOut">
               <a:rPr lang="en-US" smtClean="0"/>
-              <a:t>3/24/19</a:t>
+              <a:t>3/26/19</a:t>
             </a:fld>
             <a:endParaRPr lang="en-US"/>
           </a:p>
@@ -2690,7 +2690,7 @@
           <a:p>
             <a:fld id="{5D1B769D-4479-6C4A-BB04-AB0258055D9C}" type="datetimeFigureOut">
               <a:rPr lang="en-US" smtClean="0"/>
-              <a:t>3/24/19</a:t>
+              <a:t>3/26/19</a:t>
             </a:fld>
             <a:endParaRPr lang="en-US"/>
           </a:p>
@@ -2898,7 +2898,7 @@
           <a:p>
             <a:fld id="{5D1B769D-4479-6C4A-BB04-AB0258055D9C}" type="datetimeFigureOut">
               <a:rPr lang="en-US" smtClean="0"/>
-              <a:t>3/24/19</a:t>
+              <a:t>3/26/19</a:t>
             </a:fld>
             <a:endParaRPr lang="en-US"/>
           </a:p>
@@ -12032,7 +12032,7 @@
           <p:cNvPr id="2" name="Title 1">
             <a:extLst>
               <a:ext uri="{FF2B5EF4-FFF2-40B4-BE49-F238E27FC236}">
-                <a16:creationId xmlns="" xmlns:a16="http://schemas.microsoft.com/office/drawing/2014/main" id="{F7AC3872-664A-CC4C-BDC5-D61C47E371A8}"/>
+                <a16:creationId xmlns:a16="http://schemas.microsoft.com/office/drawing/2014/main" xmlns="" id="{F7AC3872-664A-CC4C-BDC5-D61C47E371A8}"/>
               </a:ext>
             </a:extLst>
           </p:cNvPr>
@@ -12060,7 +12060,7 @@
           <p:cNvPr id="4" name="Rectangle 3">
             <a:extLst>
               <a:ext uri="{FF2B5EF4-FFF2-40B4-BE49-F238E27FC236}">
-                <a16:creationId xmlns="" xmlns:a16="http://schemas.microsoft.com/office/drawing/2014/main" id="{25A414E1-7B5A-954D-870E-9256C72726D7}"/>
+                <a16:creationId xmlns:a16="http://schemas.microsoft.com/office/drawing/2014/main" xmlns="" id="{25A414E1-7B5A-954D-870E-9256C72726D7}"/>
               </a:ext>
             </a:extLst>
           </p:cNvPr>
@@ -12109,7 +12109,7 @@
           <p:cNvPr id="5" name="Rectangle 4">
             <a:extLst>
               <a:ext uri="{FF2B5EF4-FFF2-40B4-BE49-F238E27FC236}">
-                <a16:creationId xmlns="" xmlns:a16="http://schemas.microsoft.com/office/drawing/2014/main" id="{F020A002-4477-F840-B48B-78C3A1552DA0}"/>
+                <a16:creationId xmlns:a16="http://schemas.microsoft.com/office/drawing/2014/main" xmlns="" id="{F020A002-4477-F840-B48B-78C3A1552DA0}"/>
               </a:ext>
             </a:extLst>
           </p:cNvPr>
@@ -12158,7 +12158,7 @@
           <p:cNvPr id="6" name="TextBox 5">
             <a:extLst>
               <a:ext uri="{FF2B5EF4-FFF2-40B4-BE49-F238E27FC236}">
-                <a16:creationId xmlns="" xmlns:a16="http://schemas.microsoft.com/office/drawing/2014/main" id="{F7902DFD-780E-7D48-9304-ECD24AFA11AB}"/>
+                <a16:creationId xmlns:a16="http://schemas.microsoft.com/office/drawing/2014/main" xmlns="" id="{F7902DFD-780E-7D48-9304-ECD24AFA11AB}"/>
               </a:ext>
             </a:extLst>
           </p:cNvPr>
@@ -12190,7 +12190,7 @@
           <p:cNvPr id="7" name="Rectangle 6">
             <a:extLst>
               <a:ext uri="{FF2B5EF4-FFF2-40B4-BE49-F238E27FC236}">
-                <a16:creationId xmlns="" xmlns:a16="http://schemas.microsoft.com/office/drawing/2014/main" id="{94CB2F40-E770-734E-AC93-EDBFC660CFC7}"/>
+                <a16:creationId xmlns:a16="http://schemas.microsoft.com/office/drawing/2014/main" xmlns="" id="{94CB2F40-E770-734E-AC93-EDBFC660CFC7}"/>
               </a:ext>
             </a:extLst>
           </p:cNvPr>
@@ -12239,7 +12239,7 @@
           <p:cNvPr id="9" name="Rectangle 8">
             <a:extLst>
               <a:ext uri="{FF2B5EF4-FFF2-40B4-BE49-F238E27FC236}">
-                <a16:creationId xmlns="" xmlns:a16="http://schemas.microsoft.com/office/drawing/2014/main" id="{813B3CA8-929C-F24A-8167-085E5F94FEB8}"/>
+                <a16:creationId xmlns:a16="http://schemas.microsoft.com/office/drawing/2014/main" xmlns="" id="{813B3CA8-929C-F24A-8167-085E5F94FEB8}"/>
               </a:ext>
             </a:extLst>
           </p:cNvPr>
@@ -12289,7 +12289,7 @@
           <p:cNvPr id="15" name="Rectangle 14">
             <a:extLst>
               <a:ext uri="{FF2B5EF4-FFF2-40B4-BE49-F238E27FC236}">
-                <a16:creationId xmlns="" xmlns:a16="http://schemas.microsoft.com/office/drawing/2014/main" id="{01013A0E-A90D-6842-B724-9E245A0BF9C9}"/>
+                <a16:creationId xmlns:a16="http://schemas.microsoft.com/office/drawing/2014/main" xmlns="" id="{01013A0E-A90D-6842-B724-9E245A0BF9C9}"/>
               </a:ext>
             </a:extLst>
           </p:cNvPr>
@@ -12346,7 +12346,7 @@
           <p:cNvPr id="16" name="Rectangle 15">
             <a:extLst>
               <a:ext uri="{FF2B5EF4-FFF2-40B4-BE49-F238E27FC236}">
-                <a16:creationId xmlns="" xmlns:a16="http://schemas.microsoft.com/office/drawing/2014/main" id="{F2BE2857-95D3-8940-BD4F-8786E6D26DD0}"/>
+                <a16:creationId xmlns:a16="http://schemas.microsoft.com/office/drawing/2014/main" xmlns="" id="{F2BE2857-95D3-8940-BD4F-8786E6D26DD0}"/>
               </a:ext>
             </a:extLst>
           </p:cNvPr>
@@ -12403,7 +12403,7 @@
           <p:cNvPr id="17" name="Rectangle 16">
             <a:extLst>
               <a:ext uri="{FF2B5EF4-FFF2-40B4-BE49-F238E27FC236}">
-                <a16:creationId xmlns="" xmlns:a16="http://schemas.microsoft.com/office/drawing/2014/main" id="{55DBE446-2F63-0148-A211-436F566151E7}"/>
+                <a16:creationId xmlns:a16="http://schemas.microsoft.com/office/drawing/2014/main" xmlns="" id="{55DBE446-2F63-0148-A211-436F566151E7}"/>
               </a:ext>
             </a:extLst>
           </p:cNvPr>
@@ -12460,7 +12460,7 @@
           <p:cNvPr id="18" name="Rectangle 17">
             <a:extLst>
               <a:ext uri="{FF2B5EF4-FFF2-40B4-BE49-F238E27FC236}">
-                <a16:creationId xmlns="" xmlns:a16="http://schemas.microsoft.com/office/drawing/2014/main" id="{A1CEFAE2-5FFA-B94F-8693-ED46EDD63F38}"/>
+                <a16:creationId xmlns:a16="http://schemas.microsoft.com/office/drawing/2014/main" xmlns="" id="{A1CEFAE2-5FFA-B94F-8693-ED46EDD63F38}"/>
               </a:ext>
             </a:extLst>
           </p:cNvPr>
@@ -12517,7 +12517,7 @@
           <p:cNvPr id="20" name="TextBox 19">
             <a:extLst>
               <a:ext uri="{FF2B5EF4-FFF2-40B4-BE49-F238E27FC236}">
-                <a16:creationId xmlns="" xmlns:a16="http://schemas.microsoft.com/office/drawing/2014/main" id="{96B30896-74FD-C24C-B7BB-BDD3ED76798A}"/>
+                <a16:creationId xmlns:a16="http://schemas.microsoft.com/office/drawing/2014/main" xmlns="" id="{96B30896-74FD-C24C-B7BB-BDD3ED76798A}"/>
               </a:ext>
             </a:extLst>
           </p:cNvPr>
@@ -12552,7 +12552,7 @@
           <p:cNvPr id="21" name="TextBox 20">
             <a:extLst>
               <a:ext uri="{FF2B5EF4-FFF2-40B4-BE49-F238E27FC236}">
-                <a16:creationId xmlns="" xmlns:a16="http://schemas.microsoft.com/office/drawing/2014/main" id="{76D67C6A-710A-0A4C-9B52-E4F5E98E9191}"/>
+                <a16:creationId xmlns:a16="http://schemas.microsoft.com/office/drawing/2014/main" xmlns="" id="{76D67C6A-710A-0A4C-9B52-E4F5E98E9191}"/>
               </a:ext>
             </a:extLst>
           </p:cNvPr>
@@ -12587,7 +12587,7 @@
           <p:cNvPr id="23" name="Straight Arrow Connector 22">
             <a:extLst>
               <a:ext uri="{FF2B5EF4-FFF2-40B4-BE49-F238E27FC236}">
-                <a16:creationId xmlns="" xmlns:a16="http://schemas.microsoft.com/office/drawing/2014/main" id="{1F6F2B3D-250C-084C-90ED-0F82EC25DFDC}"/>
+                <a16:creationId xmlns:a16="http://schemas.microsoft.com/office/drawing/2014/main" xmlns="" id="{1F6F2B3D-250C-084C-90ED-0F82EC25DFDC}"/>
               </a:ext>
             </a:extLst>
           </p:cNvPr>
@@ -12633,7 +12633,7 @@
           <p:cNvPr id="25" name="Straight Arrow Connector 24">
             <a:extLst>
               <a:ext uri="{FF2B5EF4-FFF2-40B4-BE49-F238E27FC236}">
-                <a16:creationId xmlns="" xmlns:a16="http://schemas.microsoft.com/office/drawing/2014/main" id="{F3109D8F-F041-2742-9A45-B1F14C1A499C}"/>
+                <a16:creationId xmlns:a16="http://schemas.microsoft.com/office/drawing/2014/main" xmlns="" id="{F3109D8F-F041-2742-9A45-B1F14C1A499C}"/>
               </a:ext>
             </a:extLst>
           </p:cNvPr>
@@ -12677,7 +12677,7 @@
           <p:cNvPr id="26" name="Straight Arrow Connector 25">
             <a:extLst>
               <a:ext uri="{FF2B5EF4-FFF2-40B4-BE49-F238E27FC236}">
-                <a16:creationId xmlns="" xmlns:a16="http://schemas.microsoft.com/office/drawing/2014/main" id="{9AB1BE36-FEA9-AB4A-92EC-79E2B1ED2B5F}"/>
+                <a16:creationId xmlns:a16="http://schemas.microsoft.com/office/drawing/2014/main" xmlns="" id="{9AB1BE36-FEA9-AB4A-92EC-79E2B1ED2B5F}"/>
               </a:ext>
             </a:extLst>
           </p:cNvPr>
@@ -12721,7 +12721,7 @@
           <p:cNvPr id="27" name="Straight Arrow Connector 26">
             <a:extLst>
               <a:ext uri="{FF2B5EF4-FFF2-40B4-BE49-F238E27FC236}">
-                <a16:creationId xmlns="" xmlns:a16="http://schemas.microsoft.com/office/drawing/2014/main" id="{31BB1E19-F486-9F4E-A400-8D46E3496B3C}"/>
+                <a16:creationId xmlns:a16="http://schemas.microsoft.com/office/drawing/2014/main" xmlns="" id="{31BB1E19-F486-9F4E-A400-8D46E3496B3C}"/>
               </a:ext>
             </a:extLst>
           </p:cNvPr>
@@ -12765,7 +12765,7 @@
           <p:cNvPr id="33" name="Right Brace 32">
             <a:extLst>
               <a:ext uri="{FF2B5EF4-FFF2-40B4-BE49-F238E27FC236}">
-                <a16:creationId xmlns="" xmlns:a16="http://schemas.microsoft.com/office/drawing/2014/main" id="{5A17CF90-A157-254C-852B-E692D446776E}"/>
+                <a16:creationId xmlns:a16="http://schemas.microsoft.com/office/drawing/2014/main" xmlns="" id="{5A17CF90-A157-254C-852B-E692D446776E}"/>
               </a:ext>
             </a:extLst>
           </p:cNvPr>
@@ -12814,7 +12814,7 @@
           <p:cNvPr id="34" name="TextBox 33">
             <a:extLst>
               <a:ext uri="{FF2B5EF4-FFF2-40B4-BE49-F238E27FC236}">
-                <a16:creationId xmlns="" xmlns:a16="http://schemas.microsoft.com/office/drawing/2014/main" id="{E4CD285D-531C-784A-A22E-F4B496901D17}"/>
+                <a16:creationId xmlns:a16="http://schemas.microsoft.com/office/drawing/2014/main" xmlns="" id="{E4CD285D-531C-784A-A22E-F4B496901D17}"/>
               </a:ext>
             </a:extLst>
           </p:cNvPr>
@@ -13348,6 +13348,244 @@
           </a:p>
         </p:txBody>
       </p:sp>
+      <p:sp>
+        <p:nvSpPr>
+          <p:cNvPr id="3" name="TextBox 2"/>
+          <p:cNvSpPr txBox="1"/>
+          <p:nvPr/>
+        </p:nvSpPr>
+        <p:spPr>
+          <a:xfrm>
+            <a:off x="4950372" y="3205656"/>
+            <a:ext cx="1274708" cy="369332"/>
+          </a:xfrm>
+          <a:prstGeom prst="rect">
+            <a:avLst/>
+          </a:prstGeom>
+          <a:noFill/>
+        </p:spPr>
+        <p:txBody>
+          <a:bodyPr wrap="none" rtlCol="0">
+            <a:spAutoFit/>
+          </a:bodyPr>
+          <a:lstStyle/>
+          <a:p>
+            <a:r>
+              <a:rPr lang="en-US" smtClean="0"/>
+              <a:t>Object type</a:t>
+            </a:r>
+            <a:endParaRPr lang="en-US"/>
+          </a:p>
+        </p:txBody>
+      </p:sp>
+      <p:sp>
+        <p:nvSpPr>
+          <p:cNvPr id="5" name="TextBox 4"/>
+          <p:cNvSpPr txBox="1"/>
+          <p:nvPr/>
+        </p:nvSpPr>
+        <p:spPr>
+          <a:xfrm>
+            <a:off x="5312979" y="4905289"/>
+            <a:ext cx="1471365" cy="369332"/>
+          </a:xfrm>
+          <a:prstGeom prst="rect">
+            <a:avLst/>
+          </a:prstGeom>
+          <a:noFill/>
+        </p:spPr>
+        <p:txBody>
+          <a:bodyPr wrap="none" rtlCol="0">
+            <a:spAutoFit/>
+          </a:bodyPr>
+          <a:lstStyle/>
+          <a:p>
+            <a:r>
+              <a:rPr lang="en-US" dirty="0" smtClean="0"/>
+              <a:t>Property type</a:t>
+            </a:r>
+            <a:endParaRPr lang="en-US" dirty="0"/>
+          </a:p>
+        </p:txBody>
+      </p:sp>
+      <p:sp>
+        <p:nvSpPr>
+          <p:cNvPr id="6" name="TextBox 5"/>
+          <p:cNvSpPr txBox="1"/>
+          <p:nvPr/>
+        </p:nvSpPr>
+        <p:spPr>
+          <a:xfrm>
+            <a:off x="5312979" y="5381919"/>
+            <a:ext cx="1260281" cy="369332"/>
+          </a:xfrm>
+          <a:prstGeom prst="rect">
+            <a:avLst/>
+          </a:prstGeom>
+          <a:noFill/>
+        </p:spPr>
+        <p:txBody>
+          <a:bodyPr wrap="none" rtlCol="0">
+            <a:spAutoFit/>
+          </a:bodyPr>
+          <a:lstStyle/>
+          <a:p>
+            <a:r>
+              <a:rPr lang="en-US" smtClean="0"/>
+              <a:t>Action </a:t>
+            </a:r>
+            <a:r>
+              <a:rPr lang="en-US" dirty="0" smtClean="0"/>
+              <a:t>type</a:t>
+            </a:r>
+            <a:endParaRPr lang="en-US" dirty="0"/>
+          </a:p>
+        </p:txBody>
+      </p:sp>
+      <p:cxnSp>
+        <p:nvCxnSpPr>
+          <p:cNvPr id="9" name="Straight Arrow Connector 8"/>
+          <p:cNvCxnSpPr/>
+          <p:nvPr/>
+        </p:nvCxnSpPr>
+        <p:spPr>
+          <a:xfrm flipH="1">
+            <a:off x="4482662" y="3390322"/>
+            <a:ext cx="467710" cy="0"/>
+          </a:xfrm>
+          <a:prstGeom prst="straightConnector1">
+            <a:avLst/>
+          </a:prstGeom>
+          <a:ln w="28575">
+            <a:solidFill>
+              <a:schemeClr val="tx1"/>
+            </a:solidFill>
+            <a:tailEnd type="triangle"/>
+          </a:ln>
+        </p:spPr>
+        <p:style>
+          <a:lnRef idx="1">
+            <a:schemeClr val="accent1"/>
+          </a:lnRef>
+          <a:fillRef idx="0">
+            <a:schemeClr val="accent1"/>
+          </a:fillRef>
+          <a:effectRef idx="0">
+            <a:schemeClr val="accent1"/>
+          </a:effectRef>
+          <a:fontRef idx="minor">
+            <a:schemeClr val="tx1"/>
+          </a:fontRef>
+        </p:style>
+      </p:cxnSp>
+      <p:cxnSp>
+        <p:nvCxnSpPr>
+          <p:cNvPr id="10" name="Straight Arrow Connector 9"/>
+          <p:cNvCxnSpPr/>
+          <p:nvPr/>
+        </p:nvCxnSpPr>
+        <p:spPr>
+          <a:xfrm flipH="1">
+            <a:off x="4845269" y="5089955"/>
+            <a:ext cx="467710" cy="0"/>
+          </a:xfrm>
+          <a:prstGeom prst="straightConnector1">
+            <a:avLst/>
+          </a:prstGeom>
+          <a:ln w="28575">
+            <a:solidFill>
+              <a:schemeClr val="tx1"/>
+            </a:solidFill>
+            <a:tailEnd type="triangle"/>
+          </a:ln>
+        </p:spPr>
+        <p:style>
+          <a:lnRef idx="1">
+            <a:schemeClr val="accent1"/>
+          </a:lnRef>
+          <a:fillRef idx="0">
+            <a:schemeClr val="accent1"/>
+          </a:fillRef>
+          <a:effectRef idx="0">
+            <a:schemeClr val="accent1"/>
+          </a:effectRef>
+          <a:fontRef idx="minor">
+            <a:schemeClr val="tx1"/>
+          </a:fontRef>
+        </p:style>
+      </p:cxnSp>
+      <p:cxnSp>
+        <p:nvCxnSpPr>
+          <p:cNvPr id="11" name="Straight Arrow Connector 10"/>
+          <p:cNvCxnSpPr/>
+          <p:nvPr/>
+        </p:nvCxnSpPr>
+        <p:spPr>
+          <a:xfrm flipH="1" flipV="1">
+            <a:off x="4572000" y="5381919"/>
+            <a:ext cx="727841" cy="182359"/>
+          </a:xfrm>
+          <a:prstGeom prst="straightConnector1">
+            <a:avLst/>
+          </a:prstGeom>
+          <a:ln w="28575">
+            <a:solidFill>
+              <a:schemeClr val="tx1"/>
+            </a:solidFill>
+            <a:tailEnd type="triangle"/>
+          </a:ln>
+        </p:spPr>
+        <p:style>
+          <a:lnRef idx="1">
+            <a:schemeClr val="accent1"/>
+          </a:lnRef>
+          <a:fillRef idx="0">
+            <a:schemeClr val="accent1"/>
+          </a:fillRef>
+          <a:effectRef idx="0">
+            <a:schemeClr val="accent1"/>
+          </a:effectRef>
+          <a:fontRef idx="minor">
+            <a:schemeClr val="tx1"/>
+          </a:fontRef>
+        </p:style>
+      </p:cxnSp>
+      <p:cxnSp>
+        <p:nvCxnSpPr>
+          <p:cNvPr id="12" name="Straight Arrow Connector 11"/>
+          <p:cNvCxnSpPr/>
+          <p:nvPr/>
+        </p:nvCxnSpPr>
+        <p:spPr>
+          <a:xfrm flipH="1">
+            <a:off x="4482662" y="5564278"/>
+            <a:ext cx="814552" cy="100798"/>
+          </a:xfrm>
+          <a:prstGeom prst="straightConnector1">
+            <a:avLst/>
+          </a:prstGeom>
+          <a:ln w="28575">
+            <a:solidFill>
+              <a:schemeClr val="tx1"/>
+            </a:solidFill>
+            <a:tailEnd type="triangle"/>
+          </a:ln>
+        </p:spPr>
+        <p:style>
+          <a:lnRef idx="1">
+            <a:schemeClr val="accent1"/>
+          </a:lnRef>
+          <a:fillRef idx="0">
+            <a:schemeClr val="accent1"/>
+          </a:fillRef>
+          <a:effectRef idx="0">
+            <a:schemeClr val="accent1"/>
+          </a:effectRef>
+          <a:fontRef idx="minor">
+            <a:schemeClr val="tx1"/>
+          </a:fontRef>
+        </p:style>
+      </p:cxnSp>
     </p:spTree>
     <p:extLst>
       <p:ext uri="{BB962C8B-B14F-4D97-AF65-F5344CB8AC3E}">
@@ -13671,11 +13909,6 @@
               </a:rPr>
               <a:t>",</a:t>
             </a:r>
-            <a:endParaRPr lang="en-US" sz="1600" dirty="0" smtClean="0">
-              <a:latin typeface="Courier" charset="0"/>
-              <a:ea typeface="Courier" charset="0"/>
-              <a:cs typeface="Courier" charset="0"/>
-            </a:endParaRPr>
           </a:p>
           <a:p>
             <a:r>
@@ -13779,11 +14012,6 @@
               </a:rPr>
               <a:t>",</a:t>
             </a:r>
-            <a:endParaRPr lang="is-IS" sz="1600" dirty="0" smtClean="0">
-              <a:latin typeface="Courier" charset="0"/>
-              <a:ea typeface="Courier" charset="0"/>
-              <a:cs typeface="Courier" charset="0"/>
-            </a:endParaRPr>
           </a:p>
           <a:p>
             <a:r>
@@ -13813,11 +14041,6 @@
               </a:rPr>
               <a:t>",</a:t>
             </a:r>
-            <a:endParaRPr lang="is-IS" sz="1600" dirty="0" smtClean="0">
-              <a:latin typeface="Courier" charset="0"/>
-              <a:ea typeface="Courier" charset="0"/>
-              <a:cs typeface="Courier" charset="0"/>
-            </a:endParaRPr>
           </a:p>
           <a:p>
             <a:r>
@@ -13847,11 +14070,6 @@
               </a:rPr>
               <a:t>"</a:t>
             </a:r>
-            <a:endParaRPr lang="is-IS" sz="1600" dirty="0" smtClean="0">
-              <a:latin typeface="Courier" charset="0"/>
-              <a:ea typeface="Courier" charset="0"/>
-              <a:cs typeface="Courier" charset="0"/>
-            </a:endParaRPr>
           </a:p>
           <a:p>
             <a:r>
@@ -13887,6 +14105,416 @@
           </a:p>
         </p:txBody>
       </p:sp>
+      <p:sp>
+        <p:nvSpPr>
+          <p:cNvPr id="5" name="TextBox 4"/>
+          <p:cNvSpPr txBox="1"/>
+          <p:nvPr/>
+        </p:nvSpPr>
+        <p:spPr>
+          <a:xfrm>
+            <a:off x="5418083" y="2319744"/>
+            <a:ext cx="1471365" cy="369332"/>
+          </a:xfrm>
+          <a:prstGeom prst="rect">
+            <a:avLst/>
+          </a:prstGeom>
+          <a:noFill/>
+        </p:spPr>
+        <p:txBody>
+          <a:bodyPr wrap="none" rtlCol="0">
+            <a:spAutoFit/>
+          </a:bodyPr>
+          <a:lstStyle/>
+          <a:p>
+            <a:r>
+              <a:rPr lang="en-US" dirty="0" smtClean="0"/>
+              <a:t>Property type</a:t>
+            </a:r>
+            <a:endParaRPr lang="en-US" dirty="0"/>
+          </a:p>
+        </p:txBody>
+      </p:sp>
+      <p:sp>
+        <p:nvSpPr>
+          <p:cNvPr id="6" name="TextBox 5"/>
+          <p:cNvSpPr txBox="1"/>
+          <p:nvPr/>
+        </p:nvSpPr>
+        <p:spPr>
+          <a:xfrm>
+            <a:off x="5418083" y="2796374"/>
+            <a:ext cx="1260281" cy="369332"/>
+          </a:xfrm>
+          <a:prstGeom prst="rect">
+            <a:avLst/>
+          </a:prstGeom>
+          <a:noFill/>
+        </p:spPr>
+        <p:txBody>
+          <a:bodyPr wrap="none" rtlCol="0">
+            <a:spAutoFit/>
+          </a:bodyPr>
+          <a:lstStyle/>
+          <a:p>
+            <a:r>
+              <a:rPr lang="en-US" smtClean="0"/>
+              <a:t>Action </a:t>
+            </a:r>
+            <a:r>
+              <a:rPr lang="en-US" dirty="0" smtClean="0"/>
+              <a:t>type</a:t>
+            </a:r>
+            <a:endParaRPr lang="en-US" dirty="0"/>
+          </a:p>
+        </p:txBody>
+      </p:sp>
+      <p:cxnSp>
+        <p:nvCxnSpPr>
+          <p:cNvPr id="7" name="Straight Arrow Connector 6"/>
+          <p:cNvCxnSpPr/>
+          <p:nvPr/>
+        </p:nvCxnSpPr>
+        <p:spPr>
+          <a:xfrm flipH="1">
+            <a:off x="4950373" y="2504410"/>
+            <a:ext cx="467710" cy="0"/>
+          </a:xfrm>
+          <a:prstGeom prst="straightConnector1">
+            <a:avLst/>
+          </a:prstGeom>
+          <a:ln w="28575">
+            <a:solidFill>
+              <a:schemeClr val="tx1"/>
+            </a:solidFill>
+            <a:tailEnd type="triangle"/>
+          </a:ln>
+        </p:spPr>
+        <p:style>
+          <a:lnRef idx="1">
+            <a:schemeClr val="accent1"/>
+          </a:lnRef>
+          <a:fillRef idx="0">
+            <a:schemeClr val="accent1"/>
+          </a:fillRef>
+          <a:effectRef idx="0">
+            <a:schemeClr val="accent1"/>
+          </a:effectRef>
+          <a:fontRef idx="minor">
+            <a:schemeClr val="tx1"/>
+          </a:fontRef>
+        </p:style>
+      </p:cxnSp>
+      <p:cxnSp>
+        <p:nvCxnSpPr>
+          <p:cNvPr id="8" name="Straight Arrow Connector 7"/>
+          <p:cNvCxnSpPr/>
+          <p:nvPr/>
+        </p:nvCxnSpPr>
+        <p:spPr>
+          <a:xfrm flipH="1" flipV="1">
+            <a:off x="4677104" y="2796374"/>
+            <a:ext cx="727841" cy="182359"/>
+          </a:xfrm>
+          <a:prstGeom prst="straightConnector1">
+            <a:avLst/>
+          </a:prstGeom>
+          <a:ln w="28575">
+            <a:solidFill>
+              <a:schemeClr val="tx1"/>
+            </a:solidFill>
+            <a:tailEnd type="triangle"/>
+          </a:ln>
+        </p:spPr>
+        <p:style>
+          <a:lnRef idx="1">
+            <a:schemeClr val="accent1"/>
+          </a:lnRef>
+          <a:fillRef idx="0">
+            <a:schemeClr val="accent1"/>
+          </a:fillRef>
+          <a:effectRef idx="0">
+            <a:schemeClr val="accent1"/>
+          </a:effectRef>
+          <a:fontRef idx="minor">
+            <a:schemeClr val="tx1"/>
+          </a:fontRef>
+        </p:style>
+      </p:cxnSp>
+      <p:cxnSp>
+        <p:nvCxnSpPr>
+          <p:cNvPr id="9" name="Straight Arrow Connector 8"/>
+          <p:cNvCxnSpPr/>
+          <p:nvPr/>
+        </p:nvCxnSpPr>
+        <p:spPr>
+          <a:xfrm flipH="1">
+            <a:off x="4587766" y="2978733"/>
+            <a:ext cx="814552" cy="100798"/>
+          </a:xfrm>
+          <a:prstGeom prst="straightConnector1">
+            <a:avLst/>
+          </a:prstGeom>
+          <a:ln w="28575">
+            <a:solidFill>
+              <a:schemeClr val="tx1"/>
+            </a:solidFill>
+            <a:tailEnd type="triangle"/>
+          </a:ln>
+        </p:spPr>
+        <p:style>
+          <a:lnRef idx="1">
+            <a:schemeClr val="accent1"/>
+          </a:lnRef>
+          <a:fillRef idx="0">
+            <a:schemeClr val="accent1"/>
+          </a:fillRef>
+          <a:effectRef idx="0">
+            <a:schemeClr val="accent1"/>
+          </a:effectRef>
+          <a:fontRef idx="minor">
+            <a:schemeClr val="tx1"/>
+          </a:fontRef>
+        </p:style>
+      </p:cxnSp>
+      <p:sp>
+        <p:nvSpPr>
+          <p:cNvPr id="10" name="TextBox 9"/>
+          <p:cNvSpPr txBox="1"/>
+          <p:nvPr/>
+        </p:nvSpPr>
+        <p:spPr>
+          <a:xfrm>
+            <a:off x="6558455" y="3565220"/>
+            <a:ext cx="1471365" cy="369332"/>
+          </a:xfrm>
+          <a:prstGeom prst="rect">
+            <a:avLst/>
+          </a:prstGeom>
+          <a:noFill/>
+        </p:spPr>
+        <p:txBody>
+          <a:bodyPr wrap="none" rtlCol="0">
+            <a:spAutoFit/>
+          </a:bodyPr>
+          <a:lstStyle/>
+          <a:p>
+            <a:r>
+              <a:rPr lang="en-US" dirty="0" smtClean="0"/>
+              <a:t>Property type</a:t>
+            </a:r>
+            <a:endParaRPr lang="en-US" dirty="0"/>
+          </a:p>
+        </p:txBody>
+      </p:sp>
+      <p:cxnSp>
+        <p:nvCxnSpPr>
+          <p:cNvPr id="11" name="Straight Arrow Connector 10"/>
+          <p:cNvCxnSpPr/>
+          <p:nvPr/>
+        </p:nvCxnSpPr>
+        <p:spPr>
+          <a:xfrm flipH="1">
+            <a:off x="6090745" y="3749886"/>
+            <a:ext cx="467710" cy="0"/>
+          </a:xfrm>
+          <a:prstGeom prst="straightConnector1">
+            <a:avLst/>
+          </a:prstGeom>
+          <a:ln w="28575">
+            <a:solidFill>
+              <a:schemeClr val="tx1"/>
+            </a:solidFill>
+            <a:tailEnd type="triangle"/>
+          </a:ln>
+        </p:spPr>
+        <p:style>
+          <a:lnRef idx="1">
+            <a:schemeClr val="accent1"/>
+          </a:lnRef>
+          <a:fillRef idx="0">
+            <a:schemeClr val="accent1"/>
+          </a:fillRef>
+          <a:effectRef idx="0">
+            <a:schemeClr val="accent1"/>
+          </a:effectRef>
+          <a:fontRef idx="minor">
+            <a:schemeClr val="tx1"/>
+          </a:fontRef>
+        </p:style>
+      </p:cxnSp>
+      <p:sp>
+        <p:nvSpPr>
+          <p:cNvPr id="12" name="TextBox 11"/>
+          <p:cNvSpPr txBox="1"/>
+          <p:nvPr/>
+        </p:nvSpPr>
+        <p:spPr>
+          <a:xfrm>
+            <a:off x="5747506" y="4736280"/>
+            <a:ext cx="1471365" cy="369332"/>
+          </a:xfrm>
+          <a:prstGeom prst="rect">
+            <a:avLst/>
+          </a:prstGeom>
+          <a:noFill/>
+        </p:spPr>
+        <p:txBody>
+          <a:bodyPr wrap="none" rtlCol="0">
+            <a:spAutoFit/>
+          </a:bodyPr>
+          <a:lstStyle/>
+          <a:p>
+            <a:r>
+              <a:rPr lang="en-US" dirty="0" smtClean="0"/>
+              <a:t>Property type</a:t>
+            </a:r>
+            <a:endParaRPr lang="en-US" dirty="0"/>
+          </a:p>
+        </p:txBody>
+      </p:sp>
+      <p:cxnSp>
+        <p:nvCxnSpPr>
+          <p:cNvPr id="13" name="Straight Arrow Connector 12"/>
+          <p:cNvCxnSpPr/>
+          <p:nvPr/>
+        </p:nvCxnSpPr>
+        <p:spPr>
+          <a:xfrm flipH="1">
+            <a:off x="5279796" y="4920946"/>
+            <a:ext cx="467710" cy="0"/>
+          </a:xfrm>
+          <a:prstGeom prst="straightConnector1">
+            <a:avLst/>
+          </a:prstGeom>
+          <a:ln w="28575">
+            <a:solidFill>
+              <a:schemeClr val="tx1"/>
+            </a:solidFill>
+            <a:tailEnd type="triangle"/>
+          </a:ln>
+        </p:spPr>
+        <p:style>
+          <a:lnRef idx="1">
+            <a:schemeClr val="accent1"/>
+          </a:lnRef>
+          <a:fillRef idx="0">
+            <a:schemeClr val="accent1"/>
+          </a:fillRef>
+          <a:effectRef idx="0">
+            <a:schemeClr val="accent1"/>
+          </a:effectRef>
+          <a:fontRef idx="minor">
+            <a:schemeClr val="tx1"/>
+          </a:fontRef>
+        </p:style>
+      </p:cxnSp>
+      <p:sp>
+        <p:nvSpPr>
+          <p:cNvPr id="14" name="TextBox 13"/>
+          <p:cNvSpPr txBox="1"/>
+          <p:nvPr/>
+        </p:nvSpPr>
+        <p:spPr>
+          <a:xfrm>
+            <a:off x="5780690" y="5221970"/>
+            <a:ext cx="1260281" cy="369332"/>
+          </a:xfrm>
+          <a:prstGeom prst="rect">
+            <a:avLst/>
+          </a:prstGeom>
+          <a:noFill/>
+        </p:spPr>
+        <p:txBody>
+          <a:bodyPr wrap="none" rtlCol="0">
+            <a:spAutoFit/>
+          </a:bodyPr>
+          <a:lstStyle/>
+          <a:p>
+            <a:r>
+              <a:rPr lang="en-US" smtClean="0"/>
+              <a:t>Action </a:t>
+            </a:r>
+            <a:r>
+              <a:rPr lang="en-US" dirty="0" smtClean="0"/>
+              <a:t>type</a:t>
+            </a:r>
+            <a:endParaRPr lang="en-US" dirty="0"/>
+          </a:p>
+        </p:txBody>
+      </p:sp>
+      <p:cxnSp>
+        <p:nvCxnSpPr>
+          <p:cNvPr id="15" name="Straight Arrow Connector 14"/>
+          <p:cNvCxnSpPr/>
+          <p:nvPr/>
+        </p:nvCxnSpPr>
+        <p:spPr>
+          <a:xfrm flipH="1" flipV="1">
+            <a:off x="5039711" y="5221970"/>
+            <a:ext cx="727841" cy="182359"/>
+          </a:xfrm>
+          <a:prstGeom prst="straightConnector1">
+            <a:avLst/>
+          </a:prstGeom>
+          <a:ln w="28575">
+            <a:solidFill>
+              <a:schemeClr val="tx1"/>
+            </a:solidFill>
+            <a:tailEnd type="triangle"/>
+          </a:ln>
+        </p:spPr>
+        <p:style>
+          <a:lnRef idx="1">
+            <a:schemeClr val="accent1"/>
+          </a:lnRef>
+          <a:fillRef idx="0">
+            <a:schemeClr val="accent1"/>
+          </a:fillRef>
+          <a:effectRef idx="0">
+            <a:schemeClr val="accent1"/>
+          </a:effectRef>
+          <a:fontRef idx="minor">
+            <a:schemeClr val="tx1"/>
+          </a:fontRef>
+        </p:style>
+      </p:cxnSp>
+      <p:cxnSp>
+        <p:nvCxnSpPr>
+          <p:cNvPr id="16" name="Straight Arrow Connector 15"/>
+          <p:cNvCxnSpPr/>
+          <p:nvPr/>
+        </p:nvCxnSpPr>
+        <p:spPr>
+          <a:xfrm flipH="1">
+            <a:off x="4950373" y="5404329"/>
+            <a:ext cx="814552" cy="100798"/>
+          </a:xfrm>
+          <a:prstGeom prst="straightConnector1">
+            <a:avLst/>
+          </a:prstGeom>
+          <a:ln w="28575">
+            <a:solidFill>
+              <a:schemeClr val="tx1"/>
+            </a:solidFill>
+            <a:tailEnd type="triangle"/>
+          </a:ln>
+        </p:spPr>
+        <p:style>
+          <a:lnRef idx="1">
+            <a:schemeClr val="accent1"/>
+          </a:lnRef>
+          <a:fillRef idx="0">
+            <a:schemeClr val="accent1"/>
+          </a:fillRef>
+          <a:effectRef idx="0">
+            <a:schemeClr val="accent1"/>
+          </a:effectRef>
+          <a:fontRef idx="minor">
+            <a:schemeClr val="tx1"/>
+          </a:fontRef>
+        </p:style>
+      </p:cxnSp>
     </p:spTree>
     <p:extLst>
       <p:ext uri="{BB962C8B-B14F-4D97-AF65-F5344CB8AC3E}">
@@ -14244,6 +14872,146 @@
           </a:p>
         </p:txBody>
       </p:sp>
+      <p:sp>
+        <p:nvSpPr>
+          <p:cNvPr id="4" name="TextBox 3"/>
+          <p:cNvSpPr txBox="1"/>
+          <p:nvPr/>
+        </p:nvSpPr>
+        <p:spPr>
+          <a:xfrm>
+            <a:off x="6400800" y="4034301"/>
+            <a:ext cx="1091966" cy="369332"/>
+          </a:xfrm>
+          <a:prstGeom prst="rect">
+            <a:avLst/>
+          </a:prstGeom>
+          <a:noFill/>
+        </p:spPr>
+        <p:txBody>
+          <a:bodyPr wrap="none" rtlCol="0">
+            <a:spAutoFit/>
+          </a:bodyPr>
+          <a:lstStyle/>
+          <a:p>
+            <a:r>
+              <a:rPr lang="en-US" dirty="0" smtClean="0"/>
+              <a:t>Data type</a:t>
+            </a:r>
+            <a:endParaRPr lang="en-US" dirty="0"/>
+          </a:p>
+        </p:txBody>
+      </p:sp>
+      <p:cxnSp>
+        <p:nvCxnSpPr>
+          <p:cNvPr id="5" name="Straight Arrow Connector 4"/>
+          <p:cNvCxnSpPr/>
+          <p:nvPr/>
+        </p:nvCxnSpPr>
+        <p:spPr>
+          <a:xfrm flipH="1" flipV="1">
+            <a:off x="5659821" y="4034301"/>
+            <a:ext cx="727841" cy="182359"/>
+          </a:xfrm>
+          <a:prstGeom prst="straightConnector1">
+            <a:avLst/>
+          </a:prstGeom>
+          <a:ln w="28575">
+            <a:solidFill>
+              <a:schemeClr val="tx1"/>
+            </a:solidFill>
+            <a:tailEnd type="triangle"/>
+          </a:ln>
+        </p:spPr>
+        <p:style>
+          <a:lnRef idx="1">
+            <a:schemeClr val="accent1"/>
+          </a:lnRef>
+          <a:fillRef idx="0">
+            <a:schemeClr val="accent1"/>
+          </a:fillRef>
+          <a:effectRef idx="0">
+            <a:schemeClr val="accent1"/>
+          </a:effectRef>
+          <a:fontRef idx="minor">
+            <a:schemeClr val="tx1"/>
+          </a:fontRef>
+        </p:style>
+      </p:cxnSp>
+      <p:cxnSp>
+        <p:nvCxnSpPr>
+          <p:cNvPr id="6" name="Straight Arrow Connector 5"/>
+          <p:cNvCxnSpPr/>
+          <p:nvPr/>
+        </p:nvCxnSpPr>
+        <p:spPr>
+          <a:xfrm flipH="1">
+            <a:off x="5570483" y="4216660"/>
+            <a:ext cx="814552" cy="100798"/>
+          </a:xfrm>
+          <a:prstGeom prst="straightConnector1">
+            <a:avLst/>
+          </a:prstGeom>
+          <a:ln w="28575">
+            <a:solidFill>
+              <a:schemeClr val="tx1"/>
+            </a:solidFill>
+            <a:tailEnd type="triangle"/>
+          </a:ln>
+        </p:spPr>
+        <p:style>
+          <a:lnRef idx="1">
+            <a:schemeClr val="accent1"/>
+          </a:lnRef>
+          <a:fillRef idx="0">
+            <a:schemeClr val="accent1"/>
+          </a:fillRef>
+          <a:effectRef idx="0">
+            <a:schemeClr val="accent1"/>
+          </a:effectRef>
+          <a:fontRef idx="minor">
+            <a:schemeClr val="tx1"/>
+          </a:fontRef>
+        </p:style>
+      </p:cxnSp>
+      <p:cxnSp>
+        <p:nvCxnSpPr>
+          <p:cNvPr id="7" name="Straight Arrow Connector 6"/>
+          <p:cNvCxnSpPr>
+            <a:stCxn id="4" idx="1"/>
+          </p:cNvCxnSpPr>
+          <p:nvPr/>
+        </p:nvCxnSpPr>
+        <p:spPr>
+          <a:xfrm flipH="1">
+            <a:off x="5334000" y="4218967"/>
+            <a:ext cx="1066800" cy="311765"/>
+          </a:xfrm>
+          <a:prstGeom prst="straightConnector1">
+            <a:avLst/>
+          </a:prstGeom>
+          <a:ln w="28575">
+            <a:solidFill>
+              <a:schemeClr val="tx1"/>
+            </a:solidFill>
+            <a:tailEnd type="triangle"/>
+          </a:ln>
+        </p:spPr>
+        <p:style>
+          <a:lnRef idx="1">
+            <a:schemeClr val="accent1"/>
+          </a:lnRef>
+          <a:fillRef idx="0">
+            <a:schemeClr val="accent1"/>
+          </a:fillRef>
+          <a:effectRef idx="0">
+            <a:schemeClr val="accent1"/>
+          </a:effectRef>
+          <a:fontRef idx="minor">
+            <a:schemeClr val="tx1"/>
+          </a:fontRef>
+        </p:style>
+      </p:cxnSp>
     </p:spTree>
     <p:extLst>
       <p:ext uri="{BB962C8B-B14F-4D97-AF65-F5344CB8AC3E}">
@@ -19589,14 +20357,6 @@
               </a:rPr>
               <a:t>},</a:t>
             </a:r>
-            <a:endParaRPr lang="en-US" sz="1600" dirty="0">
-              <a:solidFill>
-                <a:srgbClr val="000000"/>
-              </a:solidFill>
-              <a:latin typeface="Courier" charset="0"/>
-              <a:ea typeface="Courier" charset="0"/>
-              <a:cs typeface="Courier" charset="0"/>
-            </a:endParaRPr>
           </a:p>
         </p:txBody>
       </p:sp>
@@ -20125,14 +20885,6 @@
               </a:rPr>
               <a:t>},</a:t>
             </a:r>
-            <a:endParaRPr lang="en-US" sz="1600" dirty="0">
-              <a:solidFill>
-                <a:srgbClr val="000000"/>
-              </a:solidFill>
-              <a:latin typeface="Courier" charset="0"/>
-              <a:ea typeface="Courier" charset="0"/>
-              <a:cs typeface="Courier" charset="0"/>
-            </a:endParaRPr>
           </a:p>
         </p:txBody>
       </p:sp>

--- a/ODM-CDF.pptx
+++ b/ODM-CDF.pptx
@@ -232,7 +232,7 @@
           <a:p>
             <a:fld id="{CAA8BD54-1B67-094F-844E-AC8F37AF9E32}" type="datetimeFigureOut">
               <a:rPr lang="en-US" smtClean="0"/>
-              <a:t>3/26/19</a:t>
+              <a:t>4/3/19</a:t>
             </a:fld>
             <a:endParaRPr lang="en-US"/>
           </a:p>
@@ -630,7 +630,7 @@
           <a:p>
             <a:fld id="{5D1B769D-4479-6C4A-BB04-AB0258055D9C}" type="datetimeFigureOut">
               <a:rPr lang="en-US" smtClean="0"/>
-              <a:t>3/26/19</a:t>
+              <a:t>4/3/19</a:t>
             </a:fld>
             <a:endParaRPr lang="en-US"/>
           </a:p>
@@ -795,7 +795,7 @@
           <a:p>
             <a:fld id="{5D1B769D-4479-6C4A-BB04-AB0258055D9C}" type="datetimeFigureOut">
               <a:rPr lang="en-US" smtClean="0"/>
-              <a:t>3/26/19</a:t>
+              <a:t>4/3/19</a:t>
             </a:fld>
             <a:endParaRPr lang="en-US"/>
           </a:p>
@@ -970,7 +970,7 @@
           <a:p>
             <a:fld id="{5D1B769D-4479-6C4A-BB04-AB0258055D9C}" type="datetimeFigureOut">
               <a:rPr lang="en-US" smtClean="0"/>
-              <a:t>3/26/19</a:t>
+              <a:t>4/3/19</a:t>
             </a:fld>
             <a:endParaRPr lang="en-US"/>
           </a:p>
@@ -1135,7 +1135,7 @@
           <a:p>
             <a:fld id="{5D1B769D-4479-6C4A-BB04-AB0258055D9C}" type="datetimeFigureOut">
               <a:rPr lang="en-US" smtClean="0"/>
-              <a:t>3/26/19</a:t>
+              <a:t>4/3/19</a:t>
             </a:fld>
             <a:endParaRPr lang="en-US"/>
           </a:p>
@@ -1374,7 +1374,7 @@
           <a:p>
             <a:fld id="{5D1B769D-4479-6C4A-BB04-AB0258055D9C}" type="datetimeFigureOut">
               <a:rPr lang="en-US" smtClean="0"/>
-              <a:t>3/26/19</a:t>
+              <a:t>4/3/19</a:t>
             </a:fld>
             <a:endParaRPr lang="en-US"/>
           </a:p>
@@ -1601,7 +1601,7 @@
           <a:p>
             <a:fld id="{5D1B769D-4479-6C4A-BB04-AB0258055D9C}" type="datetimeFigureOut">
               <a:rPr lang="en-US" smtClean="0"/>
-              <a:t>3/26/19</a:t>
+              <a:t>4/3/19</a:t>
             </a:fld>
             <a:endParaRPr lang="en-US"/>
           </a:p>
@@ -1963,7 +1963,7 @@
           <a:p>
             <a:fld id="{5D1B769D-4479-6C4A-BB04-AB0258055D9C}" type="datetimeFigureOut">
               <a:rPr lang="en-US" smtClean="0"/>
-              <a:t>3/26/19</a:t>
+              <a:t>4/3/19</a:t>
             </a:fld>
             <a:endParaRPr lang="en-US"/>
           </a:p>
@@ -2076,7 +2076,7 @@
           <a:p>
             <a:fld id="{5D1B769D-4479-6C4A-BB04-AB0258055D9C}" type="datetimeFigureOut">
               <a:rPr lang="en-US" smtClean="0"/>
-              <a:t>3/26/19</a:t>
+              <a:t>4/3/19</a:t>
             </a:fld>
             <a:endParaRPr lang="en-US"/>
           </a:p>
@@ -2166,7 +2166,7 @@
           <a:p>
             <a:fld id="{5D1B769D-4479-6C4A-BB04-AB0258055D9C}" type="datetimeFigureOut">
               <a:rPr lang="en-US" smtClean="0"/>
-              <a:t>3/26/19</a:t>
+              <a:t>4/3/19</a:t>
             </a:fld>
             <a:endParaRPr lang="en-US"/>
           </a:p>
@@ -2438,7 +2438,7 @@
           <a:p>
             <a:fld id="{5D1B769D-4479-6C4A-BB04-AB0258055D9C}" type="datetimeFigureOut">
               <a:rPr lang="en-US" smtClean="0"/>
-              <a:t>3/26/19</a:t>
+              <a:t>4/3/19</a:t>
             </a:fld>
             <a:endParaRPr lang="en-US"/>
           </a:p>
@@ -2690,7 +2690,7 @@
           <a:p>
             <a:fld id="{5D1B769D-4479-6C4A-BB04-AB0258055D9C}" type="datetimeFigureOut">
               <a:rPr lang="en-US" smtClean="0"/>
-              <a:t>3/26/19</a:t>
+              <a:t>4/3/19</a:t>
             </a:fld>
             <a:endParaRPr lang="en-US"/>
           </a:p>
@@ -2898,7 +2898,7 @@
           <a:p>
             <a:fld id="{5D1B769D-4479-6C4A-BB04-AB0258055D9C}" type="datetimeFigureOut">
               <a:rPr lang="en-US" smtClean="0"/>
-              <a:t>3/26/19</a:t>
+              <a:t>4/3/19</a:t>
             </a:fld>
             <a:endParaRPr lang="en-US"/>
           </a:p>
@@ -12032,7 +12032,7 @@
           <p:cNvPr id="2" name="Title 1">
             <a:extLst>
               <a:ext uri="{FF2B5EF4-FFF2-40B4-BE49-F238E27FC236}">
-                <a16:creationId xmlns:a16="http://schemas.microsoft.com/office/drawing/2014/main" xmlns="" id="{F7AC3872-664A-CC4C-BDC5-D61C47E371A8}"/>
+                <a16:creationId xmlns="" xmlns:a16="http://schemas.microsoft.com/office/drawing/2014/main" id="{F7AC3872-664A-CC4C-BDC5-D61C47E371A8}"/>
               </a:ext>
             </a:extLst>
           </p:cNvPr>
@@ -12060,7 +12060,7 @@
           <p:cNvPr id="4" name="Rectangle 3">
             <a:extLst>
               <a:ext uri="{FF2B5EF4-FFF2-40B4-BE49-F238E27FC236}">
-                <a16:creationId xmlns:a16="http://schemas.microsoft.com/office/drawing/2014/main" xmlns="" id="{25A414E1-7B5A-954D-870E-9256C72726D7}"/>
+                <a16:creationId xmlns="" xmlns:a16="http://schemas.microsoft.com/office/drawing/2014/main" id="{25A414E1-7B5A-954D-870E-9256C72726D7}"/>
               </a:ext>
             </a:extLst>
           </p:cNvPr>
@@ -12109,7 +12109,7 @@
           <p:cNvPr id="5" name="Rectangle 4">
             <a:extLst>
               <a:ext uri="{FF2B5EF4-FFF2-40B4-BE49-F238E27FC236}">
-                <a16:creationId xmlns:a16="http://schemas.microsoft.com/office/drawing/2014/main" xmlns="" id="{F020A002-4477-F840-B48B-78C3A1552DA0}"/>
+                <a16:creationId xmlns="" xmlns:a16="http://schemas.microsoft.com/office/drawing/2014/main" id="{F020A002-4477-F840-B48B-78C3A1552DA0}"/>
               </a:ext>
             </a:extLst>
           </p:cNvPr>
@@ -12158,7 +12158,7 @@
           <p:cNvPr id="6" name="TextBox 5">
             <a:extLst>
               <a:ext uri="{FF2B5EF4-FFF2-40B4-BE49-F238E27FC236}">
-                <a16:creationId xmlns:a16="http://schemas.microsoft.com/office/drawing/2014/main" xmlns="" id="{F7902DFD-780E-7D48-9304-ECD24AFA11AB}"/>
+                <a16:creationId xmlns="" xmlns:a16="http://schemas.microsoft.com/office/drawing/2014/main" id="{F7902DFD-780E-7D48-9304-ECD24AFA11AB}"/>
               </a:ext>
             </a:extLst>
           </p:cNvPr>
@@ -12190,7 +12190,7 @@
           <p:cNvPr id="7" name="Rectangle 6">
             <a:extLst>
               <a:ext uri="{FF2B5EF4-FFF2-40B4-BE49-F238E27FC236}">
-                <a16:creationId xmlns:a16="http://schemas.microsoft.com/office/drawing/2014/main" xmlns="" id="{94CB2F40-E770-734E-AC93-EDBFC660CFC7}"/>
+                <a16:creationId xmlns="" xmlns:a16="http://schemas.microsoft.com/office/drawing/2014/main" id="{94CB2F40-E770-734E-AC93-EDBFC660CFC7}"/>
               </a:ext>
             </a:extLst>
           </p:cNvPr>
@@ -12239,7 +12239,7 @@
           <p:cNvPr id="9" name="Rectangle 8">
             <a:extLst>
               <a:ext uri="{FF2B5EF4-FFF2-40B4-BE49-F238E27FC236}">
-                <a16:creationId xmlns:a16="http://schemas.microsoft.com/office/drawing/2014/main" xmlns="" id="{813B3CA8-929C-F24A-8167-085E5F94FEB8}"/>
+                <a16:creationId xmlns="" xmlns:a16="http://schemas.microsoft.com/office/drawing/2014/main" id="{813B3CA8-929C-F24A-8167-085E5F94FEB8}"/>
               </a:ext>
             </a:extLst>
           </p:cNvPr>
@@ -12289,7 +12289,7 @@
           <p:cNvPr id="15" name="Rectangle 14">
             <a:extLst>
               <a:ext uri="{FF2B5EF4-FFF2-40B4-BE49-F238E27FC236}">
-                <a16:creationId xmlns:a16="http://schemas.microsoft.com/office/drawing/2014/main" xmlns="" id="{01013A0E-A90D-6842-B724-9E245A0BF9C9}"/>
+                <a16:creationId xmlns="" xmlns:a16="http://schemas.microsoft.com/office/drawing/2014/main" id="{01013A0E-A90D-6842-B724-9E245A0BF9C9}"/>
               </a:ext>
             </a:extLst>
           </p:cNvPr>
@@ -12346,7 +12346,7 @@
           <p:cNvPr id="16" name="Rectangle 15">
             <a:extLst>
               <a:ext uri="{FF2B5EF4-FFF2-40B4-BE49-F238E27FC236}">
-                <a16:creationId xmlns:a16="http://schemas.microsoft.com/office/drawing/2014/main" xmlns="" id="{F2BE2857-95D3-8940-BD4F-8786E6D26DD0}"/>
+                <a16:creationId xmlns="" xmlns:a16="http://schemas.microsoft.com/office/drawing/2014/main" id="{F2BE2857-95D3-8940-BD4F-8786E6D26DD0}"/>
               </a:ext>
             </a:extLst>
           </p:cNvPr>
@@ -12403,7 +12403,7 @@
           <p:cNvPr id="17" name="Rectangle 16">
             <a:extLst>
               <a:ext uri="{FF2B5EF4-FFF2-40B4-BE49-F238E27FC236}">
-                <a16:creationId xmlns:a16="http://schemas.microsoft.com/office/drawing/2014/main" xmlns="" id="{55DBE446-2F63-0148-A211-436F566151E7}"/>
+                <a16:creationId xmlns="" xmlns:a16="http://schemas.microsoft.com/office/drawing/2014/main" id="{55DBE446-2F63-0148-A211-436F566151E7}"/>
               </a:ext>
             </a:extLst>
           </p:cNvPr>
@@ -12460,7 +12460,7 @@
           <p:cNvPr id="18" name="Rectangle 17">
             <a:extLst>
               <a:ext uri="{FF2B5EF4-FFF2-40B4-BE49-F238E27FC236}">
-                <a16:creationId xmlns:a16="http://schemas.microsoft.com/office/drawing/2014/main" xmlns="" id="{A1CEFAE2-5FFA-B94F-8693-ED46EDD63F38}"/>
+                <a16:creationId xmlns="" xmlns:a16="http://schemas.microsoft.com/office/drawing/2014/main" id="{A1CEFAE2-5FFA-B94F-8693-ED46EDD63F38}"/>
               </a:ext>
             </a:extLst>
           </p:cNvPr>
@@ -12517,7 +12517,7 @@
           <p:cNvPr id="20" name="TextBox 19">
             <a:extLst>
               <a:ext uri="{FF2B5EF4-FFF2-40B4-BE49-F238E27FC236}">
-                <a16:creationId xmlns:a16="http://schemas.microsoft.com/office/drawing/2014/main" xmlns="" id="{96B30896-74FD-C24C-B7BB-BDD3ED76798A}"/>
+                <a16:creationId xmlns="" xmlns:a16="http://schemas.microsoft.com/office/drawing/2014/main" id="{96B30896-74FD-C24C-B7BB-BDD3ED76798A}"/>
               </a:ext>
             </a:extLst>
           </p:cNvPr>
@@ -12552,7 +12552,7 @@
           <p:cNvPr id="21" name="TextBox 20">
             <a:extLst>
               <a:ext uri="{FF2B5EF4-FFF2-40B4-BE49-F238E27FC236}">
-                <a16:creationId xmlns:a16="http://schemas.microsoft.com/office/drawing/2014/main" xmlns="" id="{76D67C6A-710A-0A4C-9B52-E4F5E98E9191}"/>
+                <a16:creationId xmlns="" xmlns:a16="http://schemas.microsoft.com/office/drawing/2014/main" id="{76D67C6A-710A-0A4C-9B52-E4F5E98E9191}"/>
               </a:ext>
             </a:extLst>
           </p:cNvPr>
@@ -12587,7 +12587,7 @@
           <p:cNvPr id="23" name="Straight Arrow Connector 22">
             <a:extLst>
               <a:ext uri="{FF2B5EF4-FFF2-40B4-BE49-F238E27FC236}">
-                <a16:creationId xmlns:a16="http://schemas.microsoft.com/office/drawing/2014/main" xmlns="" id="{1F6F2B3D-250C-084C-90ED-0F82EC25DFDC}"/>
+                <a16:creationId xmlns="" xmlns:a16="http://schemas.microsoft.com/office/drawing/2014/main" id="{1F6F2B3D-250C-084C-90ED-0F82EC25DFDC}"/>
               </a:ext>
             </a:extLst>
           </p:cNvPr>
@@ -12633,7 +12633,7 @@
           <p:cNvPr id="25" name="Straight Arrow Connector 24">
             <a:extLst>
               <a:ext uri="{FF2B5EF4-FFF2-40B4-BE49-F238E27FC236}">
-                <a16:creationId xmlns:a16="http://schemas.microsoft.com/office/drawing/2014/main" xmlns="" id="{F3109D8F-F041-2742-9A45-B1F14C1A499C}"/>
+                <a16:creationId xmlns="" xmlns:a16="http://schemas.microsoft.com/office/drawing/2014/main" id="{F3109D8F-F041-2742-9A45-B1F14C1A499C}"/>
               </a:ext>
             </a:extLst>
           </p:cNvPr>
@@ -12677,7 +12677,7 @@
           <p:cNvPr id="26" name="Straight Arrow Connector 25">
             <a:extLst>
               <a:ext uri="{FF2B5EF4-FFF2-40B4-BE49-F238E27FC236}">
-                <a16:creationId xmlns:a16="http://schemas.microsoft.com/office/drawing/2014/main" xmlns="" id="{9AB1BE36-FEA9-AB4A-92EC-79E2B1ED2B5F}"/>
+                <a16:creationId xmlns="" xmlns:a16="http://schemas.microsoft.com/office/drawing/2014/main" id="{9AB1BE36-FEA9-AB4A-92EC-79E2B1ED2B5F}"/>
               </a:ext>
             </a:extLst>
           </p:cNvPr>
@@ -12721,7 +12721,7 @@
           <p:cNvPr id="27" name="Straight Arrow Connector 26">
             <a:extLst>
               <a:ext uri="{FF2B5EF4-FFF2-40B4-BE49-F238E27FC236}">
-                <a16:creationId xmlns:a16="http://schemas.microsoft.com/office/drawing/2014/main" xmlns="" id="{31BB1E19-F486-9F4E-A400-8D46E3496B3C}"/>
+                <a16:creationId xmlns="" xmlns:a16="http://schemas.microsoft.com/office/drawing/2014/main" id="{31BB1E19-F486-9F4E-A400-8D46E3496B3C}"/>
               </a:ext>
             </a:extLst>
           </p:cNvPr>
@@ -12765,7 +12765,7 @@
           <p:cNvPr id="33" name="Right Brace 32">
             <a:extLst>
               <a:ext uri="{FF2B5EF4-FFF2-40B4-BE49-F238E27FC236}">
-                <a16:creationId xmlns:a16="http://schemas.microsoft.com/office/drawing/2014/main" xmlns="" id="{5A17CF90-A157-254C-852B-E692D446776E}"/>
+                <a16:creationId xmlns="" xmlns:a16="http://schemas.microsoft.com/office/drawing/2014/main" id="{5A17CF90-A157-254C-852B-E692D446776E}"/>
               </a:ext>
             </a:extLst>
           </p:cNvPr>
@@ -12814,7 +12814,7 @@
           <p:cNvPr id="34" name="TextBox 33">
             <a:extLst>
               <a:ext uri="{FF2B5EF4-FFF2-40B4-BE49-F238E27FC236}">
-                <a16:creationId xmlns:a16="http://schemas.microsoft.com/office/drawing/2014/main" xmlns="" id="{E4CD285D-531C-784A-A22E-F4B496901D17}"/>
+                <a16:creationId xmlns="" xmlns:a16="http://schemas.microsoft.com/office/drawing/2014/main" id="{E4CD285D-531C-784A-A22E-F4B496901D17}"/>
               </a:ext>
             </a:extLst>
           </p:cNvPr>
@@ -23925,7 +23925,8 @@
           </a:prstGeom>
           <a:solidFill>
             <a:schemeClr val="accent6">
-              <a:lumMod val="75000"/>
+              <a:lumMod val="60000"/>
+              <a:lumOff val="40000"/>
             </a:schemeClr>
           </a:solidFill>
           <a:ln w="19050">
